--- a/Android + Firebase.pptx
+++ b/Android + Firebase.pptx
@@ -6,6 +6,9 @@
   </p:sldMasterIdLst>
   <p:sldIdLst>
     <p:sldId id="256" r:id="rId2"/>
+    <p:sldId id="257" r:id="rId3"/>
+    <p:sldId id="258" r:id="rId4"/>
+    <p:sldId id="259" r:id="rId5"/>
   </p:sldIdLst>
   <p:sldSz cx="12192000" cy="6858000"/>
   <p:notesSz cx="6858000" cy="9144000"/>
@@ -104,6 +107,11 @@
       </a:defRPr>
     </a:lvl9pPr>
   </p:defaultTextStyle>
+  <p:extLst>
+    <p:ext uri="{EFAFB233-063F-42B5-8137-9DF3F51BA10A}">
+      <p15:sldGuideLst xmlns:p15="http://schemas.microsoft.com/office/powerpoint/2012/main"/>
+    </p:ext>
+  </p:extLst>
 </p:presentation>
 </file>
 
@@ -2744,9 +2752,12 @@
 <p:sldMaster xmlns:a="http://schemas.openxmlformats.org/drawingml/2006/main" xmlns:r="http://schemas.openxmlformats.org/officeDocument/2006/relationships" xmlns:p="http://schemas.openxmlformats.org/presentationml/2006/main">
   <p:cSld>
     <p:bg>
-      <p:bgRef idx="1001">
-        <a:schemeClr val="bg1"/>
-      </p:bgRef>
+      <p:bgPr>
+        <a:solidFill>
+          <a:srgbClr val="FDF7EB"/>
+        </a:solidFill>
+        <a:effectLst/>
+      </p:bgPr>
     </p:bg>
     <p:spTree>
       <p:nvGrpSpPr>
@@ -3361,7 +3372,7 @@
         </p:blipFill>
         <p:spPr>
           <a:xfrm>
-            <a:off x="3021900" y="2007316"/>
+            <a:off x="3021900" y="1582314"/>
             <a:ext cx="6148201" cy="3925194"/>
           </a:xfrm>
           <a:prstGeom prst="rect">
@@ -3383,8 +3394,8 @@
         </p:nvSpPr>
         <p:spPr>
           <a:xfrm>
-            <a:off x="3219718" y="1159099"/>
-            <a:ext cx="5396248" cy="369332"/>
+            <a:off x="3397876" y="1051889"/>
+            <a:ext cx="5396248" cy="646331"/>
           </a:xfrm>
           <a:prstGeom prst="rect">
             <a:avLst/>
@@ -3399,25 +3410,28 @@
           <a:p>
             <a:pPr algn="ctr"/>
             <a:r>
-              <a:rPr lang="pt-BR" dirty="0">
+              <a:rPr lang="pt-BR" sz="3600" dirty="0">
                 <a:solidFill>
                   <a:srgbClr val="FDF7EB"/>
                 </a:solidFill>
+                <a:latin typeface="Gotham Rounded Medium" pitchFamily="50" charset="0"/>
               </a:rPr>
               <a:t>Android + </a:t>
             </a:r>
             <a:r>
-              <a:rPr lang="pt-BR" dirty="0" err="1">
+              <a:rPr lang="pt-BR" sz="3600" dirty="0" err="1">
                 <a:solidFill>
                   <a:srgbClr val="FDF7EB"/>
                 </a:solidFill>
+                <a:latin typeface="Gotham Rounded Medium" pitchFamily="50" charset="0"/>
               </a:rPr>
               <a:t>Firebase</a:t>
             </a:r>
-            <a:endParaRPr lang="pt-BR" dirty="0">
+            <a:endParaRPr lang="pt-BR" sz="3600" dirty="0">
               <a:solidFill>
                 <a:srgbClr val="FDF7EB"/>
               </a:solidFill>
+              <a:latin typeface="Gotham Rounded Medium" pitchFamily="50" charset="0"/>
             </a:endParaRPr>
           </a:p>
         </p:txBody>
@@ -3426,6 +3440,447 @@
     <p:extLst>
       <p:ext uri="{BB962C8B-B14F-4D97-AF65-F5344CB8AC3E}">
         <p14:creationId xmlns:p14="http://schemas.microsoft.com/office/powerpoint/2010/main" val="183117182"/>
+      </p:ext>
+    </p:extLst>
+  </p:cSld>
+  <p:clrMapOvr>
+    <a:masterClrMapping/>
+  </p:clrMapOvr>
+</p:sld>
+</file>
+
+<file path=ppt/slides/slide2.xml><?xml version="1.0" encoding="utf-8"?>
+<p:sld xmlns:a="http://schemas.openxmlformats.org/drawingml/2006/main" xmlns:r="http://schemas.openxmlformats.org/officeDocument/2006/relationships" xmlns:p="http://schemas.openxmlformats.org/presentationml/2006/main">
+  <p:cSld>
+    <p:spTree>
+      <p:nvGrpSpPr>
+        <p:cNvPr id="1" name=""/>
+        <p:cNvGrpSpPr/>
+        <p:nvPr/>
+      </p:nvGrpSpPr>
+      <p:grpSpPr>
+        <a:xfrm>
+          <a:off x="0" y="0"/>
+          <a:ext cx="0" cy="0"/>
+          <a:chOff x="0" y="0"/>
+          <a:chExt cx="0" cy="0"/>
+        </a:xfrm>
+      </p:grpSpPr>
+      <p:sp>
+        <p:nvSpPr>
+          <p:cNvPr id="2" name="CaixaDeTexto 1">
+            <a:extLst>
+              <a:ext uri="{FF2B5EF4-FFF2-40B4-BE49-F238E27FC236}">
+                <a16:creationId xmlns:a16="http://schemas.microsoft.com/office/drawing/2014/main" id="{DD8AFDE8-5B96-4239-A11C-FEA203599554}"/>
+              </a:ext>
+            </a:extLst>
+          </p:cNvPr>
+          <p:cNvSpPr txBox="1"/>
+          <p:nvPr/>
+        </p:nvSpPr>
+        <p:spPr>
+          <a:xfrm>
+            <a:off x="476518" y="605307"/>
+            <a:ext cx="4301544" cy="1569660"/>
+          </a:xfrm>
+          <a:prstGeom prst="rect">
+            <a:avLst/>
+          </a:prstGeom>
+          <a:noFill/>
+        </p:spPr>
+        <p:txBody>
+          <a:bodyPr wrap="square" rtlCol="0">
+            <a:spAutoFit/>
+          </a:bodyPr>
+          <a:lstStyle/>
+          <a:p>
+            <a:r>
+              <a:rPr lang="pt-BR" sz="4800" dirty="0">
+                <a:solidFill>
+                  <a:srgbClr val="343434"/>
+                </a:solidFill>
+                <a:latin typeface="Gotham Rounded Book" pitchFamily="50" charset="0"/>
+              </a:rPr>
+              <a:t>Ana Coimbra Gomes</a:t>
+            </a:r>
+          </a:p>
+        </p:txBody>
+      </p:sp>
+      <p:pic>
+        <p:nvPicPr>
+          <p:cNvPr id="4" name="Imagem 3">
+            <a:extLst>
+              <a:ext uri="{FF2B5EF4-FFF2-40B4-BE49-F238E27FC236}">
+                <a16:creationId xmlns:a16="http://schemas.microsoft.com/office/drawing/2014/main" id="{E6FE83C9-012D-43C4-AF95-B91EC9D0800F}"/>
+              </a:ext>
+            </a:extLst>
+          </p:cNvPr>
+          <p:cNvPicPr>
+            <a:picLocks noChangeAspect="1"/>
+          </p:cNvPicPr>
+          <p:nvPr/>
+        </p:nvPicPr>
+        <p:blipFill>
+          <a:blip r:embed="rId2">
+            <a:extLst>
+              <a:ext uri="{28A0092B-C50C-407E-A947-70E740481C1C}">
+                <a14:useLocalDpi xmlns:a14="http://schemas.microsoft.com/office/drawing/2010/main" val="0"/>
+              </a:ext>
+            </a:extLst>
+          </a:blip>
+          <a:stretch>
+            <a:fillRect/>
+          </a:stretch>
+        </p:blipFill>
+        <p:spPr>
+          <a:xfrm>
+            <a:off x="5361542" y="0"/>
+            <a:ext cx="6830458" cy="6858000"/>
+          </a:xfrm>
+          <a:prstGeom prst="rect">
+            <a:avLst/>
+          </a:prstGeom>
+        </p:spPr>
+      </p:pic>
+      <p:sp>
+        <p:nvSpPr>
+          <p:cNvPr id="5" name="CaixaDeTexto 4">
+            <a:extLst>
+              <a:ext uri="{FF2B5EF4-FFF2-40B4-BE49-F238E27FC236}">
+                <a16:creationId xmlns:a16="http://schemas.microsoft.com/office/drawing/2014/main" id="{47E75CBA-5519-4938-B0FE-828575E5AD0E}"/>
+              </a:ext>
+            </a:extLst>
+          </p:cNvPr>
+          <p:cNvSpPr txBox="1"/>
+          <p:nvPr/>
+        </p:nvSpPr>
+        <p:spPr>
+          <a:xfrm>
+            <a:off x="476518" y="2644170"/>
+            <a:ext cx="4301544" cy="584775"/>
+          </a:xfrm>
+          <a:prstGeom prst="rect">
+            <a:avLst/>
+          </a:prstGeom>
+          <a:noFill/>
+        </p:spPr>
+        <p:txBody>
+          <a:bodyPr wrap="square" rtlCol="0">
+            <a:spAutoFit/>
+          </a:bodyPr>
+          <a:lstStyle/>
+          <a:p>
+            <a:r>
+              <a:rPr lang="pt-BR" sz="3200" dirty="0">
+                <a:solidFill>
+                  <a:srgbClr val="343434"/>
+                </a:solidFill>
+                <a:latin typeface="Gotham Rounded Book" pitchFamily="50" charset="0"/>
+              </a:rPr>
+              <a:t>Android &amp; Web </a:t>
+            </a:r>
+            <a:r>
+              <a:rPr lang="pt-BR" sz="3200" dirty="0" err="1">
+                <a:solidFill>
+                  <a:srgbClr val="343434"/>
+                </a:solidFill>
+                <a:latin typeface="Gotham Rounded Book" pitchFamily="50" charset="0"/>
+              </a:rPr>
+              <a:t>Dev</a:t>
+            </a:r>
+            <a:endParaRPr lang="pt-BR" sz="3200" dirty="0">
+              <a:solidFill>
+                <a:srgbClr val="343434"/>
+              </a:solidFill>
+              <a:latin typeface="Gotham Rounded Book" pitchFamily="50" charset="0"/>
+            </a:endParaRPr>
+          </a:p>
+        </p:txBody>
+      </p:sp>
+      <p:sp>
+        <p:nvSpPr>
+          <p:cNvPr id="6" name="CaixaDeTexto 5">
+            <a:extLst>
+              <a:ext uri="{FF2B5EF4-FFF2-40B4-BE49-F238E27FC236}">
+                <a16:creationId xmlns:a16="http://schemas.microsoft.com/office/drawing/2014/main" id="{2BE517FA-5DEC-4327-83B7-74185DEBFDFE}"/>
+              </a:ext>
+            </a:extLst>
+          </p:cNvPr>
+          <p:cNvSpPr txBox="1"/>
+          <p:nvPr/>
+        </p:nvSpPr>
+        <p:spPr>
+          <a:xfrm>
+            <a:off x="476518" y="3826879"/>
+            <a:ext cx="4301544" cy="584775"/>
+          </a:xfrm>
+          <a:prstGeom prst="rect">
+            <a:avLst/>
+          </a:prstGeom>
+          <a:noFill/>
+        </p:spPr>
+        <p:txBody>
+          <a:bodyPr wrap="square" rtlCol="0">
+            <a:spAutoFit/>
+          </a:bodyPr>
+          <a:lstStyle/>
+          <a:p>
+            <a:r>
+              <a:rPr lang="pt-BR" sz="3200" dirty="0">
+                <a:solidFill>
+                  <a:srgbClr val="343434"/>
+                </a:solidFill>
+                <a:latin typeface="Gotham Rounded Book" pitchFamily="50" charset="0"/>
+              </a:rPr>
+              <a:t>@</a:t>
+            </a:r>
+            <a:r>
+              <a:rPr lang="pt-BR" sz="3200" dirty="0" err="1">
+                <a:solidFill>
+                  <a:srgbClr val="343434"/>
+                </a:solidFill>
+                <a:latin typeface="Gotham Rounded Book" pitchFamily="50" charset="0"/>
+              </a:rPr>
+              <a:t>anacoimbrag</a:t>
+            </a:r>
+            <a:endParaRPr lang="pt-BR" sz="3200" dirty="0">
+              <a:solidFill>
+                <a:srgbClr val="343434"/>
+              </a:solidFill>
+              <a:latin typeface="Gotham Rounded Book" pitchFamily="50" charset="0"/>
+            </a:endParaRPr>
+          </a:p>
+        </p:txBody>
+      </p:sp>
+      <p:sp>
+        <p:nvSpPr>
+          <p:cNvPr id="7" name="CaixaDeTexto 6">
+            <a:extLst>
+              <a:ext uri="{FF2B5EF4-FFF2-40B4-BE49-F238E27FC236}">
+                <a16:creationId xmlns:a16="http://schemas.microsoft.com/office/drawing/2014/main" id="{696BD9BA-D4AA-4C86-B680-12B8C2E58B9E}"/>
+              </a:ext>
+            </a:extLst>
+          </p:cNvPr>
+          <p:cNvSpPr txBox="1"/>
+          <p:nvPr/>
+        </p:nvSpPr>
+        <p:spPr>
+          <a:xfrm>
+            <a:off x="476518" y="4466669"/>
+            <a:ext cx="4301544" cy="400110"/>
+          </a:xfrm>
+          <a:prstGeom prst="rect">
+            <a:avLst/>
+          </a:prstGeom>
+          <a:noFill/>
+        </p:spPr>
+        <p:txBody>
+          <a:bodyPr wrap="square" rtlCol="0">
+            <a:spAutoFit/>
+          </a:bodyPr>
+          <a:lstStyle/>
+          <a:p>
+            <a:r>
+              <a:rPr lang="pt-BR" sz="2000" dirty="0">
+                <a:solidFill>
+                  <a:srgbClr val="343434"/>
+                </a:solidFill>
+                <a:latin typeface="Gotham Rounded Book" pitchFamily="50" charset="0"/>
+              </a:rPr>
+              <a:t>ana.coimbra.gomes@gmail.com</a:t>
+            </a:r>
+          </a:p>
+        </p:txBody>
+      </p:sp>
+      <p:sp>
+        <p:nvSpPr>
+          <p:cNvPr id="10" name="CaixaDeTexto 9">
+            <a:extLst>
+              <a:ext uri="{FF2B5EF4-FFF2-40B4-BE49-F238E27FC236}">
+                <a16:creationId xmlns:a16="http://schemas.microsoft.com/office/drawing/2014/main" id="{DF73FB9D-A47C-4904-B561-69AF05EEC3A1}"/>
+              </a:ext>
+            </a:extLst>
+          </p:cNvPr>
+          <p:cNvSpPr txBox="1"/>
+          <p:nvPr/>
+        </p:nvSpPr>
+        <p:spPr>
+          <a:xfrm>
+            <a:off x="476518" y="5282192"/>
+            <a:ext cx="4301544" cy="584775"/>
+          </a:xfrm>
+          <a:prstGeom prst="rect">
+            <a:avLst/>
+          </a:prstGeom>
+          <a:noFill/>
+        </p:spPr>
+        <p:txBody>
+          <a:bodyPr wrap="square" rtlCol="0">
+            <a:spAutoFit/>
+          </a:bodyPr>
+          <a:lstStyle/>
+          <a:p>
+            <a:r>
+              <a:rPr lang="pt-BR" sz="3200" dirty="0">
+                <a:solidFill>
+                  <a:srgbClr val="343434"/>
+                </a:solidFill>
+                <a:latin typeface="Gotham Rounded Book" pitchFamily="50" charset="0"/>
+              </a:rPr>
+              <a:t>(31) 9 9248-2436</a:t>
+            </a:r>
+          </a:p>
+        </p:txBody>
+      </p:sp>
+    </p:spTree>
+    <p:extLst>
+      <p:ext uri="{BB962C8B-B14F-4D97-AF65-F5344CB8AC3E}">
+        <p14:creationId xmlns:p14="http://schemas.microsoft.com/office/powerpoint/2010/main" val="3541747498"/>
+      </p:ext>
+    </p:extLst>
+  </p:cSld>
+  <p:clrMapOvr>
+    <a:masterClrMapping/>
+  </p:clrMapOvr>
+</p:sld>
+</file>
+
+<file path=ppt/slides/slide3.xml><?xml version="1.0" encoding="utf-8"?>
+<p:sld xmlns:a="http://schemas.openxmlformats.org/drawingml/2006/main" xmlns:r="http://schemas.openxmlformats.org/officeDocument/2006/relationships" xmlns:p="http://schemas.openxmlformats.org/presentationml/2006/main">
+  <p:cSld>
+    <p:spTree>
+      <p:nvGrpSpPr>
+        <p:cNvPr id="1" name=""/>
+        <p:cNvGrpSpPr/>
+        <p:nvPr/>
+      </p:nvGrpSpPr>
+      <p:grpSpPr>
+        <a:xfrm>
+          <a:off x="0" y="0"/>
+          <a:ext cx="0" cy="0"/>
+          <a:chOff x="0" y="0"/>
+          <a:chExt cx="0" cy="0"/>
+        </a:xfrm>
+      </p:grpSpPr>
+      <p:pic>
+        <p:nvPicPr>
+          <p:cNvPr id="3" name="Imagem 2">
+            <a:extLst>
+              <a:ext uri="{FF2B5EF4-FFF2-40B4-BE49-F238E27FC236}">
+                <a16:creationId xmlns:a16="http://schemas.microsoft.com/office/drawing/2014/main" id="{3B7AACF1-E958-41C8-807B-B418E80F6327}"/>
+              </a:ext>
+            </a:extLst>
+          </p:cNvPr>
+          <p:cNvPicPr>
+            <a:picLocks noChangeAspect="1"/>
+          </p:cNvPicPr>
+          <p:nvPr/>
+        </p:nvPicPr>
+        <p:blipFill>
+          <a:blip r:embed="rId2">
+            <a:extLst>
+              <a:ext uri="{28A0092B-C50C-407E-A947-70E740481C1C}">
+                <a14:useLocalDpi xmlns:a14="http://schemas.microsoft.com/office/drawing/2010/main" val="0"/>
+              </a:ext>
+            </a:extLst>
+          </a:blip>
+          <a:stretch>
+            <a:fillRect/>
+          </a:stretch>
+        </p:blipFill>
+        <p:spPr>
+          <a:xfrm>
+            <a:off x="1866900" y="1704576"/>
+            <a:ext cx="8458200" cy="4762500"/>
+          </a:xfrm>
+          <a:prstGeom prst="rect">
+            <a:avLst/>
+          </a:prstGeom>
+        </p:spPr>
+      </p:pic>
+      <p:sp>
+        <p:nvSpPr>
+          <p:cNvPr id="4" name="CaixaDeTexto 3">
+            <a:extLst>
+              <a:ext uri="{FF2B5EF4-FFF2-40B4-BE49-F238E27FC236}">
+                <a16:creationId xmlns:a16="http://schemas.microsoft.com/office/drawing/2014/main" id="{2E5495DE-24E4-40EB-B3D0-BEF3384E9E77}"/>
+              </a:ext>
+            </a:extLst>
+          </p:cNvPr>
+          <p:cNvSpPr txBox="1"/>
+          <p:nvPr/>
+        </p:nvSpPr>
+        <p:spPr>
+          <a:xfrm>
+            <a:off x="399245" y="540913"/>
+            <a:ext cx="6581104" cy="646331"/>
+          </a:xfrm>
+          <a:prstGeom prst="rect">
+            <a:avLst/>
+          </a:prstGeom>
+          <a:noFill/>
+        </p:spPr>
+        <p:txBody>
+          <a:bodyPr wrap="square" rtlCol="0">
+            <a:spAutoFit/>
+          </a:bodyPr>
+          <a:lstStyle/>
+          <a:p>
+            <a:r>
+              <a:rPr lang="pt-BR" sz="3600" dirty="0" err="1">
+                <a:solidFill>
+                  <a:srgbClr val="343434"/>
+                </a:solidFill>
+                <a:latin typeface="Gotham Rounded Medium" pitchFamily="50" charset="0"/>
+              </a:rPr>
+              <a:t>Firebase</a:t>
+            </a:r>
+            <a:r>
+              <a:rPr lang="pt-BR" sz="3600" dirty="0">
+                <a:solidFill>
+                  <a:srgbClr val="343434"/>
+                </a:solidFill>
+                <a:latin typeface="Gotham Rounded Medium" pitchFamily="50" charset="0"/>
+              </a:rPr>
+              <a:t>?</a:t>
+            </a:r>
+          </a:p>
+        </p:txBody>
+      </p:sp>
+    </p:spTree>
+    <p:extLst>
+      <p:ext uri="{BB962C8B-B14F-4D97-AF65-F5344CB8AC3E}">
+        <p14:creationId xmlns:p14="http://schemas.microsoft.com/office/powerpoint/2010/main" val="2845773010"/>
+      </p:ext>
+    </p:extLst>
+  </p:cSld>
+  <p:clrMapOvr>
+    <a:masterClrMapping/>
+  </p:clrMapOvr>
+</p:sld>
+</file>
+
+<file path=ppt/slides/slide4.xml><?xml version="1.0" encoding="utf-8"?>
+<p:sld xmlns:a="http://schemas.openxmlformats.org/drawingml/2006/main" xmlns:r="http://schemas.openxmlformats.org/officeDocument/2006/relationships" xmlns:p="http://schemas.openxmlformats.org/presentationml/2006/main">
+  <p:cSld>
+    <p:spTree>
+      <p:nvGrpSpPr>
+        <p:cNvPr id="1" name=""/>
+        <p:cNvGrpSpPr/>
+        <p:nvPr/>
+      </p:nvGrpSpPr>
+      <p:grpSpPr>
+        <a:xfrm>
+          <a:off x="0" y="0"/>
+          <a:ext cx="0" cy="0"/>
+          <a:chOff x="0" y="0"/>
+          <a:chExt cx="0" cy="0"/>
+        </a:xfrm>
+      </p:grpSpPr>
+    </p:spTree>
+    <p:extLst>
+      <p:ext uri="{BB962C8B-B14F-4D97-AF65-F5344CB8AC3E}">
+        <p14:creationId xmlns:p14="http://schemas.microsoft.com/office/powerpoint/2010/main" val="1548328934"/>
       </p:ext>
     </p:extLst>
   </p:cSld>

--- a/Android + Firebase.pptx
+++ b/Android + Firebase.pptx
@@ -9,6 +9,17 @@
     <p:sldId id="257" r:id="rId3"/>
     <p:sldId id="258" r:id="rId4"/>
     <p:sldId id="259" r:id="rId5"/>
+    <p:sldId id="260" r:id="rId6"/>
+    <p:sldId id="261" r:id="rId7"/>
+    <p:sldId id="262" r:id="rId8"/>
+    <p:sldId id="263" r:id="rId9"/>
+    <p:sldId id="265" r:id="rId10"/>
+    <p:sldId id="264" r:id="rId11"/>
+    <p:sldId id="267" r:id="rId12"/>
+    <p:sldId id="266" r:id="rId13"/>
+    <p:sldId id="268" r:id="rId14"/>
+    <p:sldId id="269" r:id="rId15"/>
+    <p:sldId id="270" r:id="rId16"/>
   </p:sldIdLst>
   <p:sldSz cx="12192000" cy="6858000"/>
   <p:notesSz cx="6858000" cy="9144000"/>
@@ -266,7 +277,7 @@
           <a:p>
             <a:fld id="{6561FEE5-3EFD-4E5E-A7E4-E3AE72068B5B}" type="datetimeFigureOut">
               <a:rPr lang="pt-BR" smtClean="0"/>
-              <a:t>23/07/2017</a:t>
+              <a:t>24/07/2017</a:t>
             </a:fld>
             <a:endParaRPr lang="pt-BR"/>
           </a:p>
@@ -464,7 +475,7 @@
           <a:p>
             <a:fld id="{6561FEE5-3EFD-4E5E-A7E4-E3AE72068B5B}" type="datetimeFigureOut">
               <a:rPr lang="pt-BR" smtClean="0"/>
-              <a:t>23/07/2017</a:t>
+              <a:t>24/07/2017</a:t>
             </a:fld>
             <a:endParaRPr lang="pt-BR"/>
           </a:p>
@@ -672,7 +683,7 @@
           <a:p>
             <a:fld id="{6561FEE5-3EFD-4E5E-A7E4-E3AE72068B5B}" type="datetimeFigureOut">
               <a:rPr lang="pt-BR" smtClean="0"/>
-              <a:t>23/07/2017</a:t>
+              <a:t>24/07/2017</a:t>
             </a:fld>
             <a:endParaRPr lang="pt-BR"/>
           </a:p>
@@ -870,7 +881,7 @@
           <a:p>
             <a:fld id="{6561FEE5-3EFD-4E5E-A7E4-E3AE72068B5B}" type="datetimeFigureOut">
               <a:rPr lang="pt-BR" smtClean="0"/>
-              <a:t>23/07/2017</a:t>
+              <a:t>24/07/2017</a:t>
             </a:fld>
             <a:endParaRPr lang="pt-BR"/>
           </a:p>
@@ -1145,7 +1156,7 @@
           <a:p>
             <a:fld id="{6561FEE5-3EFD-4E5E-A7E4-E3AE72068B5B}" type="datetimeFigureOut">
               <a:rPr lang="pt-BR" smtClean="0"/>
-              <a:t>23/07/2017</a:t>
+              <a:t>24/07/2017</a:t>
             </a:fld>
             <a:endParaRPr lang="pt-BR"/>
           </a:p>
@@ -1410,7 +1421,7 @@
           <a:p>
             <a:fld id="{6561FEE5-3EFD-4E5E-A7E4-E3AE72068B5B}" type="datetimeFigureOut">
               <a:rPr lang="pt-BR" smtClean="0"/>
-              <a:t>23/07/2017</a:t>
+              <a:t>24/07/2017</a:t>
             </a:fld>
             <a:endParaRPr lang="pt-BR"/>
           </a:p>
@@ -1822,7 +1833,7 @@
           <a:p>
             <a:fld id="{6561FEE5-3EFD-4E5E-A7E4-E3AE72068B5B}" type="datetimeFigureOut">
               <a:rPr lang="pt-BR" smtClean="0"/>
-              <a:t>23/07/2017</a:t>
+              <a:t>24/07/2017</a:t>
             </a:fld>
             <a:endParaRPr lang="pt-BR"/>
           </a:p>
@@ -1963,7 +1974,7 @@
           <a:p>
             <a:fld id="{6561FEE5-3EFD-4E5E-A7E4-E3AE72068B5B}" type="datetimeFigureOut">
               <a:rPr lang="pt-BR" smtClean="0"/>
-              <a:t>23/07/2017</a:t>
+              <a:t>24/07/2017</a:t>
             </a:fld>
             <a:endParaRPr lang="pt-BR"/>
           </a:p>
@@ -2076,7 +2087,7 @@
           <a:p>
             <a:fld id="{6561FEE5-3EFD-4E5E-A7E4-E3AE72068B5B}" type="datetimeFigureOut">
               <a:rPr lang="pt-BR" smtClean="0"/>
-              <a:t>23/07/2017</a:t>
+              <a:t>24/07/2017</a:t>
             </a:fld>
             <a:endParaRPr lang="pt-BR"/>
           </a:p>
@@ -2387,7 +2398,7 @@
           <a:p>
             <a:fld id="{6561FEE5-3EFD-4E5E-A7E4-E3AE72068B5B}" type="datetimeFigureOut">
               <a:rPr lang="pt-BR" smtClean="0"/>
-              <a:t>23/07/2017</a:t>
+              <a:t>24/07/2017</a:t>
             </a:fld>
             <a:endParaRPr lang="pt-BR"/>
           </a:p>
@@ -2675,7 +2686,7 @@
           <a:p>
             <a:fld id="{6561FEE5-3EFD-4E5E-A7E4-E3AE72068B5B}" type="datetimeFigureOut">
               <a:rPr lang="pt-BR" smtClean="0"/>
-              <a:t>23/07/2017</a:t>
+              <a:t>24/07/2017</a:t>
             </a:fld>
             <a:endParaRPr lang="pt-BR"/>
           </a:p>
@@ -2919,7 +2930,7 @@
           <a:p>
             <a:fld id="{6561FEE5-3EFD-4E5E-A7E4-E3AE72068B5B}" type="datetimeFigureOut">
               <a:rPr lang="pt-BR" smtClean="0"/>
-              <a:t>23/07/2017</a:t>
+              <a:t>24/07/2017</a:t>
             </a:fld>
             <a:endParaRPr lang="pt-BR"/>
           </a:p>
@@ -3449,6 +3460,6044 @@
 </p:sld>
 </file>
 
+<file path=ppt/slides/slide10.xml><?xml version="1.0" encoding="utf-8"?>
+<p:sld xmlns:a="http://schemas.openxmlformats.org/drawingml/2006/main" xmlns:r="http://schemas.openxmlformats.org/officeDocument/2006/relationships" xmlns:p="http://schemas.openxmlformats.org/presentationml/2006/main">
+  <p:cSld>
+    <p:spTree>
+      <p:nvGrpSpPr>
+        <p:cNvPr id="1" name=""/>
+        <p:cNvGrpSpPr/>
+        <p:nvPr/>
+      </p:nvGrpSpPr>
+      <p:grpSpPr>
+        <a:xfrm>
+          <a:off x="0" y="0"/>
+          <a:ext cx="0" cy="0"/>
+          <a:chOff x="0" y="0"/>
+          <a:chExt cx="0" cy="0"/>
+        </a:xfrm>
+      </p:grpSpPr>
+      <p:sp>
+        <p:nvSpPr>
+          <p:cNvPr id="2" name="CaixaDeTexto 1">
+            <a:extLst>
+              <a:ext uri="{FF2B5EF4-FFF2-40B4-BE49-F238E27FC236}">
+                <a16:creationId xmlns:a16="http://schemas.microsoft.com/office/drawing/2014/main" id="{40901D67-8F3F-411C-B4AD-F0E78CB1D8CA}"/>
+              </a:ext>
+            </a:extLst>
+          </p:cNvPr>
+          <p:cNvSpPr txBox="1"/>
+          <p:nvPr/>
+        </p:nvSpPr>
+        <p:spPr>
+          <a:xfrm>
+            <a:off x="399245" y="540913"/>
+            <a:ext cx="5241701" cy="646331"/>
+          </a:xfrm>
+          <a:prstGeom prst="rect">
+            <a:avLst/>
+          </a:prstGeom>
+          <a:noFill/>
+        </p:spPr>
+        <p:txBody>
+          <a:bodyPr wrap="square" rtlCol="0">
+            <a:spAutoFit/>
+          </a:bodyPr>
+          <a:lstStyle/>
+          <a:p>
+            <a:r>
+              <a:rPr lang="pt-BR" sz="3600" dirty="0">
+                <a:solidFill>
+                  <a:srgbClr val="343434"/>
+                </a:solidFill>
+                <a:latin typeface="Gotham Rounded Medium" pitchFamily="50" charset="0"/>
+              </a:rPr>
+              <a:t>Autenticação - Login</a:t>
+            </a:r>
+          </a:p>
+        </p:txBody>
+      </p:sp>
+      <p:pic>
+        <p:nvPicPr>
+          <p:cNvPr id="4" name="Imagem 3">
+            <a:extLst>
+              <a:ext uri="{FF2B5EF4-FFF2-40B4-BE49-F238E27FC236}">
+                <a16:creationId xmlns:a16="http://schemas.microsoft.com/office/drawing/2014/main" id="{A6B0B773-74D0-49DD-8395-E4726BA8C315}"/>
+              </a:ext>
+            </a:extLst>
+          </p:cNvPr>
+          <p:cNvPicPr>
+            <a:picLocks noChangeAspect="1"/>
+          </p:cNvPicPr>
+          <p:nvPr/>
+        </p:nvPicPr>
+        <p:blipFill>
+          <a:blip r:embed="rId2">
+            <a:extLst>
+              <a:ext uri="{28A0092B-C50C-407E-A947-70E740481C1C}">
+                <a14:useLocalDpi xmlns:a14="http://schemas.microsoft.com/office/drawing/2010/main" val="0"/>
+              </a:ext>
+            </a:extLst>
+          </a:blip>
+          <a:stretch>
+            <a:fillRect/>
+          </a:stretch>
+        </p:blipFill>
+        <p:spPr>
+          <a:xfrm>
+            <a:off x="8334375" y="0"/>
+            <a:ext cx="3857625" cy="6858000"/>
+          </a:xfrm>
+          <a:prstGeom prst="rect">
+            <a:avLst/>
+          </a:prstGeom>
+        </p:spPr>
+      </p:pic>
+      <p:sp>
+        <p:nvSpPr>
+          <p:cNvPr id="5" name="Rectangle 2">
+            <a:extLst>
+              <a:ext uri="{FF2B5EF4-FFF2-40B4-BE49-F238E27FC236}">
+                <a16:creationId xmlns:a16="http://schemas.microsoft.com/office/drawing/2014/main" id="{D320CC24-92D8-4DE5-BA89-1C9414FEF140}"/>
+              </a:ext>
+            </a:extLst>
+          </p:cNvPr>
+          <p:cNvSpPr>
+            <a:spLocks noChangeArrowheads="1"/>
+          </p:cNvSpPr>
+          <p:nvPr/>
+        </p:nvSpPr>
+        <p:spPr bwMode="auto">
+          <a:xfrm>
+            <a:off x="399245" y="1719277"/>
+            <a:ext cx="7935130" cy="276999"/>
+          </a:xfrm>
+          <a:prstGeom prst="rect">
+            <a:avLst/>
+          </a:prstGeom>
+          <a:noFill/>
+          <a:ln>
+            <a:noFill/>
+          </a:ln>
+          <a:effectLst/>
+          <a:extLst>
+            <a:ext uri="{909E8E84-426E-40DD-AFC4-6F175D3DCCD1}">
+              <a14:hiddenFill xmlns:a14="http://schemas.microsoft.com/office/drawing/2010/main">
+                <a:solidFill>
+                  <a:schemeClr val="accent1"/>
+                </a:solidFill>
+              </a14:hiddenFill>
+            </a:ext>
+            <a:ext uri="{91240B29-F687-4F45-9708-019B960494DF}">
+              <a14:hiddenLine xmlns:a14="http://schemas.microsoft.com/office/drawing/2010/main" w="9525">
+                <a:solidFill>
+                  <a:schemeClr val="tx1"/>
+                </a:solidFill>
+                <a:miter lim="800000"/>
+                <a:headEnd/>
+                <a:tailEnd/>
+              </a14:hiddenLine>
+            </a:ext>
+            <a:ext uri="{AF507438-7753-43E0-B8FC-AC1667EBCBE1}">
+              <a14:hiddenEffects xmlns:a14="http://schemas.microsoft.com/office/drawing/2010/main">
+                <a:effectLst>
+                  <a:outerShdw dist="35921" dir="2700000" algn="ctr" rotWithShape="0">
+                    <a:schemeClr val="bg2"/>
+                  </a:outerShdw>
+                </a:effectLst>
+              </a14:hiddenEffects>
+            </a:ext>
+          </a:extLst>
+        </p:spPr>
+        <p:txBody>
+          <a:bodyPr vert="horz" wrap="square" lIns="0" tIns="0" rIns="0" bIns="0" numCol="1" anchor="ctr" anchorCtr="0" compatLnSpc="1">
+            <a:prstTxWarp prst="textNoShape">
+              <a:avLst/>
+            </a:prstTxWarp>
+            <a:spAutoFit/>
+          </a:bodyPr>
+          <a:lstStyle/>
+          <a:p>
+            <a:pPr lvl="0" eaLnBrk="0" fontAlgn="base" hangingPunct="0">
+              <a:spcBef>
+                <a:spcPct val="0"/>
+              </a:spcBef>
+              <a:spcAft>
+                <a:spcPct val="0"/>
+              </a:spcAft>
+            </a:pPr>
+            <a:r>
+              <a:rPr lang="pt-BR" dirty="0">
+                <a:solidFill>
+                  <a:srgbClr val="343434"/>
+                </a:solidFill>
+                <a:latin typeface="Gotham Rounded Light" pitchFamily="50" charset="0"/>
+                <a:cs typeface="Courier New" panose="02070309020205020404" pitchFamily="49" charset="0"/>
+              </a:rPr>
+              <a:t>LoginActivity.java</a:t>
+            </a:r>
+            <a:endParaRPr lang="pt-BR" dirty="0">
+              <a:solidFill>
+                <a:srgbClr val="343434"/>
+              </a:solidFill>
+              <a:latin typeface="Gotham Rounded Light" pitchFamily="50" charset="0"/>
+            </a:endParaRPr>
+          </a:p>
+        </p:txBody>
+      </p:sp>
+      <p:sp>
+        <p:nvSpPr>
+          <p:cNvPr id="9" name="Rectangle 4">
+            <a:extLst>
+              <a:ext uri="{FF2B5EF4-FFF2-40B4-BE49-F238E27FC236}">
+                <a16:creationId xmlns:a16="http://schemas.microsoft.com/office/drawing/2014/main" id="{815368AA-EA8C-4151-8E2C-3E3ABCF058AB}"/>
+              </a:ext>
+            </a:extLst>
+          </p:cNvPr>
+          <p:cNvSpPr>
+            <a:spLocks noChangeArrowheads="1"/>
+          </p:cNvSpPr>
+          <p:nvPr/>
+        </p:nvSpPr>
+        <p:spPr bwMode="auto">
+          <a:xfrm>
+            <a:off x="232252" y="2906521"/>
+            <a:ext cx="8148384" cy="2631490"/>
+          </a:xfrm>
+          <a:prstGeom prst="rect">
+            <a:avLst/>
+          </a:prstGeom>
+          <a:noFill/>
+          <a:ln>
+            <a:noFill/>
+          </a:ln>
+          <a:effectLst/>
+        </p:spPr>
+        <p:txBody>
+          <a:bodyPr vert="horz" wrap="none" lIns="91440" tIns="45720" rIns="91440" bIns="45720" numCol="1" anchor="ctr" anchorCtr="0" compatLnSpc="1">
+            <a:prstTxWarp prst="textNoShape">
+              <a:avLst/>
+            </a:prstTxWarp>
+            <a:spAutoFit/>
+          </a:bodyPr>
+          <a:lstStyle/>
+          <a:p>
+            <a:pPr marL="0" marR="0" lvl="0" indent="0" algn="l" defTabSz="914400" rtl="0" eaLnBrk="0" fontAlgn="base" latinLnBrk="0" hangingPunct="0">
+              <a:lnSpc>
+                <a:spcPct val="100000"/>
+              </a:lnSpc>
+              <a:spcBef>
+                <a:spcPct val="0"/>
+              </a:spcBef>
+              <a:spcAft>
+                <a:spcPct val="0"/>
+              </a:spcAft>
+              <a:buClrTx/>
+              <a:buSzTx/>
+              <a:buFontTx/>
+              <a:buNone/>
+              <a:tabLst/>
+            </a:pPr>
+            <a:r>
+              <a:rPr kumimoji="0" lang="pt-BR" altLang="pt-BR" sz="1500" b="1" i="0" u="none" strike="noStrike" cap="none" normalizeH="0" baseline="0" dirty="0" err="1">
+                <a:ln>
+                  <a:noFill/>
+                </a:ln>
+                <a:solidFill>
+                  <a:srgbClr val="660E7A"/>
+                </a:solidFill>
+                <a:effectLst/>
+                <a:latin typeface="Courier New" panose="02070309020205020404" pitchFamily="49" charset="0"/>
+                <a:cs typeface="Courier New" panose="02070309020205020404" pitchFamily="49" charset="0"/>
+              </a:rPr>
+              <a:t>auth</a:t>
+            </a:r>
+            <a:r>
+              <a:rPr kumimoji="0" lang="pt-BR" altLang="pt-BR" sz="1500" b="0" i="0" u="none" strike="noStrike" cap="none" normalizeH="0" baseline="0" dirty="0" err="1">
+                <a:ln>
+                  <a:noFill/>
+                </a:ln>
+                <a:solidFill>
+                  <a:srgbClr val="000000"/>
+                </a:solidFill>
+                <a:effectLst/>
+                <a:latin typeface="Courier New" panose="02070309020205020404" pitchFamily="49" charset="0"/>
+                <a:cs typeface="Courier New" panose="02070309020205020404" pitchFamily="49" charset="0"/>
+              </a:rPr>
+              <a:t>.signInWithEmailAndPassword</a:t>
+            </a:r>
+            <a:r>
+              <a:rPr kumimoji="0" lang="pt-BR" altLang="pt-BR" sz="1500" b="0" i="0" u="none" strike="noStrike" cap="none" normalizeH="0" baseline="0" dirty="0">
+                <a:ln>
+                  <a:noFill/>
+                </a:ln>
+                <a:solidFill>
+                  <a:srgbClr val="000000"/>
+                </a:solidFill>
+                <a:effectLst/>
+                <a:latin typeface="Courier New" panose="02070309020205020404" pitchFamily="49" charset="0"/>
+                <a:cs typeface="Courier New" panose="02070309020205020404" pitchFamily="49" charset="0"/>
+              </a:rPr>
+              <a:t>(</a:t>
+            </a:r>
+            <a:r>
+              <a:rPr kumimoji="0" lang="pt-BR" altLang="pt-BR" sz="1500" b="1" i="0" u="none" strike="noStrike" cap="none" normalizeH="0" baseline="0" dirty="0" err="1">
+                <a:ln>
+                  <a:noFill/>
+                </a:ln>
+                <a:solidFill>
+                  <a:srgbClr val="660E7A"/>
+                </a:solidFill>
+                <a:effectLst/>
+                <a:latin typeface="Courier New" panose="02070309020205020404" pitchFamily="49" charset="0"/>
+                <a:cs typeface="Courier New" panose="02070309020205020404" pitchFamily="49" charset="0"/>
+              </a:rPr>
+              <a:t>email</a:t>
+            </a:r>
+            <a:r>
+              <a:rPr kumimoji="0" lang="pt-BR" altLang="pt-BR" sz="1500" b="0" i="0" u="none" strike="noStrike" cap="none" normalizeH="0" baseline="0" dirty="0">
+                <a:ln>
+                  <a:noFill/>
+                </a:ln>
+                <a:solidFill>
+                  <a:srgbClr val="000000"/>
+                </a:solidFill>
+                <a:effectLst/>
+                <a:latin typeface="Courier New" panose="02070309020205020404" pitchFamily="49" charset="0"/>
+                <a:cs typeface="Courier New" panose="02070309020205020404" pitchFamily="49" charset="0"/>
+              </a:rPr>
+              <a:t>, </a:t>
+            </a:r>
+            <a:r>
+              <a:rPr kumimoji="0" lang="pt-BR" altLang="pt-BR" sz="1500" b="1" i="0" u="none" strike="noStrike" cap="none" normalizeH="0" baseline="0" dirty="0" err="1">
+                <a:ln>
+                  <a:noFill/>
+                </a:ln>
+                <a:solidFill>
+                  <a:srgbClr val="660E7A"/>
+                </a:solidFill>
+                <a:effectLst/>
+                <a:latin typeface="Courier New" panose="02070309020205020404" pitchFamily="49" charset="0"/>
+                <a:cs typeface="Courier New" panose="02070309020205020404" pitchFamily="49" charset="0"/>
+              </a:rPr>
+              <a:t>password</a:t>
+            </a:r>
+            <a:r>
+              <a:rPr kumimoji="0" lang="pt-BR" altLang="pt-BR" sz="1500" b="0" i="0" u="none" strike="noStrike" cap="none" normalizeH="0" baseline="0" dirty="0">
+                <a:ln>
+                  <a:noFill/>
+                </a:ln>
+                <a:solidFill>
+                  <a:srgbClr val="000000"/>
+                </a:solidFill>
+                <a:effectLst/>
+                <a:latin typeface="Courier New" panose="02070309020205020404" pitchFamily="49" charset="0"/>
+                <a:cs typeface="Courier New" panose="02070309020205020404" pitchFamily="49" charset="0"/>
+              </a:rPr>
+              <a:t>)</a:t>
+            </a:r>
+            <a:br>
+              <a:rPr kumimoji="0" lang="pt-BR" altLang="pt-BR" sz="1500" b="0" i="0" u="none" strike="noStrike" cap="none" normalizeH="0" baseline="0" dirty="0">
+                <a:ln>
+                  <a:noFill/>
+                </a:ln>
+                <a:solidFill>
+                  <a:srgbClr val="000000"/>
+                </a:solidFill>
+                <a:effectLst/>
+                <a:latin typeface="Courier New" panose="02070309020205020404" pitchFamily="49" charset="0"/>
+                <a:cs typeface="Courier New" panose="02070309020205020404" pitchFamily="49" charset="0"/>
+              </a:rPr>
+            </a:br>
+            <a:r>
+              <a:rPr kumimoji="0" lang="pt-BR" altLang="pt-BR" sz="1500" b="0" i="0" u="none" strike="noStrike" cap="none" normalizeH="0" baseline="0" dirty="0">
+                <a:ln>
+                  <a:noFill/>
+                </a:ln>
+                <a:solidFill>
+                  <a:srgbClr val="000000"/>
+                </a:solidFill>
+                <a:effectLst/>
+                <a:latin typeface="Courier New" panose="02070309020205020404" pitchFamily="49" charset="0"/>
+                <a:cs typeface="Courier New" panose="02070309020205020404" pitchFamily="49" charset="0"/>
+              </a:rPr>
+              <a:t>        .</a:t>
+            </a:r>
+            <a:r>
+              <a:rPr kumimoji="0" lang="pt-BR" altLang="pt-BR" sz="1500" b="0" i="0" u="none" strike="noStrike" cap="none" normalizeH="0" baseline="0" dirty="0" err="1">
+                <a:ln>
+                  <a:noFill/>
+                </a:ln>
+                <a:solidFill>
+                  <a:srgbClr val="000000"/>
+                </a:solidFill>
+                <a:effectLst/>
+                <a:latin typeface="Courier New" panose="02070309020205020404" pitchFamily="49" charset="0"/>
+                <a:cs typeface="Courier New" panose="02070309020205020404" pitchFamily="49" charset="0"/>
+              </a:rPr>
+              <a:t>addOnCompleteListener</a:t>
+            </a:r>
+            <a:r>
+              <a:rPr kumimoji="0" lang="pt-BR" altLang="pt-BR" sz="1500" b="0" i="0" u="none" strike="noStrike" cap="none" normalizeH="0" baseline="0" dirty="0">
+                <a:ln>
+                  <a:noFill/>
+                </a:ln>
+                <a:solidFill>
+                  <a:srgbClr val="000000"/>
+                </a:solidFill>
+                <a:effectLst/>
+                <a:latin typeface="Courier New" panose="02070309020205020404" pitchFamily="49" charset="0"/>
+                <a:cs typeface="Courier New" panose="02070309020205020404" pitchFamily="49" charset="0"/>
+              </a:rPr>
+              <a:t>(</a:t>
+            </a:r>
+            <a:r>
+              <a:rPr kumimoji="0" lang="pt-BR" altLang="pt-BR" sz="1500" b="1" i="0" u="none" strike="noStrike" cap="none" normalizeH="0" baseline="0" dirty="0">
+                <a:ln>
+                  <a:noFill/>
+                </a:ln>
+                <a:solidFill>
+                  <a:srgbClr val="000080"/>
+                </a:solidFill>
+                <a:effectLst/>
+                <a:latin typeface="Courier New" panose="02070309020205020404" pitchFamily="49" charset="0"/>
+                <a:cs typeface="Courier New" panose="02070309020205020404" pitchFamily="49" charset="0"/>
+              </a:rPr>
+              <a:t>new </a:t>
+            </a:r>
+            <a:r>
+              <a:rPr kumimoji="0" lang="pt-BR" altLang="pt-BR" sz="1500" b="0" i="0" u="none" strike="noStrike" cap="none" normalizeH="0" baseline="0" dirty="0" err="1">
+                <a:ln>
+                  <a:noFill/>
+                </a:ln>
+                <a:solidFill>
+                  <a:srgbClr val="000000"/>
+                </a:solidFill>
+                <a:effectLst/>
+                <a:latin typeface="Courier New" panose="02070309020205020404" pitchFamily="49" charset="0"/>
+                <a:cs typeface="Courier New" panose="02070309020205020404" pitchFamily="49" charset="0"/>
+              </a:rPr>
+              <a:t>OnCompleteListener</a:t>
+            </a:r>
+            <a:r>
+              <a:rPr kumimoji="0" lang="pt-BR" altLang="pt-BR" sz="1500" b="0" i="0" u="none" strike="noStrike" cap="none" normalizeH="0" baseline="0" dirty="0">
+                <a:ln>
+                  <a:noFill/>
+                </a:ln>
+                <a:solidFill>
+                  <a:srgbClr val="000000"/>
+                </a:solidFill>
+                <a:effectLst/>
+                <a:latin typeface="Courier New" panose="02070309020205020404" pitchFamily="49" charset="0"/>
+                <a:cs typeface="Courier New" panose="02070309020205020404" pitchFamily="49" charset="0"/>
+              </a:rPr>
+              <a:t>&lt;</a:t>
+            </a:r>
+            <a:r>
+              <a:rPr kumimoji="0" lang="pt-BR" altLang="pt-BR" sz="1500" b="0" i="0" u="none" strike="noStrike" cap="none" normalizeH="0" baseline="0" dirty="0" err="1">
+                <a:ln>
+                  <a:noFill/>
+                </a:ln>
+                <a:solidFill>
+                  <a:srgbClr val="000000"/>
+                </a:solidFill>
+                <a:effectLst/>
+                <a:latin typeface="Courier New" panose="02070309020205020404" pitchFamily="49" charset="0"/>
+                <a:cs typeface="Courier New" panose="02070309020205020404" pitchFamily="49" charset="0"/>
+              </a:rPr>
+              <a:t>AuthResult</a:t>
+            </a:r>
+            <a:r>
+              <a:rPr kumimoji="0" lang="pt-BR" altLang="pt-BR" sz="1500" b="0" i="0" u="none" strike="noStrike" cap="none" normalizeH="0" baseline="0" dirty="0">
+                <a:ln>
+                  <a:noFill/>
+                </a:ln>
+                <a:solidFill>
+                  <a:srgbClr val="000000"/>
+                </a:solidFill>
+                <a:effectLst/>
+                <a:latin typeface="Courier New" panose="02070309020205020404" pitchFamily="49" charset="0"/>
+                <a:cs typeface="Courier New" panose="02070309020205020404" pitchFamily="49" charset="0"/>
+              </a:rPr>
+              <a:t>&gt;() {</a:t>
+            </a:r>
+            <a:br>
+              <a:rPr kumimoji="0" lang="pt-BR" altLang="pt-BR" sz="1500" b="0" i="0" u="none" strike="noStrike" cap="none" normalizeH="0" baseline="0" dirty="0">
+                <a:ln>
+                  <a:noFill/>
+                </a:ln>
+                <a:solidFill>
+                  <a:srgbClr val="000000"/>
+                </a:solidFill>
+                <a:effectLst/>
+                <a:latin typeface="Courier New" panose="02070309020205020404" pitchFamily="49" charset="0"/>
+                <a:cs typeface="Courier New" panose="02070309020205020404" pitchFamily="49" charset="0"/>
+              </a:rPr>
+            </a:br>
+            <a:r>
+              <a:rPr kumimoji="0" lang="pt-BR" altLang="pt-BR" sz="1500" b="0" i="0" u="none" strike="noStrike" cap="none" normalizeH="0" baseline="0" dirty="0">
+                <a:ln>
+                  <a:noFill/>
+                </a:ln>
+                <a:solidFill>
+                  <a:srgbClr val="000000"/>
+                </a:solidFill>
+                <a:effectLst/>
+                <a:latin typeface="Courier New" panose="02070309020205020404" pitchFamily="49" charset="0"/>
+                <a:cs typeface="Courier New" panose="02070309020205020404" pitchFamily="49" charset="0"/>
+              </a:rPr>
+              <a:t>            </a:t>
+            </a:r>
+            <a:r>
+              <a:rPr kumimoji="0" lang="pt-BR" altLang="pt-BR" sz="1500" b="0" i="0" u="none" strike="noStrike" cap="none" normalizeH="0" baseline="0" dirty="0">
+                <a:ln>
+                  <a:noFill/>
+                </a:ln>
+                <a:solidFill>
+                  <a:srgbClr val="808000"/>
+                </a:solidFill>
+                <a:effectLst/>
+                <a:latin typeface="Courier New" panose="02070309020205020404" pitchFamily="49" charset="0"/>
+                <a:cs typeface="Courier New" panose="02070309020205020404" pitchFamily="49" charset="0"/>
+              </a:rPr>
+              <a:t>@</a:t>
+            </a:r>
+            <a:r>
+              <a:rPr kumimoji="0" lang="pt-BR" altLang="pt-BR" sz="1500" b="0" i="0" u="none" strike="noStrike" cap="none" normalizeH="0" baseline="0" dirty="0" err="1">
+                <a:ln>
+                  <a:noFill/>
+                </a:ln>
+                <a:solidFill>
+                  <a:srgbClr val="808000"/>
+                </a:solidFill>
+                <a:effectLst/>
+                <a:latin typeface="Courier New" panose="02070309020205020404" pitchFamily="49" charset="0"/>
+                <a:cs typeface="Courier New" panose="02070309020205020404" pitchFamily="49" charset="0"/>
+              </a:rPr>
+              <a:t>Override</a:t>
+            </a:r>
+            <a:br>
+              <a:rPr kumimoji="0" lang="pt-BR" altLang="pt-BR" sz="1500" b="0" i="0" u="none" strike="noStrike" cap="none" normalizeH="0" baseline="0" dirty="0">
+                <a:ln>
+                  <a:noFill/>
+                </a:ln>
+                <a:solidFill>
+                  <a:srgbClr val="808000"/>
+                </a:solidFill>
+                <a:effectLst/>
+                <a:latin typeface="Courier New" panose="02070309020205020404" pitchFamily="49" charset="0"/>
+                <a:cs typeface="Courier New" panose="02070309020205020404" pitchFamily="49" charset="0"/>
+              </a:rPr>
+            </a:br>
+            <a:r>
+              <a:rPr kumimoji="0" lang="pt-BR" altLang="pt-BR" sz="1500" b="0" i="0" u="none" strike="noStrike" cap="none" normalizeH="0" baseline="0" dirty="0">
+                <a:ln>
+                  <a:noFill/>
+                </a:ln>
+                <a:solidFill>
+                  <a:srgbClr val="808000"/>
+                </a:solidFill>
+                <a:effectLst/>
+                <a:latin typeface="Courier New" panose="02070309020205020404" pitchFamily="49" charset="0"/>
+                <a:cs typeface="Courier New" panose="02070309020205020404" pitchFamily="49" charset="0"/>
+              </a:rPr>
+              <a:t>            </a:t>
+            </a:r>
+            <a:r>
+              <a:rPr kumimoji="0" lang="pt-BR" altLang="pt-BR" sz="1500" b="1" i="0" u="none" strike="noStrike" cap="none" normalizeH="0" baseline="0" dirty="0" err="1">
+                <a:ln>
+                  <a:noFill/>
+                </a:ln>
+                <a:solidFill>
+                  <a:srgbClr val="000080"/>
+                </a:solidFill>
+                <a:effectLst/>
+                <a:latin typeface="Courier New" panose="02070309020205020404" pitchFamily="49" charset="0"/>
+                <a:cs typeface="Courier New" panose="02070309020205020404" pitchFamily="49" charset="0"/>
+              </a:rPr>
+              <a:t>public</a:t>
+            </a:r>
+            <a:r>
+              <a:rPr kumimoji="0" lang="pt-BR" altLang="pt-BR" sz="1500" b="1" i="0" u="none" strike="noStrike" cap="none" normalizeH="0" baseline="0" dirty="0">
+                <a:ln>
+                  <a:noFill/>
+                </a:ln>
+                <a:solidFill>
+                  <a:srgbClr val="000080"/>
+                </a:solidFill>
+                <a:effectLst/>
+                <a:latin typeface="Courier New" panose="02070309020205020404" pitchFamily="49" charset="0"/>
+                <a:cs typeface="Courier New" panose="02070309020205020404" pitchFamily="49" charset="0"/>
+              </a:rPr>
+              <a:t> </a:t>
+            </a:r>
+            <a:r>
+              <a:rPr kumimoji="0" lang="pt-BR" altLang="pt-BR" sz="1500" b="1" i="0" u="none" strike="noStrike" cap="none" normalizeH="0" baseline="0" dirty="0" err="1">
+                <a:ln>
+                  <a:noFill/>
+                </a:ln>
+                <a:solidFill>
+                  <a:srgbClr val="000080"/>
+                </a:solidFill>
+                <a:effectLst/>
+                <a:latin typeface="Courier New" panose="02070309020205020404" pitchFamily="49" charset="0"/>
+                <a:cs typeface="Courier New" panose="02070309020205020404" pitchFamily="49" charset="0"/>
+              </a:rPr>
+              <a:t>void</a:t>
+            </a:r>
+            <a:r>
+              <a:rPr kumimoji="0" lang="pt-BR" altLang="pt-BR" sz="1500" b="1" i="0" u="none" strike="noStrike" cap="none" normalizeH="0" baseline="0" dirty="0">
+                <a:ln>
+                  <a:noFill/>
+                </a:ln>
+                <a:solidFill>
+                  <a:srgbClr val="000080"/>
+                </a:solidFill>
+                <a:effectLst/>
+                <a:latin typeface="Courier New" panose="02070309020205020404" pitchFamily="49" charset="0"/>
+                <a:cs typeface="Courier New" panose="02070309020205020404" pitchFamily="49" charset="0"/>
+              </a:rPr>
+              <a:t> </a:t>
+            </a:r>
+            <a:r>
+              <a:rPr kumimoji="0" lang="pt-BR" altLang="pt-BR" sz="1500" b="0" i="0" u="none" strike="noStrike" cap="none" normalizeH="0" baseline="0" dirty="0" err="1">
+                <a:ln>
+                  <a:noFill/>
+                </a:ln>
+                <a:solidFill>
+                  <a:srgbClr val="000000"/>
+                </a:solidFill>
+                <a:effectLst/>
+                <a:latin typeface="Courier New" panose="02070309020205020404" pitchFamily="49" charset="0"/>
+                <a:cs typeface="Courier New" panose="02070309020205020404" pitchFamily="49" charset="0"/>
+              </a:rPr>
+              <a:t>onComplete</a:t>
+            </a:r>
+            <a:r>
+              <a:rPr kumimoji="0" lang="pt-BR" altLang="pt-BR" sz="1500" b="0" i="0" u="none" strike="noStrike" cap="none" normalizeH="0" baseline="0" dirty="0">
+                <a:ln>
+                  <a:noFill/>
+                </a:ln>
+                <a:solidFill>
+                  <a:srgbClr val="000000"/>
+                </a:solidFill>
+                <a:effectLst/>
+                <a:latin typeface="Courier New" panose="02070309020205020404" pitchFamily="49" charset="0"/>
+                <a:cs typeface="Courier New" panose="02070309020205020404" pitchFamily="49" charset="0"/>
+              </a:rPr>
+              <a:t>(</a:t>
+            </a:r>
+            <a:r>
+              <a:rPr kumimoji="0" lang="pt-BR" altLang="pt-BR" sz="1500" b="0" i="0" u="none" strike="noStrike" cap="none" normalizeH="0" baseline="0" dirty="0">
+                <a:ln>
+                  <a:noFill/>
+                </a:ln>
+                <a:solidFill>
+                  <a:srgbClr val="808000"/>
+                </a:solidFill>
+                <a:effectLst/>
+                <a:latin typeface="Courier New" panose="02070309020205020404" pitchFamily="49" charset="0"/>
+                <a:cs typeface="Courier New" panose="02070309020205020404" pitchFamily="49" charset="0"/>
+              </a:rPr>
+              <a:t>@</a:t>
+            </a:r>
+            <a:r>
+              <a:rPr kumimoji="0" lang="pt-BR" altLang="pt-BR" sz="1500" b="0" i="0" u="none" strike="noStrike" cap="none" normalizeH="0" baseline="0" dirty="0" err="1">
+                <a:ln>
+                  <a:noFill/>
+                </a:ln>
+                <a:solidFill>
+                  <a:srgbClr val="808000"/>
+                </a:solidFill>
+                <a:effectLst/>
+                <a:latin typeface="Courier New" panose="02070309020205020404" pitchFamily="49" charset="0"/>
+                <a:cs typeface="Courier New" panose="02070309020205020404" pitchFamily="49" charset="0"/>
+              </a:rPr>
+              <a:t>NonNull</a:t>
+            </a:r>
+            <a:r>
+              <a:rPr kumimoji="0" lang="pt-BR" altLang="pt-BR" sz="1500" b="0" i="0" u="none" strike="noStrike" cap="none" normalizeH="0" baseline="0" dirty="0">
+                <a:ln>
+                  <a:noFill/>
+                </a:ln>
+                <a:solidFill>
+                  <a:srgbClr val="808000"/>
+                </a:solidFill>
+                <a:effectLst/>
+                <a:latin typeface="Courier New" panose="02070309020205020404" pitchFamily="49" charset="0"/>
+                <a:cs typeface="Courier New" panose="02070309020205020404" pitchFamily="49" charset="0"/>
+              </a:rPr>
+              <a:t> </a:t>
+            </a:r>
+            <a:r>
+              <a:rPr kumimoji="0" lang="pt-BR" altLang="pt-BR" sz="1500" b="0" i="0" u="none" strike="noStrike" cap="none" normalizeH="0" baseline="0" dirty="0" err="1">
+                <a:ln>
+                  <a:noFill/>
+                </a:ln>
+                <a:solidFill>
+                  <a:srgbClr val="000000"/>
+                </a:solidFill>
+                <a:effectLst/>
+                <a:latin typeface="Courier New" panose="02070309020205020404" pitchFamily="49" charset="0"/>
+                <a:cs typeface="Courier New" panose="02070309020205020404" pitchFamily="49" charset="0"/>
+              </a:rPr>
+              <a:t>Task</a:t>
+            </a:r>
+            <a:r>
+              <a:rPr kumimoji="0" lang="pt-BR" altLang="pt-BR" sz="1500" b="0" i="0" u="none" strike="noStrike" cap="none" normalizeH="0" baseline="0" dirty="0">
+                <a:ln>
+                  <a:noFill/>
+                </a:ln>
+                <a:solidFill>
+                  <a:srgbClr val="000000"/>
+                </a:solidFill>
+                <a:effectLst/>
+                <a:latin typeface="Courier New" panose="02070309020205020404" pitchFamily="49" charset="0"/>
+                <a:cs typeface="Courier New" panose="02070309020205020404" pitchFamily="49" charset="0"/>
+              </a:rPr>
+              <a:t>&lt;</a:t>
+            </a:r>
+            <a:r>
+              <a:rPr kumimoji="0" lang="pt-BR" altLang="pt-BR" sz="1500" b="0" i="0" u="none" strike="noStrike" cap="none" normalizeH="0" baseline="0" dirty="0" err="1">
+                <a:ln>
+                  <a:noFill/>
+                </a:ln>
+                <a:solidFill>
+                  <a:srgbClr val="000000"/>
+                </a:solidFill>
+                <a:effectLst/>
+                <a:latin typeface="Courier New" panose="02070309020205020404" pitchFamily="49" charset="0"/>
+                <a:cs typeface="Courier New" panose="02070309020205020404" pitchFamily="49" charset="0"/>
+              </a:rPr>
+              <a:t>AuthResult</a:t>
+            </a:r>
+            <a:r>
+              <a:rPr kumimoji="0" lang="pt-BR" altLang="pt-BR" sz="1500" b="0" i="0" u="none" strike="noStrike" cap="none" normalizeH="0" baseline="0" dirty="0">
+                <a:ln>
+                  <a:noFill/>
+                </a:ln>
+                <a:solidFill>
+                  <a:srgbClr val="000000"/>
+                </a:solidFill>
+                <a:effectLst/>
+                <a:latin typeface="Courier New" panose="02070309020205020404" pitchFamily="49" charset="0"/>
+                <a:cs typeface="Courier New" panose="02070309020205020404" pitchFamily="49" charset="0"/>
+              </a:rPr>
+              <a:t>&gt; </a:t>
+            </a:r>
+            <a:r>
+              <a:rPr kumimoji="0" lang="pt-BR" altLang="pt-BR" sz="1500" b="0" i="0" u="none" strike="noStrike" cap="none" normalizeH="0" baseline="0" dirty="0" err="1">
+                <a:ln>
+                  <a:noFill/>
+                </a:ln>
+                <a:solidFill>
+                  <a:srgbClr val="000000"/>
+                </a:solidFill>
+                <a:effectLst/>
+                <a:latin typeface="Courier New" panose="02070309020205020404" pitchFamily="49" charset="0"/>
+                <a:cs typeface="Courier New" panose="02070309020205020404" pitchFamily="49" charset="0"/>
+              </a:rPr>
+              <a:t>task</a:t>
+            </a:r>
+            <a:r>
+              <a:rPr kumimoji="0" lang="pt-BR" altLang="pt-BR" sz="1500" b="0" i="0" u="none" strike="noStrike" cap="none" normalizeH="0" baseline="0" dirty="0">
+                <a:ln>
+                  <a:noFill/>
+                </a:ln>
+                <a:solidFill>
+                  <a:srgbClr val="000000"/>
+                </a:solidFill>
+                <a:effectLst/>
+                <a:latin typeface="Courier New" panose="02070309020205020404" pitchFamily="49" charset="0"/>
+                <a:cs typeface="Courier New" panose="02070309020205020404" pitchFamily="49" charset="0"/>
+              </a:rPr>
+              <a:t>) {</a:t>
+            </a:r>
+            <a:br>
+              <a:rPr kumimoji="0" lang="pt-BR" altLang="pt-BR" sz="1500" b="0" i="0" u="none" strike="noStrike" cap="none" normalizeH="0" baseline="0" dirty="0">
+                <a:ln>
+                  <a:noFill/>
+                </a:ln>
+                <a:solidFill>
+                  <a:srgbClr val="000000"/>
+                </a:solidFill>
+                <a:effectLst/>
+                <a:latin typeface="Courier New" panose="02070309020205020404" pitchFamily="49" charset="0"/>
+                <a:cs typeface="Courier New" panose="02070309020205020404" pitchFamily="49" charset="0"/>
+              </a:rPr>
+            </a:br>
+            <a:r>
+              <a:rPr kumimoji="0" lang="pt-BR" altLang="pt-BR" sz="1500" b="0" i="0" u="none" strike="noStrike" cap="none" normalizeH="0" baseline="0" dirty="0">
+                <a:ln>
+                  <a:noFill/>
+                </a:ln>
+                <a:solidFill>
+                  <a:srgbClr val="000000"/>
+                </a:solidFill>
+                <a:effectLst/>
+                <a:latin typeface="Courier New" panose="02070309020205020404" pitchFamily="49" charset="0"/>
+                <a:cs typeface="Courier New" panose="02070309020205020404" pitchFamily="49" charset="0"/>
+              </a:rPr>
+              <a:t>                </a:t>
+            </a:r>
+            <a:r>
+              <a:rPr kumimoji="0" lang="pt-BR" altLang="pt-BR" sz="1500" b="1" i="0" u="none" strike="noStrike" cap="none" normalizeH="0" baseline="0" dirty="0" err="1">
+                <a:ln>
+                  <a:noFill/>
+                </a:ln>
+                <a:solidFill>
+                  <a:srgbClr val="000080"/>
+                </a:solidFill>
+                <a:effectLst/>
+                <a:latin typeface="Courier New" panose="02070309020205020404" pitchFamily="49" charset="0"/>
+                <a:cs typeface="Courier New" panose="02070309020205020404" pitchFamily="49" charset="0"/>
+              </a:rPr>
+              <a:t>if</a:t>
+            </a:r>
+            <a:r>
+              <a:rPr kumimoji="0" lang="pt-BR" altLang="pt-BR" sz="1500" b="1" i="0" u="none" strike="noStrike" cap="none" normalizeH="0" baseline="0" dirty="0">
+                <a:ln>
+                  <a:noFill/>
+                </a:ln>
+                <a:solidFill>
+                  <a:srgbClr val="000080"/>
+                </a:solidFill>
+                <a:effectLst/>
+                <a:latin typeface="Courier New" panose="02070309020205020404" pitchFamily="49" charset="0"/>
+                <a:cs typeface="Courier New" panose="02070309020205020404" pitchFamily="49" charset="0"/>
+              </a:rPr>
+              <a:t> </a:t>
+            </a:r>
+            <a:r>
+              <a:rPr kumimoji="0" lang="pt-BR" altLang="pt-BR" sz="1500" b="0" i="0" u="none" strike="noStrike" cap="none" normalizeH="0" baseline="0" dirty="0">
+                <a:ln>
+                  <a:noFill/>
+                </a:ln>
+                <a:solidFill>
+                  <a:srgbClr val="000000"/>
+                </a:solidFill>
+                <a:effectLst/>
+                <a:latin typeface="Courier New" panose="02070309020205020404" pitchFamily="49" charset="0"/>
+                <a:cs typeface="Courier New" panose="02070309020205020404" pitchFamily="49" charset="0"/>
+              </a:rPr>
+              <a:t>(</a:t>
+            </a:r>
+            <a:r>
+              <a:rPr kumimoji="0" lang="pt-BR" altLang="pt-BR" sz="1500" b="0" i="0" u="none" strike="noStrike" cap="none" normalizeH="0" baseline="0" dirty="0" err="1">
+                <a:ln>
+                  <a:noFill/>
+                </a:ln>
+                <a:solidFill>
+                  <a:srgbClr val="000000"/>
+                </a:solidFill>
+                <a:effectLst/>
+                <a:latin typeface="Courier New" panose="02070309020205020404" pitchFamily="49" charset="0"/>
+                <a:cs typeface="Courier New" panose="02070309020205020404" pitchFamily="49" charset="0"/>
+              </a:rPr>
+              <a:t>task.isSuccessful</a:t>
+            </a:r>
+            <a:r>
+              <a:rPr kumimoji="0" lang="pt-BR" altLang="pt-BR" sz="1500" b="0" i="0" u="none" strike="noStrike" cap="none" normalizeH="0" baseline="0" dirty="0">
+                <a:ln>
+                  <a:noFill/>
+                </a:ln>
+                <a:solidFill>
+                  <a:srgbClr val="000000"/>
+                </a:solidFill>
+                <a:effectLst/>
+                <a:latin typeface="Courier New" panose="02070309020205020404" pitchFamily="49" charset="0"/>
+                <a:cs typeface="Courier New" panose="02070309020205020404" pitchFamily="49" charset="0"/>
+              </a:rPr>
+              <a:t>()) {</a:t>
+            </a:r>
+            <a:br>
+              <a:rPr kumimoji="0" lang="pt-BR" altLang="pt-BR" sz="1500" b="0" i="0" u="none" strike="noStrike" cap="none" normalizeH="0" baseline="0" dirty="0">
+                <a:ln>
+                  <a:noFill/>
+                </a:ln>
+                <a:solidFill>
+                  <a:srgbClr val="000000"/>
+                </a:solidFill>
+                <a:effectLst/>
+                <a:latin typeface="Courier New" panose="02070309020205020404" pitchFamily="49" charset="0"/>
+                <a:cs typeface="Courier New" panose="02070309020205020404" pitchFamily="49" charset="0"/>
+              </a:rPr>
+            </a:br>
+            <a:r>
+              <a:rPr kumimoji="0" lang="pt-BR" altLang="pt-BR" sz="1500" b="0" i="0" u="none" strike="noStrike" cap="none" normalizeH="0" baseline="0" dirty="0">
+                <a:ln>
+                  <a:noFill/>
+                </a:ln>
+                <a:solidFill>
+                  <a:srgbClr val="000000"/>
+                </a:solidFill>
+                <a:effectLst/>
+                <a:latin typeface="Courier New" panose="02070309020205020404" pitchFamily="49" charset="0"/>
+                <a:cs typeface="Courier New" panose="02070309020205020404" pitchFamily="49" charset="0"/>
+              </a:rPr>
+              <a:t>                    // Open </a:t>
+            </a:r>
+            <a:r>
+              <a:rPr kumimoji="0" lang="pt-BR" altLang="pt-BR" sz="1500" b="0" i="0" u="none" strike="noStrike" cap="none" normalizeH="0" baseline="0" dirty="0" err="1">
+                <a:ln>
+                  <a:noFill/>
+                </a:ln>
+                <a:solidFill>
+                  <a:srgbClr val="000000"/>
+                </a:solidFill>
+                <a:effectLst/>
+                <a:latin typeface="Courier New" panose="02070309020205020404" pitchFamily="49" charset="0"/>
+                <a:cs typeface="Courier New" panose="02070309020205020404" pitchFamily="49" charset="0"/>
+              </a:rPr>
+              <a:t>Main</a:t>
+            </a:r>
+            <a:r>
+              <a:rPr lang="pt-BR" altLang="pt-BR" sz="1500" dirty="0" err="1">
+                <a:solidFill>
+                  <a:srgbClr val="000000"/>
+                </a:solidFill>
+                <a:latin typeface="Courier New" panose="02070309020205020404" pitchFamily="49" charset="0"/>
+                <a:cs typeface="Courier New" panose="02070309020205020404" pitchFamily="49" charset="0"/>
+              </a:rPr>
+              <a:t>Activity</a:t>
+            </a:r>
+            <a:br>
+              <a:rPr kumimoji="0" lang="pt-BR" altLang="pt-BR" sz="1500" b="0" i="0" u="none" strike="noStrike" cap="none" normalizeH="0" baseline="0" dirty="0">
+                <a:ln>
+                  <a:noFill/>
+                </a:ln>
+                <a:solidFill>
+                  <a:srgbClr val="000000"/>
+                </a:solidFill>
+                <a:effectLst/>
+                <a:latin typeface="Courier New" panose="02070309020205020404" pitchFamily="49" charset="0"/>
+                <a:cs typeface="Courier New" panose="02070309020205020404" pitchFamily="49" charset="0"/>
+              </a:rPr>
+            </a:br>
+            <a:r>
+              <a:rPr kumimoji="0" lang="pt-BR" altLang="pt-BR" sz="1500" b="0" i="0" u="none" strike="noStrike" cap="none" normalizeH="0" baseline="0" dirty="0">
+                <a:ln>
+                  <a:noFill/>
+                </a:ln>
+                <a:solidFill>
+                  <a:srgbClr val="000000"/>
+                </a:solidFill>
+                <a:effectLst/>
+                <a:latin typeface="Courier New" panose="02070309020205020404" pitchFamily="49" charset="0"/>
+                <a:cs typeface="Courier New" panose="02070309020205020404" pitchFamily="49" charset="0"/>
+              </a:rPr>
+              <a:t>                } </a:t>
+            </a:r>
+            <a:r>
+              <a:rPr kumimoji="0" lang="pt-BR" altLang="pt-BR" sz="1500" b="1" i="0" u="none" strike="noStrike" cap="none" normalizeH="0" baseline="0" dirty="0" err="1">
+                <a:ln>
+                  <a:noFill/>
+                </a:ln>
+                <a:solidFill>
+                  <a:srgbClr val="000080"/>
+                </a:solidFill>
+                <a:effectLst/>
+                <a:latin typeface="Courier New" panose="02070309020205020404" pitchFamily="49" charset="0"/>
+                <a:cs typeface="Courier New" panose="02070309020205020404" pitchFamily="49" charset="0"/>
+              </a:rPr>
+              <a:t>else</a:t>
+            </a:r>
+            <a:r>
+              <a:rPr kumimoji="0" lang="pt-BR" altLang="pt-BR" sz="1500" b="1" i="0" u="none" strike="noStrike" cap="none" normalizeH="0" baseline="0" dirty="0">
+                <a:ln>
+                  <a:noFill/>
+                </a:ln>
+                <a:solidFill>
+                  <a:srgbClr val="000080"/>
+                </a:solidFill>
+                <a:effectLst/>
+                <a:latin typeface="Courier New" panose="02070309020205020404" pitchFamily="49" charset="0"/>
+                <a:cs typeface="Courier New" panose="02070309020205020404" pitchFamily="49" charset="0"/>
+              </a:rPr>
+              <a:t> </a:t>
+            </a:r>
+            <a:r>
+              <a:rPr kumimoji="0" lang="pt-BR" altLang="pt-BR" sz="1500" b="0" i="0" u="none" strike="noStrike" cap="none" normalizeH="0" baseline="0" dirty="0">
+                <a:ln>
+                  <a:noFill/>
+                </a:ln>
+                <a:solidFill>
+                  <a:srgbClr val="000000"/>
+                </a:solidFill>
+                <a:effectLst/>
+                <a:latin typeface="Courier New" panose="02070309020205020404" pitchFamily="49" charset="0"/>
+                <a:cs typeface="Courier New" panose="02070309020205020404" pitchFamily="49" charset="0"/>
+              </a:rPr>
+              <a:t>{</a:t>
+            </a:r>
+            <a:br>
+              <a:rPr kumimoji="0" lang="pt-BR" altLang="pt-BR" sz="1500" b="0" i="0" u="none" strike="noStrike" cap="none" normalizeH="0" baseline="0" dirty="0">
+                <a:ln>
+                  <a:noFill/>
+                </a:ln>
+                <a:solidFill>
+                  <a:srgbClr val="000000"/>
+                </a:solidFill>
+                <a:effectLst/>
+                <a:latin typeface="Courier New" panose="02070309020205020404" pitchFamily="49" charset="0"/>
+                <a:cs typeface="Courier New" panose="02070309020205020404" pitchFamily="49" charset="0"/>
+              </a:rPr>
+            </a:br>
+            <a:r>
+              <a:rPr kumimoji="0" lang="pt-BR" altLang="pt-BR" sz="1500" b="0" i="0" u="none" strike="noStrike" cap="none" normalizeH="0" baseline="0" dirty="0">
+                <a:ln>
+                  <a:noFill/>
+                </a:ln>
+                <a:solidFill>
+                  <a:srgbClr val="000000"/>
+                </a:solidFill>
+                <a:effectLst/>
+                <a:latin typeface="Courier New" panose="02070309020205020404" pitchFamily="49" charset="0"/>
+                <a:cs typeface="Courier New" panose="02070309020205020404" pitchFamily="49" charset="0"/>
+              </a:rPr>
+              <a:t>                    // </a:t>
+            </a:r>
+            <a:r>
+              <a:rPr kumimoji="0" lang="pt-BR" altLang="pt-BR" sz="1500" b="0" i="0" u="none" strike="noStrike" cap="none" normalizeH="0" baseline="0" dirty="0" err="1">
+                <a:ln>
+                  <a:noFill/>
+                </a:ln>
+                <a:solidFill>
+                  <a:srgbClr val="000000"/>
+                </a:solidFill>
+                <a:effectLst/>
+                <a:latin typeface="Courier New" panose="02070309020205020404" pitchFamily="49" charset="0"/>
+                <a:cs typeface="Courier New" panose="02070309020205020404" pitchFamily="49" charset="0"/>
+              </a:rPr>
+              <a:t>Handle</a:t>
+            </a:r>
+            <a:r>
+              <a:rPr kumimoji="0" lang="pt-BR" altLang="pt-BR" sz="1500" b="0" i="0" u="none" strike="noStrike" cap="none" normalizeH="0" baseline="0" dirty="0">
+                <a:ln>
+                  <a:noFill/>
+                </a:ln>
+                <a:solidFill>
+                  <a:srgbClr val="000000"/>
+                </a:solidFill>
+                <a:effectLst/>
+                <a:latin typeface="Courier New" panose="02070309020205020404" pitchFamily="49" charset="0"/>
+                <a:cs typeface="Courier New" panose="02070309020205020404" pitchFamily="49" charset="0"/>
+              </a:rPr>
+              <a:t> </a:t>
+            </a:r>
+            <a:r>
+              <a:rPr kumimoji="0" lang="pt-BR" altLang="pt-BR" sz="1500" b="0" i="0" u="none" strike="noStrike" cap="none" normalizeH="0" baseline="0" dirty="0" err="1">
+                <a:ln>
+                  <a:noFill/>
+                </a:ln>
+                <a:solidFill>
+                  <a:srgbClr val="000000"/>
+                </a:solidFill>
+                <a:effectLst/>
+                <a:latin typeface="Courier New" panose="02070309020205020404" pitchFamily="49" charset="0"/>
+                <a:cs typeface="Courier New" panose="02070309020205020404" pitchFamily="49" charset="0"/>
+              </a:rPr>
+              <a:t>Error</a:t>
+            </a:r>
+            <a:br>
+              <a:rPr kumimoji="0" lang="pt-BR" altLang="pt-BR" sz="1500" b="0" i="0" u="none" strike="noStrike" cap="none" normalizeH="0" baseline="0" dirty="0">
+                <a:ln>
+                  <a:noFill/>
+                </a:ln>
+                <a:solidFill>
+                  <a:srgbClr val="000000"/>
+                </a:solidFill>
+                <a:effectLst/>
+                <a:latin typeface="Courier New" panose="02070309020205020404" pitchFamily="49" charset="0"/>
+                <a:cs typeface="Courier New" panose="02070309020205020404" pitchFamily="49" charset="0"/>
+              </a:rPr>
+            </a:br>
+            <a:r>
+              <a:rPr kumimoji="0" lang="pt-BR" altLang="pt-BR" sz="1500" b="0" i="0" u="none" strike="noStrike" cap="none" normalizeH="0" baseline="0" dirty="0">
+                <a:ln>
+                  <a:noFill/>
+                </a:ln>
+                <a:solidFill>
+                  <a:srgbClr val="000000"/>
+                </a:solidFill>
+                <a:effectLst/>
+                <a:latin typeface="Courier New" panose="02070309020205020404" pitchFamily="49" charset="0"/>
+                <a:cs typeface="Courier New" panose="02070309020205020404" pitchFamily="49" charset="0"/>
+              </a:rPr>
+              <a:t>                }</a:t>
+            </a:r>
+            <a:br>
+              <a:rPr kumimoji="0" lang="pt-BR" altLang="pt-BR" sz="1500" b="0" i="0" u="none" strike="noStrike" cap="none" normalizeH="0" baseline="0" dirty="0">
+                <a:ln>
+                  <a:noFill/>
+                </a:ln>
+                <a:solidFill>
+                  <a:srgbClr val="000000"/>
+                </a:solidFill>
+                <a:effectLst/>
+                <a:latin typeface="Courier New" panose="02070309020205020404" pitchFamily="49" charset="0"/>
+                <a:cs typeface="Courier New" panose="02070309020205020404" pitchFamily="49" charset="0"/>
+              </a:rPr>
+            </a:br>
+            <a:r>
+              <a:rPr kumimoji="0" lang="pt-BR" altLang="pt-BR" sz="1500" b="0" i="0" u="none" strike="noStrike" cap="none" normalizeH="0" baseline="0" dirty="0">
+                <a:ln>
+                  <a:noFill/>
+                </a:ln>
+                <a:solidFill>
+                  <a:srgbClr val="000000"/>
+                </a:solidFill>
+                <a:effectLst/>
+                <a:latin typeface="Courier New" panose="02070309020205020404" pitchFamily="49" charset="0"/>
+                <a:cs typeface="Courier New" panose="02070309020205020404" pitchFamily="49" charset="0"/>
+              </a:rPr>
+              <a:t>            }</a:t>
+            </a:r>
+            <a:br>
+              <a:rPr kumimoji="0" lang="pt-BR" altLang="pt-BR" sz="1500" b="0" i="0" u="none" strike="noStrike" cap="none" normalizeH="0" baseline="0" dirty="0">
+                <a:ln>
+                  <a:noFill/>
+                </a:ln>
+                <a:solidFill>
+                  <a:srgbClr val="000000"/>
+                </a:solidFill>
+                <a:effectLst/>
+                <a:latin typeface="Courier New" panose="02070309020205020404" pitchFamily="49" charset="0"/>
+                <a:cs typeface="Courier New" panose="02070309020205020404" pitchFamily="49" charset="0"/>
+              </a:rPr>
+            </a:br>
+            <a:r>
+              <a:rPr kumimoji="0" lang="pt-BR" altLang="pt-BR" sz="1500" b="0" i="0" u="none" strike="noStrike" cap="none" normalizeH="0" baseline="0" dirty="0">
+                <a:ln>
+                  <a:noFill/>
+                </a:ln>
+                <a:solidFill>
+                  <a:srgbClr val="000000"/>
+                </a:solidFill>
+                <a:effectLst/>
+                <a:latin typeface="Courier New" panose="02070309020205020404" pitchFamily="49" charset="0"/>
+                <a:cs typeface="Courier New" panose="02070309020205020404" pitchFamily="49" charset="0"/>
+              </a:rPr>
+              <a:t>        });</a:t>
+            </a:r>
+            <a:endParaRPr kumimoji="0" lang="pt-BR" altLang="pt-BR" sz="1500" b="0" i="0" u="none" strike="noStrike" cap="none" normalizeH="0" baseline="0" dirty="0">
+              <a:ln>
+                <a:noFill/>
+              </a:ln>
+              <a:solidFill>
+                <a:schemeClr val="tx1"/>
+              </a:solidFill>
+              <a:effectLst/>
+              <a:latin typeface="Arial" panose="020B0604020202020204" pitchFamily="34" charset="0"/>
+            </a:endParaRPr>
+          </a:p>
+        </p:txBody>
+      </p:sp>
+      <p:sp>
+        <p:nvSpPr>
+          <p:cNvPr id="10" name="Rectangle 5">
+            <a:extLst>
+              <a:ext uri="{FF2B5EF4-FFF2-40B4-BE49-F238E27FC236}">
+                <a16:creationId xmlns:a16="http://schemas.microsoft.com/office/drawing/2014/main" id="{019B4CCE-88D4-44BF-B685-36267628E89A}"/>
+              </a:ext>
+            </a:extLst>
+          </p:cNvPr>
+          <p:cNvSpPr>
+            <a:spLocks noChangeArrowheads="1"/>
+          </p:cNvSpPr>
+          <p:nvPr/>
+        </p:nvSpPr>
+        <p:spPr bwMode="auto">
+          <a:xfrm>
+            <a:off x="232252" y="2261145"/>
+            <a:ext cx="6645065" cy="323165"/>
+          </a:xfrm>
+          <a:prstGeom prst="rect">
+            <a:avLst/>
+          </a:prstGeom>
+          <a:noFill/>
+          <a:ln>
+            <a:noFill/>
+          </a:ln>
+          <a:effectLst/>
+        </p:spPr>
+        <p:txBody>
+          <a:bodyPr vert="horz" wrap="square" lIns="91440" tIns="45720" rIns="91440" bIns="45720" numCol="1" anchor="ctr" anchorCtr="0" compatLnSpc="1">
+            <a:prstTxWarp prst="textNoShape">
+              <a:avLst/>
+            </a:prstTxWarp>
+            <a:spAutoFit/>
+          </a:bodyPr>
+          <a:lstStyle/>
+          <a:p>
+            <a:pPr marL="0" marR="0" lvl="0" indent="0" algn="l" defTabSz="914400" rtl="0" eaLnBrk="0" fontAlgn="base" latinLnBrk="0" hangingPunct="0">
+              <a:lnSpc>
+                <a:spcPct val="100000"/>
+              </a:lnSpc>
+              <a:spcBef>
+                <a:spcPct val="0"/>
+              </a:spcBef>
+              <a:spcAft>
+                <a:spcPct val="0"/>
+              </a:spcAft>
+              <a:buClrTx/>
+              <a:buSzTx/>
+              <a:buFontTx/>
+              <a:buNone/>
+              <a:tabLst/>
+            </a:pPr>
+            <a:r>
+              <a:rPr kumimoji="0" lang="pt-BR" altLang="pt-BR" sz="1500" b="1" i="0" u="none" strike="noStrike" cap="none" normalizeH="0" baseline="0" dirty="0" err="1">
+                <a:ln>
+                  <a:noFill/>
+                </a:ln>
+                <a:solidFill>
+                  <a:srgbClr val="000080"/>
+                </a:solidFill>
+                <a:effectLst/>
+                <a:latin typeface="Courier New" panose="02070309020205020404" pitchFamily="49" charset="0"/>
+                <a:cs typeface="Courier New" panose="02070309020205020404" pitchFamily="49" charset="0"/>
+              </a:rPr>
+              <a:t>private</a:t>
+            </a:r>
+            <a:r>
+              <a:rPr kumimoji="0" lang="pt-BR" altLang="pt-BR" sz="1500" b="1" i="0" u="none" strike="noStrike" cap="none" normalizeH="0" baseline="0" dirty="0">
+                <a:ln>
+                  <a:noFill/>
+                </a:ln>
+                <a:solidFill>
+                  <a:srgbClr val="000080"/>
+                </a:solidFill>
+                <a:effectLst/>
+                <a:latin typeface="Courier New" panose="02070309020205020404" pitchFamily="49" charset="0"/>
+                <a:cs typeface="Courier New" panose="02070309020205020404" pitchFamily="49" charset="0"/>
+              </a:rPr>
+              <a:t> </a:t>
+            </a:r>
+            <a:r>
+              <a:rPr kumimoji="0" lang="pt-BR" altLang="pt-BR" sz="1500" b="0" i="0" u="none" strike="noStrike" cap="none" normalizeH="0" baseline="0" dirty="0" err="1">
+                <a:ln>
+                  <a:noFill/>
+                </a:ln>
+                <a:solidFill>
+                  <a:srgbClr val="000000"/>
+                </a:solidFill>
+                <a:effectLst/>
+                <a:latin typeface="Courier New" panose="02070309020205020404" pitchFamily="49" charset="0"/>
+                <a:cs typeface="Courier New" panose="02070309020205020404" pitchFamily="49" charset="0"/>
+              </a:rPr>
+              <a:t>FirebaseAuth</a:t>
+            </a:r>
+            <a:r>
+              <a:rPr kumimoji="0" lang="pt-BR" altLang="pt-BR" sz="1500" b="0" i="0" u="none" strike="noStrike" cap="none" normalizeH="0" baseline="0" dirty="0">
+                <a:ln>
+                  <a:noFill/>
+                </a:ln>
+                <a:solidFill>
+                  <a:srgbClr val="000000"/>
+                </a:solidFill>
+                <a:effectLst/>
+                <a:latin typeface="Courier New" panose="02070309020205020404" pitchFamily="49" charset="0"/>
+                <a:cs typeface="Courier New" panose="02070309020205020404" pitchFamily="49" charset="0"/>
+              </a:rPr>
+              <a:t> </a:t>
+            </a:r>
+            <a:r>
+              <a:rPr kumimoji="0" lang="pt-BR" altLang="pt-BR" sz="1500" b="1" i="0" u="none" strike="noStrike" cap="none" normalizeH="0" baseline="0" dirty="0" err="1">
+                <a:ln>
+                  <a:noFill/>
+                </a:ln>
+                <a:solidFill>
+                  <a:srgbClr val="660E7A"/>
+                </a:solidFill>
+                <a:effectLst/>
+                <a:latin typeface="Courier New" panose="02070309020205020404" pitchFamily="49" charset="0"/>
+                <a:cs typeface="Courier New" panose="02070309020205020404" pitchFamily="49" charset="0"/>
+              </a:rPr>
+              <a:t>auth</a:t>
+            </a:r>
+            <a:r>
+              <a:rPr kumimoji="0" lang="pt-BR" altLang="pt-BR" sz="1500" b="1" i="0" u="none" strike="noStrike" cap="none" normalizeH="0" baseline="0" dirty="0">
+                <a:ln>
+                  <a:noFill/>
+                </a:ln>
+                <a:solidFill>
+                  <a:srgbClr val="660E7A"/>
+                </a:solidFill>
+                <a:effectLst/>
+                <a:latin typeface="Courier New" panose="02070309020205020404" pitchFamily="49" charset="0"/>
+                <a:cs typeface="Courier New" panose="02070309020205020404" pitchFamily="49" charset="0"/>
+              </a:rPr>
+              <a:t> </a:t>
+            </a:r>
+            <a:r>
+              <a:rPr kumimoji="0" lang="pt-BR" altLang="pt-BR" sz="1500" b="0" i="0" u="none" strike="noStrike" cap="none" normalizeH="0" baseline="0" dirty="0">
+                <a:ln>
+                  <a:noFill/>
+                </a:ln>
+                <a:solidFill>
+                  <a:srgbClr val="000000"/>
+                </a:solidFill>
+                <a:effectLst/>
+                <a:latin typeface="Courier New" panose="02070309020205020404" pitchFamily="49" charset="0"/>
+                <a:cs typeface="Courier New" panose="02070309020205020404" pitchFamily="49" charset="0"/>
+              </a:rPr>
+              <a:t>= </a:t>
+            </a:r>
+            <a:r>
+              <a:rPr kumimoji="0" lang="pt-BR" altLang="pt-BR" sz="1500" b="0" i="0" u="none" strike="noStrike" cap="none" normalizeH="0" baseline="0" dirty="0" err="1">
+                <a:ln>
+                  <a:noFill/>
+                </a:ln>
+                <a:solidFill>
+                  <a:srgbClr val="000000"/>
+                </a:solidFill>
+                <a:effectLst/>
+                <a:latin typeface="Courier New" panose="02070309020205020404" pitchFamily="49" charset="0"/>
+                <a:cs typeface="Courier New" panose="02070309020205020404" pitchFamily="49" charset="0"/>
+              </a:rPr>
+              <a:t>FirebaseAuth.</a:t>
+            </a:r>
+            <a:r>
+              <a:rPr kumimoji="0" lang="pt-BR" altLang="pt-BR" sz="1500" b="0" i="1" u="none" strike="noStrike" cap="none" normalizeH="0" baseline="0" dirty="0" err="1">
+                <a:ln>
+                  <a:noFill/>
+                </a:ln>
+                <a:solidFill>
+                  <a:srgbClr val="000000"/>
+                </a:solidFill>
+                <a:effectLst/>
+                <a:latin typeface="Courier New" panose="02070309020205020404" pitchFamily="49" charset="0"/>
+                <a:cs typeface="Courier New" panose="02070309020205020404" pitchFamily="49" charset="0"/>
+              </a:rPr>
+              <a:t>getInstance</a:t>
+            </a:r>
+            <a:r>
+              <a:rPr kumimoji="0" lang="pt-BR" altLang="pt-BR" sz="1500" b="0" i="0" u="none" strike="noStrike" cap="none" normalizeH="0" baseline="0" dirty="0">
+                <a:ln>
+                  <a:noFill/>
+                </a:ln>
+                <a:solidFill>
+                  <a:srgbClr val="000000"/>
+                </a:solidFill>
+                <a:effectLst/>
+                <a:latin typeface="Courier New" panose="02070309020205020404" pitchFamily="49" charset="0"/>
+                <a:cs typeface="Courier New" panose="02070309020205020404" pitchFamily="49" charset="0"/>
+              </a:rPr>
+              <a:t>();</a:t>
+            </a:r>
+            <a:endParaRPr kumimoji="0" lang="pt-BR" altLang="pt-BR" sz="1500" b="0" i="0" u="none" strike="noStrike" cap="none" normalizeH="0" baseline="0" dirty="0">
+              <a:ln>
+                <a:noFill/>
+              </a:ln>
+              <a:solidFill>
+                <a:schemeClr val="tx1"/>
+              </a:solidFill>
+              <a:effectLst/>
+              <a:latin typeface="Arial" panose="020B0604020202020204" pitchFamily="34" charset="0"/>
+            </a:endParaRPr>
+          </a:p>
+        </p:txBody>
+      </p:sp>
+    </p:spTree>
+    <p:extLst>
+      <p:ext uri="{BB962C8B-B14F-4D97-AF65-F5344CB8AC3E}">
+        <p14:creationId xmlns:p14="http://schemas.microsoft.com/office/powerpoint/2010/main" val="422618104"/>
+      </p:ext>
+    </p:extLst>
+  </p:cSld>
+  <p:clrMapOvr>
+    <a:masterClrMapping/>
+  </p:clrMapOvr>
+</p:sld>
+</file>
+
+<file path=ppt/slides/slide11.xml><?xml version="1.0" encoding="utf-8"?>
+<p:sld xmlns:a="http://schemas.openxmlformats.org/drawingml/2006/main" xmlns:r="http://schemas.openxmlformats.org/officeDocument/2006/relationships" xmlns:p="http://schemas.openxmlformats.org/presentationml/2006/main">
+  <p:cSld>
+    <p:spTree>
+      <p:nvGrpSpPr>
+        <p:cNvPr id="1" name=""/>
+        <p:cNvGrpSpPr/>
+        <p:nvPr/>
+      </p:nvGrpSpPr>
+      <p:grpSpPr>
+        <a:xfrm>
+          <a:off x="0" y="0"/>
+          <a:ext cx="0" cy="0"/>
+          <a:chOff x="0" y="0"/>
+          <a:chExt cx="0" cy="0"/>
+        </a:xfrm>
+      </p:grpSpPr>
+      <p:sp>
+        <p:nvSpPr>
+          <p:cNvPr id="2" name="CaixaDeTexto 1">
+            <a:extLst>
+              <a:ext uri="{FF2B5EF4-FFF2-40B4-BE49-F238E27FC236}">
+                <a16:creationId xmlns:a16="http://schemas.microsoft.com/office/drawing/2014/main" id="{40901D67-8F3F-411C-B4AD-F0E78CB1D8CA}"/>
+              </a:ext>
+            </a:extLst>
+          </p:cNvPr>
+          <p:cNvSpPr txBox="1"/>
+          <p:nvPr/>
+        </p:nvSpPr>
+        <p:spPr>
+          <a:xfrm>
+            <a:off x="399245" y="540913"/>
+            <a:ext cx="7714445" cy="646331"/>
+          </a:xfrm>
+          <a:prstGeom prst="rect">
+            <a:avLst/>
+          </a:prstGeom>
+          <a:noFill/>
+        </p:spPr>
+        <p:txBody>
+          <a:bodyPr wrap="square" rtlCol="0">
+            <a:spAutoFit/>
+          </a:bodyPr>
+          <a:lstStyle/>
+          <a:p>
+            <a:r>
+              <a:rPr lang="pt-BR" sz="3600" dirty="0">
+                <a:solidFill>
+                  <a:srgbClr val="343434"/>
+                </a:solidFill>
+                <a:latin typeface="Gotham Rounded Medium" pitchFamily="50" charset="0"/>
+              </a:rPr>
+              <a:t>Autenticação – Recuperar Senha</a:t>
+            </a:r>
+          </a:p>
+        </p:txBody>
+      </p:sp>
+      <p:pic>
+        <p:nvPicPr>
+          <p:cNvPr id="4" name="Imagem 3">
+            <a:extLst>
+              <a:ext uri="{FF2B5EF4-FFF2-40B4-BE49-F238E27FC236}">
+                <a16:creationId xmlns:a16="http://schemas.microsoft.com/office/drawing/2014/main" id="{A6B0B773-74D0-49DD-8395-E4726BA8C315}"/>
+              </a:ext>
+            </a:extLst>
+          </p:cNvPr>
+          <p:cNvPicPr>
+            <a:picLocks noChangeAspect="1"/>
+          </p:cNvPicPr>
+          <p:nvPr/>
+        </p:nvPicPr>
+        <p:blipFill>
+          <a:blip r:embed="rId2">
+            <a:extLst>
+              <a:ext uri="{28A0092B-C50C-407E-A947-70E740481C1C}">
+                <a14:useLocalDpi xmlns:a14="http://schemas.microsoft.com/office/drawing/2010/main" val="0"/>
+              </a:ext>
+            </a:extLst>
+          </a:blip>
+          <a:stretch>
+            <a:fillRect/>
+          </a:stretch>
+        </p:blipFill>
+        <p:spPr>
+          <a:xfrm>
+            <a:off x="8334375" y="0"/>
+            <a:ext cx="3857625" cy="6858000"/>
+          </a:xfrm>
+          <a:prstGeom prst="rect">
+            <a:avLst/>
+          </a:prstGeom>
+        </p:spPr>
+      </p:pic>
+      <p:sp>
+        <p:nvSpPr>
+          <p:cNvPr id="5" name="Rectangle 2">
+            <a:extLst>
+              <a:ext uri="{FF2B5EF4-FFF2-40B4-BE49-F238E27FC236}">
+                <a16:creationId xmlns:a16="http://schemas.microsoft.com/office/drawing/2014/main" id="{D320CC24-92D8-4DE5-BA89-1C9414FEF140}"/>
+              </a:ext>
+            </a:extLst>
+          </p:cNvPr>
+          <p:cNvSpPr>
+            <a:spLocks noChangeArrowheads="1"/>
+          </p:cNvSpPr>
+          <p:nvPr/>
+        </p:nvSpPr>
+        <p:spPr bwMode="auto">
+          <a:xfrm>
+            <a:off x="399245" y="1719277"/>
+            <a:ext cx="7935130" cy="276999"/>
+          </a:xfrm>
+          <a:prstGeom prst="rect">
+            <a:avLst/>
+          </a:prstGeom>
+          <a:noFill/>
+          <a:ln>
+            <a:noFill/>
+          </a:ln>
+          <a:effectLst/>
+          <a:extLst>
+            <a:ext uri="{909E8E84-426E-40DD-AFC4-6F175D3DCCD1}">
+              <a14:hiddenFill xmlns:a14="http://schemas.microsoft.com/office/drawing/2010/main">
+                <a:solidFill>
+                  <a:schemeClr val="accent1"/>
+                </a:solidFill>
+              </a14:hiddenFill>
+            </a:ext>
+            <a:ext uri="{91240B29-F687-4F45-9708-019B960494DF}">
+              <a14:hiddenLine xmlns:a14="http://schemas.microsoft.com/office/drawing/2010/main" w="9525">
+                <a:solidFill>
+                  <a:schemeClr val="tx1"/>
+                </a:solidFill>
+                <a:miter lim="800000"/>
+                <a:headEnd/>
+                <a:tailEnd/>
+              </a14:hiddenLine>
+            </a:ext>
+            <a:ext uri="{AF507438-7753-43E0-B8FC-AC1667EBCBE1}">
+              <a14:hiddenEffects xmlns:a14="http://schemas.microsoft.com/office/drawing/2010/main">
+                <a:effectLst>
+                  <a:outerShdw dist="35921" dir="2700000" algn="ctr" rotWithShape="0">
+                    <a:schemeClr val="bg2"/>
+                  </a:outerShdw>
+                </a:effectLst>
+              </a14:hiddenEffects>
+            </a:ext>
+          </a:extLst>
+        </p:spPr>
+        <p:txBody>
+          <a:bodyPr vert="horz" wrap="square" lIns="0" tIns="0" rIns="0" bIns="0" numCol="1" anchor="ctr" anchorCtr="0" compatLnSpc="1">
+            <a:prstTxWarp prst="textNoShape">
+              <a:avLst/>
+            </a:prstTxWarp>
+            <a:spAutoFit/>
+          </a:bodyPr>
+          <a:lstStyle/>
+          <a:p>
+            <a:pPr lvl="0" eaLnBrk="0" fontAlgn="base" hangingPunct="0">
+              <a:spcBef>
+                <a:spcPct val="0"/>
+              </a:spcBef>
+              <a:spcAft>
+                <a:spcPct val="0"/>
+              </a:spcAft>
+            </a:pPr>
+            <a:r>
+              <a:rPr lang="pt-BR" dirty="0">
+                <a:solidFill>
+                  <a:srgbClr val="343434"/>
+                </a:solidFill>
+                <a:latin typeface="Gotham Rounded Light" pitchFamily="50" charset="0"/>
+                <a:cs typeface="Courier New" panose="02070309020205020404" pitchFamily="49" charset="0"/>
+              </a:rPr>
+              <a:t>RecoverPasswordActivity.java</a:t>
+            </a:r>
+            <a:endParaRPr lang="pt-BR" dirty="0">
+              <a:solidFill>
+                <a:srgbClr val="343434"/>
+              </a:solidFill>
+              <a:latin typeface="Gotham Rounded Light" pitchFamily="50" charset="0"/>
+            </a:endParaRPr>
+          </a:p>
+        </p:txBody>
+      </p:sp>
+      <p:sp>
+        <p:nvSpPr>
+          <p:cNvPr id="10" name="Rectangle 5">
+            <a:extLst>
+              <a:ext uri="{FF2B5EF4-FFF2-40B4-BE49-F238E27FC236}">
+                <a16:creationId xmlns:a16="http://schemas.microsoft.com/office/drawing/2014/main" id="{019B4CCE-88D4-44BF-B685-36267628E89A}"/>
+              </a:ext>
+            </a:extLst>
+          </p:cNvPr>
+          <p:cNvSpPr>
+            <a:spLocks noChangeArrowheads="1"/>
+          </p:cNvSpPr>
+          <p:nvPr/>
+        </p:nvSpPr>
+        <p:spPr bwMode="auto">
+          <a:xfrm>
+            <a:off x="232252" y="2261145"/>
+            <a:ext cx="6645065" cy="323165"/>
+          </a:xfrm>
+          <a:prstGeom prst="rect">
+            <a:avLst/>
+          </a:prstGeom>
+          <a:noFill/>
+          <a:ln>
+            <a:noFill/>
+          </a:ln>
+          <a:effectLst/>
+        </p:spPr>
+        <p:txBody>
+          <a:bodyPr vert="horz" wrap="square" lIns="91440" tIns="45720" rIns="91440" bIns="45720" numCol="1" anchor="ctr" anchorCtr="0" compatLnSpc="1">
+            <a:prstTxWarp prst="textNoShape">
+              <a:avLst/>
+            </a:prstTxWarp>
+            <a:spAutoFit/>
+          </a:bodyPr>
+          <a:lstStyle/>
+          <a:p>
+            <a:pPr marL="0" marR="0" lvl="0" indent="0" algn="l" defTabSz="914400" rtl="0" eaLnBrk="0" fontAlgn="base" latinLnBrk="0" hangingPunct="0">
+              <a:lnSpc>
+                <a:spcPct val="100000"/>
+              </a:lnSpc>
+              <a:spcBef>
+                <a:spcPct val="0"/>
+              </a:spcBef>
+              <a:spcAft>
+                <a:spcPct val="0"/>
+              </a:spcAft>
+              <a:buClrTx/>
+              <a:buSzTx/>
+              <a:buFontTx/>
+              <a:buNone/>
+              <a:tabLst/>
+            </a:pPr>
+            <a:r>
+              <a:rPr kumimoji="0" lang="pt-BR" altLang="pt-BR" sz="1500" b="1" i="0" u="none" strike="noStrike" cap="none" normalizeH="0" baseline="0" dirty="0" err="1">
+                <a:ln>
+                  <a:noFill/>
+                </a:ln>
+                <a:solidFill>
+                  <a:srgbClr val="000080"/>
+                </a:solidFill>
+                <a:effectLst/>
+                <a:latin typeface="Courier New" panose="02070309020205020404" pitchFamily="49" charset="0"/>
+                <a:cs typeface="Courier New" panose="02070309020205020404" pitchFamily="49" charset="0"/>
+              </a:rPr>
+              <a:t>private</a:t>
+            </a:r>
+            <a:r>
+              <a:rPr kumimoji="0" lang="pt-BR" altLang="pt-BR" sz="1500" b="1" i="0" u="none" strike="noStrike" cap="none" normalizeH="0" baseline="0" dirty="0">
+                <a:ln>
+                  <a:noFill/>
+                </a:ln>
+                <a:solidFill>
+                  <a:srgbClr val="000080"/>
+                </a:solidFill>
+                <a:effectLst/>
+                <a:latin typeface="Courier New" panose="02070309020205020404" pitchFamily="49" charset="0"/>
+                <a:cs typeface="Courier New" panose="02070309020205020404" pitchFamily="49" charset="0"/>
+              </a:rPr>
+              <a:t> </a:t>
+            </a:r>
+            <a:r>
+              <a:rPr kumimoji="0" lang="pt-BR" altLang="pt-BR" sz="1500" b="0" i="0" u="none" strike="noStrike" cap="none" normalizeH="0" baseline="0" dirty="0" err="1">
+                <a:ln>
+                  <a:noFill/>
+                </a:ln>
+                <a:solidFill>
+                  <a:srgbClr val="000000"/>
+                </a:solidFill>
+                <a:effectLst/>
+                <a:latin typeface="Courier New" panose="02070309020205020404" pitchFamily="49" charset="0"/>
+                <a:cs typeface="Courier New" panose="02070309020205020404" pitchFamily="49" charset="0"/>
+              </a:rPr>
+              <a:t>FirebaseAuth</a:t>
+            </a:r>
+            <a:r>
+              <a:rPr kumimoji="0" lang="pt-BR" altLang="pt-BR" sz="1500" b="0" i="0" u="none" strike="noStrike" cap="none" normalizeH="0" baseline="0" dirty="0">
+                <a:ln>
+                  <a:noFill/>
+                </a:ln>
+                <a:solidFill>
+                  <a:srgbClr val="000000"/>
+                </a:solidFill>
+                <a:effectLst/>
+                <a:latin typeface="Courier New" panose="02070309020205020404" pitchFamily="49" charset="0"/>
+                <a:cs typeface="Courier New" panose="02070309020205020404" pitchFamily="49" charset="0"/>
+              </a:rPr>
+              <a:t> </a:t>
+            </a:r>
+            <a:r>
+              <a:rPr kumimoji="0" lang="pt-BR" altLang="pt-BR" sz="1500" b="1" i="0" u="none" strike="noStrike" cap="none" normalizeH="0" baseline="0" dirty="0" err="1">
+                <a:ln>
+                  <a:noFill/>
+                </a:ln>
+                <a:solidFill>
+                  <a:srgbClr val="660E7A"/>
+                </a:solidFill>
+                <a:effectLst/>
+                <a:latin typeface="Courier New" panose="02070309020205020404" pitchFamily="49" charset="0"/>
+                <a:cs typeface="Courier New" panose="02070309020205020404" pitchFamily="49" charset="0"/>
+              </a:rPr>
+              <a:t>auth</a:t>
+            </a:r>
+            <a:r>
+              <a:rPr kumimoji="0" lang="pt-BR" altLang="pt-BR" sz="1500" b="1" i="0" u="none" strike="noStrike" cap="none" normalizeH="0" baseline="0" dirty="0">
+                <a:ln>
+                  <a:noFill/>
+                </a:ln>
+                <a:solidFill>
+                  <a:srgbClr val="660E7A"/>
+                </a:solidFill>
+                <a:effectLst/>
+                <a:latin typeface="Courier New" panose="02070309020205020404" pitchFamily="49" charset="0"/>
+                <a:cs typeface="Courier New" panose="02070309020205020404" pitchFamily="49" charset="0"/>
+              </a:rPr>
+              <a:t> </a:t>
+            </a:r>
+            <a:r>
+              <a:rPr kumimoji="0" lang="pt-BR" altLang="pt-BR" sz="1500" b="0" i="0" u="none" strike="noStrike" cap="none" normalizeH="0" baseline="0" dirty="0">
+                <a:ln>
+                  <a:noFill/>
+                </a:ln>
+                <a:solidFill>
+                  <a:srgbClr val="000000"/>
+                </a:solidFill>
+                <a:effectLst/>
+                <a:latin typeface="Courier New" panose="02070309020205020404" pitchFamily="49" charset="0"/>
+                <a:cs typeface="Courier New" panose="02070309020205020404" pitchFamily="49" charset="0"/>
+              </a:rPr>
+              <a:t>= </a:t>
+            </a:r>
+            <a:r>
+              <a:rPr kumimoji="0" lang="pt-BR" altLang="pt-BR" sz="1500" b="0" i="0" u="none" strike="noStrike" cap="none" normalizeH="0" baseline="0" dirty="0" err="1">
+                <a:ln>
+                  <a:noFill/>
+                </a:ln>
+                <a:solidFill>
+                  <a:srgbClr val="000000"/>
+                </a:solidFill>
+                <a:effectLst/>
+                <a:latin typeface="Courier New" panose="02070309020205020404" pitchFamily="49" charset="0"/>
+                <a:cs typeface="Courier New" panose="02070309020205020404" pitchFamily="49" charset="0"/>
+              </a:rPr>
+              <a:t>FirebaseAuth.</a:t>
+            </a:r>
+            <a:r>
+              <a:rPr kumimoji="0" lang="pt-BR" altLang="pt-BR" sz="1500" b="0" i="1" u="none" strike="noStrike" cap="none" normalizeH="0" baseline="0" dirty="0" err="1">
+                <a:ln>
+                  <a:noFill/>
+                </a:ln>
+                <a:solidFill>
+                  <a:srgbClr val="000000"/>
+                </a:solidFill>
+                <a:effectLst/>
+                <a:latin typeface="Courier New" panose="02070309020205020404" pitchFamily="49" charset="0"/>
+                <a:cs typeface="Courier New" panose="02070309020205020404" pitchFamily="49" charset="0"/>
+              </a:rPr>
+              <a:t>getInstance</a:t>
+            </a:r>
+            <a:r>
+              <a:rPr kumimoji="0" lang="pt-BR" altLang="pt-BR" sz="1500" b="0" i="0" u="none" strike="noStrike" cap="none" normalizeH="0" baseline="0" dirty="0">
+                <a:ln>
+                  <a:noFill/>
+                </a:ln>
+                <a:solidFill>
+                  <a:srgbClr val="000000"/>
+                </a:solidFill>
+                <a:effectLst/>
+                <a:latin typeface="Courier New" panose="02070309020205020404" pitchFamily="49" charset="0"/>
+                <a:cs typeface="Courier New" panose="02070309020205020404" pitchFamily="49" charset="0"/>
+              </a:rPr>
+              <a:t>();</a:t>
+            </a:r>
+            <a:endParaRPr kumimoji="0" lang="pt-BR" altLang="pt-BR" sz="1500" b="0" i="0" u="none" strike="noStrike" cap="none" normalizeH="0" baseline="0" dirty="0">
+              <a:ln>
+                <a:noFill/>
+              </a:ln>
+              <a:solidFill>
+                <a:schemeClr val="tx1"/>
+              </a:solidFill>
+              <a:effectLst/>
+              <a:latin typeface="Arial" panose="020B0604020202020204" pitchFamily="34" charset="0"/>
+            </a:endParaRPr>
+          </a:p>
+        </p:txBody>
+      </p:sp>
+      <p:sp>
+        <p:nvSpPr>
+          <p:cNvPr id="3" name="Rectangle 1">
+            <a:extLst>
+              <a:ext uri="{FF2B5EF4-FFF2-40B4-BE49-F238E27FC236}">
+                <a16:creationId xmlns:a16="http://schemas.microsoft.com/office/drawing/2014/main" id="{540608A4-38C5-4879-875F-BA6BD0EFCBCC}"/>
+              </a:ext>
+            </a:extLst>
+          </p:cNvPr>
+          <p:cNvSpPr>
+            <a:spLocks noChangeArrowheads="1"/>
+          </p:cNvSpPr>
+          <p:nvPr/>
+        </p:nvSpPr>
+        <p:spPr bwMode="auto">
+          <a:xfrm>
+            <a:off x="232252" y="2849179"/>
+            <a:ext cx="7508383" cy="1708160"/>
+          </a:xfrm>
+          <a:prstGeom prst="rect">
+            <a:avLst/>
+          </a:prstGeom>
+          <a:noFill/>
+          <a:ln>
+            <a:noFill/>
+          </a:ln>
+          <a:effectLst/>
+        </p:spPr>
+        <p:txBody>
+          <a:bodyPr vert="horz" wrap="square" lIns="91440" tIns="45720" rIns="91440" bIns="45720" numCol="1" anchor="ctr" anchorCtr="0" compatLnSpc="1">
+            <a:prstTxWarp prst="textNoShape">
+              <a:avLst/>
+            </a:prstTxWarp>
+            <a:spAutoFit/>
+          </a:bodyPr>
+          <a:lstStyle/>
+          <a:p>
+            <a:pPr marL="0" marR="0" lvl="0" indent="0" algn="l" defTabSz="914400" rtl="0" eaLnBrk="0" fontAlgn="base" latinLnBrk="0" hangingPunct="0">
+              <a:lnSpc>
+                <a:spcPct val="100000"/>
+              </a:lnSpc>
+              <a:spcBef>
+                <a:spcPct val="0"/>
+              </a:spcBef>
+              <a:spcAft>
+                <a:spcPct val="0"/>
+              </a:spcAft>
+              <a:buClrTx/>
+              <a:buSzTx/>
+              <a:buFontTx/>
+              <a:buNone/>
+              <a:tabLst/>
+            </a:pPr>
+            <a:r>
+              <a:rPr kumimoji="0" lang="pt-BR" altLang="pt-BR" sz="1500" b="0" i="0" u="none" strike="noStrike" cap="none" normalizeH="0" baseline="0" dirty="0" err="1">
+                <a:ln>
+                  <a:noFill/>
+                </a:ln>
+                <a:solidFill>
+                  <a:srgbClr val="000000"/>
+                </a:solidFill>
+                <a:effectLst/>
+                <a:latin typeface="Courier New" panose="02070309020205020404" pitchFamily="49" charset="0"/>
+                <a:cs typeface="Courier New" panose="02070309020205020404" pitchFamily="49" charset="0"/>
+              </a:rPr>
+              <a:t>auth.sendPasswordResetEmail</a:t>
+            </a:r>
+            <a:r>
+              <a:rPr kumimoji="0" lang="pt-BR" altLang="pt-BR" sz="1500" b="0" i="0" u="none" strike="noStrike" cap="none" normalizeH="0" baseline="0" dirty="0">
+                <a:ln>
+                  <a:noFill/>
+                </a:ln>
+                <a:solidFill>
+                  <a:srgbClr val="000000"/>
+                </a:solidFill>
+                <a:effectLst/>
+                <a:latin typeface="Courier New" panose="02070309020205020404" pitchFamily="49" charset="0"/>
+                <a:cs typeface="Courier New" panose="02070309020205020404" pitchFamily="49" charset="0"/>
+              </a:rPr>
+              <a:t>(</a:t>
+            </a:r>
+            <a:r>
+              <a:rPr kumimoji="0" lang="pt-BR" altLang="pt-BR" sz="1500" b="1" i="0" u="none" strike="noStrike" cap="none" normalizeH="0" baseline="0" dirty="0" err="1">
+                <a:ln>
+                  <a:noFill/>
+                </a:ln>
+                <a:solidFill>
+                  <a:srgbClr val="660E7A"/>
+                </a:solidFill>
+                <a:effectLst/>
+                <a:latin typeface="Courier New" panose="02070309020205020404" pitchFamily="49" charset="0"/>
+                <a:cs typeface="Courier New" panose="02070309020205020404" pitchFamily="49" charset="0"/>
+              </a:rPr>
+              <a:t>email</a:t>
+            </a:r>
+            <a:r>
+              <a:rPr kumimoji="0" lang="pt-BR" altLang="pt-BR" sz="1500" b="0" i="0" u="none" strike="noStrike" cap="none" normalizeH="0" baseline="0" dirty="0">
+                <a:ln>
+                  <a:noFill/>
+                </a:ln>
+                <a:solidFill>
+                  <a:srgbClr val="000000"/>
+                </a:solidFill>
+                <a:effectLst/>
+                <a:latin typeface="Courier New" panose="02070309020205020404" pitchFamily="49" charset="0"/>
+                <a:cs typeface="Courier New" panose="02070309020205020404" pitchFamily="49" charset="0"/>
+              </a:rPr>
+              <a:t>)</a:t>
+            </a:r>
+            <a:br>
+              <a:rPr kumimoji="0" lang="pt-BR" altLang="pt-BR" sz="1500" b="0" i="0" u="none" strike="noStrike" cap="none" normalizeH="0" baseline="0" dirty="0">
+                <a:ln>
+                  <a:noFill/>
+                </a:ln>
+                <a:solidFill>
+                  <a:srgbClr val="000000"/>
+                </a:solidFill>
+                <a:effectLst/>
+                <a:latin typeface="Courier New" panose="02070309020205020404" pitchFamily="49" charset="0"/>
+                <a:cs typeface="Courier New" panose="02070309020205020404" pitchFamily="49" charset="0"/>
+              </a:rPr>
+            </a:br>
+            <a:r>
+              <a:rPr kumimoji="0" lang="pt-BR" altLang="pt-BR" sz="1500" b="0" i="0" u="none" strike="noStrike" cap="none" normalizeH="0" baseline="0" dirty="0">
+                <a:ln>
+                  <a:noFill/>
+                </a:ln>
+                <a:solidFill>
+                  <a:srgbClr val="000000"/>
+                </a:solidFill>
+                <a:effectLst/>
+                <a:latin typeface="Courier New" panose="02070309020205020404" pitchFamily="49" charset="0"/>
+                <a:cs typeface="Courier New" panose="02070309020205020404" pitchFamily="49" charset="0"/>
+              </a:rPr>
+              <a:t>        .</a:t>
+            </a:r>
+            <a:r>
+              <a:rPr kumimoji="0" lang="pt-BR" altLang="pt-BR" sz="1500" b="0" i="0" u="none" strike="noStrike" cap="none" normalizeH="0" baseline="0" dirty="0" err="1">
+                <a:ln>
+                  <a:noFill/>
+                </a:ln>
+                <a:solidFill>
+                  <a:srgbClr val="000000"/>
+                </a:solidFill>
+                <a:effectLst/>
+                <a:latin typeface="Courier New" panose="02070309020205020404" pitchFamily="49" charset="0"/>
+                <a:cs typeface="Courier New" panose="02070309020205020404" pitchFamily="49" charset="0"/>
+              </a:rPr>
+              <a:t>addOnCompleteListener</a:t>
+            </a:r>
+            <a:r>
+              <a:rPr kumimoji="0" lang="pt-BR" altLang="pt-BR" sz="1500" b="0" i="0" u="none" strike="noStrike" cap="none" normalizeH="0" baseline="0" dirty="0">
+                <a:ln>
+                  <a:noFill/>
+                </a:ln>
+                <a:solidFill>
+                  <a:srgbClr val="000000"/>
+                </a:solidFill>
+                <a:effectLst/>
+                <a:latin typeface="Courier New" panose="02070309020205020404" pitchFamily="49" charset="0"/>
+                <a:cs typeface="Courier New" panose="02070309020205020404" pitchFamily="49" charset="0"/>
+              </a:rPr>
+              <a:t>(</a:t>
+            </a:r>
+            <a:r>
+              <a:rPr kumimoji="0" lang="pt-BR" altLang="pt-BR" sz="1500" b="1" i="0" u="none" strike="noStrike" cap="none" normalizeH="0" baseline="0" dirty="0">
+                <a:ln>
+                  <a:noFill/>
+                </a:ln>
+                <a:solidFill>
+                  <a:srgbClr val="000080"/>
+                </a:solidFill>
+                <a:effectLst/>
+                <a:latin typeface="Courier New" panose="02070309020205020404" pitchFamily="49" charset="0"/>
+                <a:cs typeface="Courier New" panose="02070309020205020404" pitchFamily="49" charset="0"/>
+              </a:rPr>
+              <a:t>new </a:t>
+            </a:r>
+            <a:r>
+              <a:rPr kumimoji="0" lang="pt-BR" altLang="pt-BR" sz="1500" b="0" i="0" u="none" strike="noStrike" cap="none" normalizeH="0" baseline="0" dirty="0" err="1">
+                <a:ln>
+                  <a:noFill/>
+                </a:ln>
+                <a:solidFill>
+                  <a:srgbClr val="000000"/>
+                </a:solidFill>
+                <a:effectLst/>
+                <a:latin typeface="Courier New" panose="02070309020205020404" pitchFamily="49" charset="0"/>
+                <a:cs typeface="Courier New" panose="02070309020205020404" pitchFamily="49" charset="0"/>
+              </a:rPr>
+              <a:t>OnCompleteListener</a:t>
+            </a:r>
+            <a:r>
+              <a:rPr kumimoji="0" lang="pt-BR" altLang="pt-BR" sz="1500" b="0" i="0" u="none" strike="noStrike" cap="none" normalizeH="0" baseline="0" dirty="0">
+                <a:ln>
+                  <a:noFill/>
+                </a:ln>
+                <a:solidFill>
+                  <a:srgbClr val="000000"/>
+                </a:solidFill>
+                <a:effectLst/>
+                <a:latin typeface="Courier New" panose="02070309020205020404" pitchFamily="49" charset="0"/>
+                <a:cs typeface="Courier New" panose="02070309020205020404" pitchFamily="49" charset="0"/>
+              </a:rPr>
+              <a:t>&lt;</a:t>
+            </a:r>
+            <a:r>
+              <a:rPr kumimoji="0" lang="pt-BR" altLang="pt-BR" sz="1500" b="0" i="0" u="none" strike="noStrike" cap="none" normalizeH="0" baseline="0" dirty="0" err="1">
+                <a:ln>
+                  <a:noFill/>
+                </a:ln>
+                <a:solidFill>
+                  <a:srgbClr val="000000"/>
+                </a:solidFill>
+                <a:effectLst/>
+                <a:latin typeface="Courier New" panose="02070309020205020404" pitchFamily="49" charset="0"/>
+                <a:cs typeface="Courier New" panose="02070309020205020404" pitchFamily="49" charset="0"/>
+              </a:rPr>
+              <a:t>Void</a:t>
+            </a:r>
+            <a:r>
+              <a:rPr kumimoji="0" lang="pt-BR" altLang="pt-BR" sz="1500" b="0" i="0" u="none" strike="noStrike" cap="none" normalizeH="0" baseline="0" dirty="0">
+                <a:ln>
+                  <a:noFill/>
+                </a:ln>
+                <a:solidFill>
+                  <a:srgbClr val="000000"/>
+                </a:solidFill>
+                <a:effectLst/>
+                <a:latin typeface="Courier New" panose="02070309020205020404" pitchFamily="49" charset="0"/>
+                <a:cs typeface="Courier New" panose="02070309020205020404" pitchFamily="49" charset="0"/>
+              </a:rPr>
+              <a:t>&gt;() {</a:t>
+            </a:r>
+            <a:br>
+              <a:rPr kumimoji="0" lang="pt-BR" altLang="pt-BR" sz="1500" b="0" i="0" u="none" strike="noStrike" cap="none" normalizeH="0" baseline="0" dirty="0">
+                <a:ln>
+                  <a:noFill/>
+                </a:ln>
+                <a:solidFill>
+                  <a:srgbClr val="000000"/>
+                </a:solidFill>
+                <a:effectLst/>
+                <a:latin typeface="Courier New" panose="02070309020205020404" pitchFamily="49" charset="0"/>
+                <a:cs typeface="Courier New" panose="02070309020205020404" pitchFamily="49" charset="0"/>
+              </a:rPr>
+            </a:br>
+            <a:r>
+              <a:rPr kumimoji="0" lang="pt-BR" altLang="pt-BR" sz="1500" b="0" i="0" u="none" strike="noStrike" cap="none" normalizeH="0" baseline="0" dirty="0">
+                <a:ln>
+                  <a:noFill/>
+                </a:ln>
+                <a:solidFill>
+                  <a:srgbClr val="000000"/>
+                </a:solidFill>
+                <a:effectLst/>
+                <a:latin typeface="Courier New" panose="02070309020205020404" pitchFamily="49" charset="0"/>
+                <a:cs typeface="Courier New" panose="02070309020205020404" pitchFamily="49" charset="0"/>
+              </a:rPr>
+              <a:t>            </a:t>
+            </a:r>
+            <a:r>
+              <a:rPr kumimoji="0" lang="pt-BR" altLang="pt-BR" sz="1500" b="0" i="0" u="none" strike="noStrike" cap="none" normalizeH="0" baseline="0" dirty="0">
+                <a:ln>
+                  <a:noFill/>
+                </a:ln>
+                <a:solidFill>
+                  <a:srgbClr val="808000"/>
+                </a:solidFill>
+                <a:effectLst/>
+                <a:latin typeface="Courier New" panose="02070309020205020404" pitchFamily="49" charset="0"/>
+                <a:cs typeface="Courier New" panose="02070309020205020404" pitchFamily="49" charset="0"/>
+              </a:rPr>
+              <a:t>@</a:t>
+            </a:r>
+            <a:r>
+              <a:rPr kumimoji="0" lang="pt-BR" altLang="pt-BR" sz="1500" b="0" i="0" u="none" strike="noStrike" cap="none" normalizeH="0" baseline="0" dirty="0" err="1">
+                <a:ln>
+                  <a:noFill/>
+                </a:ln>
+                <a:solidFill>
+                  <a:srgbClr val="808000"/>
+                </a:solidFill>
+                <a:effectLst/>
+                <a:latin typeface="Courier New" panose="02070309020205020404" pitchFamily="49" charset="0"/>
+                <a:cs typeface="Courier New" panose="02070309020205020404" pitchFamily="49" charset="0"/>
+              </a:rPr>
+              <a:t>Override</a:t>
+            </a:r>
+            <a:br>
+              <a:rPr kumimoji="0" lang="pt-BR" altLang="pt-BR" sz="1500" b="0" i="0" u="none" strike="noStrike" cap="none" normalizeH="0" baseline="0" dirty="0">
+                <a:ln>
+                  <a:noFill/>
+                </a:ln>
+                <a:solidFill>
+                  <a:srgbClr val="808000"/>
+                </a:solidFill>
+                <a:effectLst/>
+                <a:latin typeface="Courier New" panose="02070309020205020404" pitchFamily="49" charset="0"/>
+                <a:cs typeface="Courier New" panose="02070309020205020404" pitchFamily="49" charset="0"/>
+              </a:rPr>
+            </a:br>
+            <a:r>
+              <a:rPr kumimoji="0" lang="pt-BR" altLang="pt-BR" sz="1500" b="0" i="0" u="none" strike="noStrike" cap="none" normalizeH="0" baseline="0" dirty="0">
+                <a:ln>
+                  <a:noFill/>
+                </a:ln>
+                <a:solidFill>
+                  <a:srgbClr val="808000"/>
+                </a:solidFill>
+                <a:effectLst/>
+                <a:latin typeface="Courier New" panose="02070309020205020404" pitchFamily="49" charset="0"/>
+                <a:cs typeface="Courier New" panose="02070309020205020404" pitchFamily="49" charset="0"/>
+              </a:rPr>
+              <a:t>            </a:t>
+            </a:r>
+            <a:r>
+              <a:rPr kumimoji="0" lang="pt-BR" altLang="pt-BR" sz="1500" b="1" i="0" u="none" strike="noStrike" cap="none" normalizeH="0" baseline="0" dirty="0" err="1">
+                <a:ln>
+                  <a:noFill/>
+                </a:ln>
+                <a:solidFill>
+                  <a:srgbClr val="000080"/>
+                </a:solidFill>
+                <a:effectLst/>
+                <a:latin typeface="Courier New" panose="02070309020205020404" pitchFamily="49" charset="0"/>
+                <a:cs typeface="Courier New" panose="02070309020205020404" pitchFamily="49" charset="0"/>
+              </a:rPr>
+              <a:t>public</a:t>
+            </a:r>
+            <a:r>
+              <a:rPr kumimoji="0" lang="pt-BR" altLang="pt-BR" sz="1500" b="1" i="0" u="none" strike="noStrike" cap="none" normalizeH="0" baseline="0" dirty="0">
+                <a:ln>
+                  <a:noFill/>
+                </a:ln>
+                <a:solidFill>
+                  <a:srgbClr val="000080"/>
+                </a:solidFill>
+                <a:effectLst/>
+                <a:latin typeface="Courier New" panose="02070309020205020404" pitchFamily="49" charset="0"/>
+                <a:cs typeface="Courier New" panose="02070309020205020404" pitchFamily="49" charset="0"/>
+              </a:rPr>
+              <a:t> </a:t>
+            </a:r>
+            <a:r>
+              <a:rPr kumimoji="0" lang="pt-BR" altLang="pt-BR" sz="1500" b="1" i="0" u="none" strike="noStrike" cap="none" normalizeH="0" baseline="0" dirty="0" err="1">
+                <a:ln>
+                  <a:noFill/>
+                </a:ln>
+                <a:solidFill>
+                  <a:srgbClr val="000080"/>
+                </a:solidFill>
+                <a:effectLst/>
+                <a:latin typeface="Courier New" panose="02070309020205020404" pitchFamily="49" charset="0"/>
+                <a:cs typeface="Courier New" panose="02070309020205020404" pitchFamily="49" charset="0"/>
+              </a:rPr>
+              <a:t>void</a:t>
+            </a:r>
+            <a:r>
+              <a:rPr kumimoji="0" lang="pt-BR" altLang="pt-BR" sz="1500" b="1" i="0" u="none" strike="noStrike" cap="none" normalizeH="0" baseline="0" dirty="0">
+                <a:ln>
+                  <a:noFill/>
+                </a:ln>
+                <a:solidFill>
+                  <a:srgbClr val="000080"/>
+                </a:solidFill>
+                <a:effectLst/>
+                <a:latin typeface="Courier New" panose="02070309020205020404" pitchFamily="49" charset="0"/>
+                <a:cs typeface="Courier New" panose="02070309020205020404" pitchFamily="49" charset="0"/>
+              </a:rPr>
+              <a:t> </a:t>
+            </a:r>
+            <a:r>
+              <a:rPr kumimoji="0" lang="pt-BR" altLang="pt-BR" sz="1500" b="0" i="0" u="none" strike="noStrike" cap="none" normalizeH="0" baseline="0" dirty="0" err="1">
+                <a:ln>
+                  <a:noFill/>
+                </a:ln>
+                <a:solidFill>
+                  <a:srgbClr val="000000"/>
+                </a:solidFill>
+                <a:effectLst/>
+                <a:latin typeface="Courier New" panose="02070309020205020404" pitchFamily="49" charset="0"/>
+                <a:cs typeface="Courier New" panose="02070309020205020404" pitchFamily="49" charset="0"/>
+              </a:rPr>
+              <a:t>onComplete</a:t>
+            </a:r>
+            <a:r>
+              <a:rPr kumimoji="0" lang="pt-BR" altLang="pt-BR" sz="1500" b="0" i="0" u="none" strike="noStrike" cap="none" normalizeH="0" baseline="0" dirty="0">
+                <a:ln>
+                  <a:noFill/>
+                </a:ln>
+                <a:solidFill>
+                  <a:srgbClr val="000000"/>
+                </a:solidFill>
+                <a:effectLst/>
+                <a:latin typeface="Courier New" panose="02070309020205020404" pitchFamily="49" charset="0"/>
+                <a:cs typeface="Courier New" panose="02070309020205020404" pitchFamily="49" charset="0"/>
+              </a:rPr>
+              <a:t>(</a:t>
+            </a:r>
+            <a:r>
+              <a:rPr kumimoji="0" lang="pt-BR" altLang="pt-BR" sz="1500" b="0" i="0" u="none" strike="noStrike" cap="none" normalizeH="0" baseline="0" dirty="0">
+                <a:ln>
+                  <a:noFill/>
+                </a:ln>
+                <a:solidFill>
+                  <a:srgbClr val="808000"/>
+                </a:solidFill>
+                <a:effectLst/>
+                <a:latin typeface="Courier New" panose="02070309020205020404" pitchFamily="49" charset="0"/>
+                <a:cs typeface="Courier New" panose="02070309020205020404" pitchFamily="49" charset="0"/>
+              </a:rPr>
+              <a:t>@</a:t>
+            </a:r>
+            <a:r>
+              <a:rPr kumimoji="0" lang="pt-BR" altLang="pt-BR" sz="1500" b="0" i="0" u="none" strike="noStrike" cap="none" normalizeH="0" baseline="0" dirty="0" err="1">
+                <a:ln>
+                  <a:noFill/>
+                </a:ln>
+                <a:solidFill>
+                  <a:srgbClr val="808000"/>
+                </a:solidFill>
+                <a:effectLst/>
+                <a:latin typeface="Courier New" panose="02070309020205020404" pitchFamily="49" charset="0"/>
+                <a:cs typeface="Courier New" panose="02070309020205020404" pitchFamily="49" charset="0"/>
+              </a:rPr>
+              <a:t>NonNull</a:t>
+            </a:r>
+            <a:r>
+              <a:rPr kumimoji="0" lang="pt-BR" altLang="pt-BR" sz="1500" b="0" i="0" u="none" strike="noStrike" cap="none" normalizeH="0" baseline="0" dirty="0">
+                <a:ln>
+                  <a:noFill/>
+                </a:ln>
+                <a:solidFill>
+                  <a:srgbClr val="808000"/>
+                </a:solidFill>
+                <a:effectLst/>
+                <a:latin typeface="Courier New" panose="02070309020205020404" pitchFamily="49" charset="0"/>
+                <a:cs typeface="Courier New" panose="02070309020205020404" pitchFamily="49" charset="0"/>
+              </a:rPr>
+              <a:t> </a:t>
+            </a:r>
+            <a:r>
+              <a:rPr kumimoji="0" lang="pt-BR" altLang="pt-BR" sz="1500" b="0" i="0" u="none" strike="noStrike" cap="none" normalizeH="0" baseline="0" dirty="0" err="1">
+                <a:ln>
+                  <a:noFill/>
+                </a:ln>
+                <a:solidFill>
+                  <a:srgbClr val="000000"/>
+                </a:solidFill>
+                <a:effectLst/>
+                <a:latin typeface="Courier New" panose="02070309020205020404" pitchFamily="49" charset="0"/>
+                <a:cs typeface="Courier New" panose="02070309020205020404" pitchFamily="49" charset="0"/>
+              </a:rPr>
+              <a:t>Task</a:t>
+            </a:r>
+            <a:r>
+              <a:rPr kumimoji="0" lang="pt-BR" altLang="pt-BR" sz="1500" b="0" i="0" u="none" strike="noStrike" cap="none" normalizeH="0" baseline="0" dirty="0">
+                <a:ln>
+                  <a:noFill/>
+                </a:ln>
+                <a:solidFill>
+                  <a:srgbClr val="000000"/>
+                </a:solidFill>
+                <a:effectLst/>
+                <a:latin typeface="Courier New" panose="02070309020205020404" pitchFamily="49" charset="0"/>
+                <a:cs typeface="Courier New" panose="02070309020205020404" pitchFamily="49" charset="0"/>
+              </a:rPr>
+              <a:t>&lt;</a:t>
+            </a:r>
+            <a:r>
+              <a:rPr kumimoji="0" lang="pt-BR" altLang="pt-BR" sz="1500" b="0" i="0" u="none" strike="noStrike" cap="none" normalizeH="0" baseline="0" dirty="0" err="1">
+                <a:ln>
+                  <a:noFill/>
+                </a:ln>
+                <a:solidFill>
+                  <a:srgbClr val="000000"/>
+                </a:solidFill>
+                <a:effectLst/>
+                <a:latin typeface="Courier New" panose="02070309020205020404" pitchFamily="49" charset="0"/>
+                <a:cs typeface="Courier New" panose="02070309020205020404" pitchFamily="49" charset="0"/>
+              </a:rPr>
+              <a:t>Void</a:t>
+            </a:r>
+            <a:r>
+              <a:rPr kumimoji="0" lang="pt-BR" altLang="pt-BR" sz="1500" b="0" i="0" u="none" strike="noStrike" cap="none" normalizeH="0" baseline="0" dirty="0">
+                <a:ln>
+                  <a:noFill/>
+                </a:ln>
+                <a:solidFill>
+                  <a:srgbClr val="000000"/>
+                </a:solidFill>
+                <a:effectLst/>
+                <a:latin typeface="Courier New" panose="02070309020205020404" pitchFamily="49" charset="0"/>
+                <a:cs typeface="Courier New" panose="02070309020205020404" pitchFamily="49" charset="0"/>
+              </a:rPr>
+              <a:t>&gt; </a:t>
+            </a:r>
+            <a:r>
+              <a:rPr kumimoji="0" lang="pt-BR" altLang="pt-BR" sz="1500" b="0" i="0" u="none" strike="noStrike" cap="none" normalizeH="0" baseline="0" dirty="0" err="1">
+                <a:ln>
+                  <a:noFill/>
+                </a:ln>
+                <a:solidFill>
+                  <a:srgbClr val="000000"/>
+                </a:solidFill>
+                <a:effectLst/>
+                <a:latin typeface="Courier New" panose="02070309020205020404" pitchFamily="49" charset="0"/>
+                <a:cs typeface="Courier New" panose="02070309020205020404" pitchFamily="49" charset="0"/>
+              </a:rPr>
+              <a:t>task</a:t>
+            </a:r>
+            <a:r>
+              <a:rPr kumimoji="0" lang="pt-BR" altLang="pt-BR" sz="1500" b="0" i="0" u="none" strike="noStrike" cap="none" normalizeH="0" baseline="0" dirty="0">
+                <a:ln>
+                  <a:noFill/>
+                </a:ln>
+                <a:solidFill>
+                  <a:srgbClr val="000000"/>
+                </a:solidFill>
+                <a:effectLst/>
+                <a:latin typeface="Courier New" panose="02070309020205020404" pitchFamily="49" charset="0"/>
+                <a:cs typeface="Courier New" panose="02070309020205020404" pitchFamily="49" charset="0"/>
+              </a:rPr>
+              <a:t>) {</a:t>
+            </a:r>
+            <a:endParaRPr lang="pt-BR" altLang="pt-BR" sz="1500" dirty="0">
+              <a:solidFill>
+                <a:srgbClr val="000000"/>
+              </a:solidFill>
+              <a:latin typeface="Courier New" panose="02070309020205020404" pitchFamily="49" charset="0"/>
+              <a:cs typeface="Courier New" panose="02070309020205020404" pitchFamily="49" charset="0"/>
+            </a:endParaRPr>
+          </a:p>
+          <a:p>
+            <a:pPr marL="0" marR="0" lvl="0" indent="0" algn="l" defTabSz="914400" rtl="0" eaLnBrk="0" fontAlgn="base" latinLnBrk="0" hangingPunct="0">
+              <a:lnSpc>
+                <a:spcPct val="100000"/>
+              </a:lnSpc>
+              <a:spcBef>
+                <a:spcPct val="0"/>
+              </a:spcBef>
+              <a:spcAft>
+                <a:spcPct val="0"/>
+              </a:spcAft>
+              <a:buClrTx/>
+              <a:buSzTx/>
+              <a:buFontTx/>
+              <a:buNone/>
+              <a:tabLst/>
+            </a:pPr>
+            <a:r>
+              <a:rPr kumimoji="0" lang="pt-BR" altLang="pt-BR" sz="1500" b="0" i="0" u="none" strike="noStrike" cap="none" normalizeH="0" baseline="0" dirty="0">
+                <a:ln>
+                  <a:noFill/>
+                </a:ln>
+                <a:solidFill>
+                  <a:srgbClr val="000000"/>
+                </a:solidFill>
+                <a:effectLst/>
+                <a:latin typeface="Courier New" panose="02070309020205020404" pitchFamily="49" charset="0"/>
+                <a:cs typeface="Courier New" panose="02070309020205020404" pitchFamily="49" charset="0"/>
+              </a:rPr>
+              <a:t>	    	// Show </a:t>
+            </a:r>
+            <a:r>
+              <a:rPr kumimoji="0" lang="pt-BR" altLang="pt-BR" sz="1500" b="0" i="0" u="none" strike="noStrike" cap="none" normalizeH="0" baseline="0" dirty="0" err="1">
+                <a:ln>
+                  <a:noFill/>
+                </a:ln>
+                <a:solidFill>
+                  <a:srgbClr val="000000"/>
+                </a:solidFill>
+                <a:effectLst/>
+                <a:latin typeface="Courier New" panose="02070309020205020404" pitchFamily="49" charset="0"/>
+                <a:cs typeface="Courier New" panose="02070309020205020404" pitchFamily="49" charset="0"/>
+              </a:rPr>
+              <a:t>Dialog</a:t>
+            </a:r>
+            <a:endParaRPr kumimoji="0" lang="pt-BR" altLang="pt-BR" sz="1500" b="0" i="0" u="none" strike="noStrike" cap="none" normalizeH="0" baseline="0" dirty="0">
+              <a:ln>
+                <a:noFill/>
+              </a:ln>
+              <a:solidFill>
+                <a:srgbClr val="000000"/>
+              </a:solidFill>
+              <a:effectLst/>
+              <a:latin typeface="Courier New" panose="02070309020205020404" pitchFamily="49" charset="0"/>
+              <a:cs typeface="Courier New" panose="02070309020205020404" pitchFamily="49" charset="0"/>
+            </a:endParaRPr>
+          </a:p>
+          <a:p>
+            <a:pPr marL="0" marR="0" lvl="0" indent="0" algn="l" defTabSz="914400" rtl="0" eaLnBrk="0" fontAlgn="base" latinLnBrk="0" hangingPunct="0">
+              <a:lnSpc>
+                <a:spcPct val="100000"/>
+              </a:lnSpc>
+              <a:spcBef>
+                <a:spcPct val="0"/>
+              </a:spcBef>
+              <a:spcAft>
+                <a:spcPct val="0"/>
+              </a:spcAft>
+              <a:buClrTx/>
+              <a:buSzTx/>
+              <a:buFontTx/>
+              <a:buNone/>
+              <a:tabLst/>
+            </a:pPr>
+            <a:r>
+              <a:rPr lang="pt-BR" altLang="pt-BR" sz="1500" dirty="0">
+                <a:solidFill>
+                  <a:srgbClr val="000000"/>
+                </a:solidFill>
+                <a:latin typeface="Courier New" panose="02070309020205020404" pitchFamily="49" charset="0"/>
+                <a:cs typeface="Courier New" panose="02070309020205020404" pitchFamily="49" charset="0"/>
+              </a:rPr>
+              <a:t>	    </a:t>
+            </a:r>
+            <a:r>
+              <a:rPr kumimoji="0" lang="pt-BR" altLang="pt-BR" sz="1500" b="0" i="0" u="none" strike="noStrike" cap="none" normalizeH="0" baseline="0" dirty="0">
+                <a:ln>
+                  <a:noFill/>
+                </a:ln>
+                <a:solidFill>
+                  <a:srgbClr val="000000"/>
+                </a:solidFill>
+                <a:effectLst/>
+                <a:latin typeface="Courier New" panose="02070309020205020404" pitchFamily="49" charset="0"/>
+                <a:cs typeface="Courier New" panose="02070309020205020404" pitchFamily="49" charset="0"/>
+              </a:rPr>
+              <a:t>}</a:t>
+            </a:r>
+            <a:br>
+              <a:rPr kumimoji="0" lang="pt-BR" altLang="pt-BR" sz="1500" b="0" i="0" u="none" strike="noStrike" cap="none" normalizeH="0" baseline="0" dirty="0">
+                <a:ln>
+                  <a:noFill/>
+                </a:ln>
+                <a:solidFill>
+                  <a:srgbClr val="000000"/>
+                </a:solidFill>
+                <a:effectLst/>
+                <a:latin typeface="Courier New" panose="02070309020205020404" pitchFamily="49" charset="0"/>
+                <a:cs typeface="Courier New" panose="02070309020205020404" pitchFamily="49" charset="0"/>
+              </a:rPr>
+            </a:br>
+            <a:r>
+              <a:rPr kumimoji="0" lang="pt-BR" altLang="pt-BR" sz="1500" b="0" i="0" u="none" strike="noStrike" cap="none" normalizeH="0" baseline="0" dirty="0">
+                <a:ln>
+                  <a:noFill/>
+                </a:ln>
+                <a:solidFill>
+                  <a:srgbClr val="000000"/>
+                </a:solidFill>
+                <a:effectLst/>
+                <a:latin typeface="Courier New" panose="02070309020205020404" pitchFamily="49" charset="0"/>
+                <a:cs typeface="Courier New" panose="02070309020205020404" pitchFamily="49" charset="0"/>
+              </a:rPr>
+              <a:t>        });</a:t>
+            </a:r>
+            <a:endParaRPr kumimoji="0" lang="pt-BR" altLang="pt-BR" sz="1500" b="0" i="0" u="none" strike="noStrike" cap="none" normalizeH="0" baseline="0" dirty="0">
+              <a:ln>
+                <a:noFill/>
+              </a:ln>
+              <a:solidFill>
+                <a:schemeClr val="tx1"/>
+              </a:solidFill>
+              <a:effectLst/>
+              <a:latin typeface="Arial" panose="020B0604020202020204" pitchFamily="34" charset="0"/>
+            </a:endParaRPr>
+          </a:p>
+        </p:txBody>
+      </p:sp>
+    </p:spTree>
+    <p:extLst>
+      <p:ext uri="{BB962C8B-B14F-4D97-AF65-F5344CB8AC3E}">
+        <p14:creationId xmlns:p14="http://schemas.microsoft.com/office/powerpoint/2010/main" val="2991589106"/>
+      </p:ext>
+    </p:extLst>
+  </p:cSld>
+  <p:clrMapOvr>
+    <a:masterClrMapping/>
+  </p:clrMapOvr>
+</p:sld>
+</file>
+
+<file path=ppt/slides/slide12.xml><?xml version="1.0" encoding="utf-8"?>
+<p:sld xmlns:a="http://schemas.openxmlformats.org/drawingml/2006/main" xmlns:r="http://schemas.openxmlformats.org/officeDocument/2006/relationships" xmlns:p="http://schemas.openxmlformats.org/presentationml/2006/main">
+  <p:cSld>
+    <p:spTree>
+      <p:nvGrpSpPr>
+        <p:cNvPr id="1" name=""/>
+        <p:cNvGrpSpPr/>
+        <p:nvPr/>
+      </p:nvGrpSpPr>
+      <p:grpSpPr>
+        <a:xfrm>
+          <a:off x="0" y="0"/>
+          <a:ext cx="0" cy="0"/>
+          <a:chOff x="0" y="0"/>
+          <a:chExt cx="0" cy="0"/>
+        </a:xfrm>
+      </p:grpSpPr>
+      <p:sp>
+        <p:nvSpPr>
+          <p:cNvPr id="2" name="CaixaDeTexto 1">
+            <a:extLst>
+              <a:ext uri="{FF2B5EF4-FFF2-40B4-BE49-F238E27FC236}">
+                <a16:creationId xmlns:a16="http://schemas.microsoft.com/office/drawing/2014/main" id="{40901D67-8F3F-411C-B4AD-F0E78CB1D8CA}"/>
+              </a:ext>
+            </a:extLst>
+          </p:cNvPr>
+          <p:cNvSpPr txBox="1"/>
+          <p:nvPr/>
+        </p:nvSpPr>
+        <p:spPr>
+          <a:xfrm>
+            <a:off x="399245" y="540913"/>
+            <a:ext cx="7830355" cy="646331"/>
+          </a:xfrm>
+          <a:prstGeom prst="rect">
+            <a:avLst/>
+          </a:prstGeom>
+          <a:noFill/>
+        </p:spPr>
+        <p:txBody>
+          <a:bodyPr wrap="square" rtlCol="0">
+            <a:spAutoFit/>
+          </a:bodyPr>
+          <a:lstStyle/>
+          <a:p>
+            <a:r>
+              <a:rPr lang="pt-BR" sz="3600" dirty="0">
+                <a:solidFill>
+                  <a:srgbClr val="343434"/>
+                </a:solidFill>
+                <a:latin typeface="Gotham Rounded Medium" pitchFamily="50" charset="0"/>
+              </a:rPr>
+              <a:t>Autenticação – Registrar Usuário</a:t>
+            </a:r>
+          </a:p>
+        </p:txBody>
+      </p:sp>
+      <p:sp>
+        <p:nvSpPr>
+          <p:cNvPr id="5" name="Rectangle 2">
+            <a:extLst>
+              <a:ext uri="{FF2B5EF4-FFF2-40B4-BE49-F238E27FC236}">
+                <a16:creationId xmlns:a16="http://schemas.microsoft.com/office/drawing/2014/main" id="{D320CC24-92D8-4DE5-BA89-1C9414FEF140}"/>
+              </a:ext>
+            </a:extLst>
+          </p:cNvPr>
+          <p:cNvSpPr>
+            <a:spLocks noChangeArrowheads="1"/>
+          </p:cNvSpPr>
+          <p:nvPr/>
+        </p:nvSpPr>
+        <p:spPr bwMode="auto">
+          <a:xfrm>
+            <a:off x="399245" y="1719277"/>
+            <a:ext cx="7935130" cy="276999"/>
+          </a:xfrm>
+          <a:prstGeom prst="rect">
+            <a:avLst/>
+          </a:prstGeom>
+          <a:noFill/>
+          <a:ln>
+            <a:noFill/>
+          </a:ln>
+          <a:effectLst/>
+          <a:extLst>
+            <a:ext uri="{909E8E84-426E-40DD-AFC4-6F175D3DCCD1}">
+              <a14:hiddenFill xmlns:a14="http://schemas.microsoft.com/office/drawing/2010/main">
+                <a:solidFill>
+                  <a:schemeClr val="accent1"/>
+                </a:solidFill>
+              </a14:hiddenFill>
+            </a:ext>
+            <a:ext uri="{91240B29-F687-4F45-9708-019B960494DF}">
+              <a14:hiddenLine xmlns:a14="http://schemas.microsoft.com/office/drawing/2010/main" w="9525">
+                <a:solidFill>
+                  <a:schemeClr val="tx1"/>
+                </a:solidFill>
+                <a:miter lim="800000"/>
+                <a:headEnd/>
+                <a:tailEnd/>
+              </a14:hiddenLine>
+            </a:ext>
+            <a:ext uri="{AF507438-7753-43E0-B8FC-AC1667EBCBE1}">
+              <a14:hiddenEffects xmlns:a14="http://schemas.microsoft.com/office/drawing/2010/main">
+                <a:effectLst>
+                  <a:outerShdw dist="35921" dir="2700000" algn="ctr" rotWithShape="0">
+                    <a:schemeClr val="bg2"/>
+                  </a:outerShdw>
+                </a:effectLst>
+              </a14:hiddenEffects>
+            </a:ext>
+          </a:extLst>
+        </p:spPr>
+        <p:txBody>
+          <a:bodyPr vert="horz" wrap="square" lIns="0" tIns="0" rIns="0" bIns="0" numCol="1" anchor="ctr" anchorCtr="0" compatLnSpc="1">
+            <a:prstTxWarp prst="textNoShape">
+              <a:avLst/>
+            </a:prstTxWarp>
+            <a:spAutoFit/>
+          </a:bodyPr>
+          <a:lstStyle/>
+          <a:p>
+            <a:pPr lvl="0" eaLnBrk="0" fontAlgn="base" hangingPunct="0">
+              <a:spcBef>
+                <a:spcPct val="0"/>
+              </a:spcBef>
+              <a:spcAft>
+                <a:spcPct val="0"/>
+              </a:spcAft>
+            </a:pPr>
+            <a:r>
+              <a:rPr lang="pt-BR" dirty="0">
+                <a:solidFill>
+                  <a:srgbClr val="343434"/>
+                </a:solidFill>
+                <a:latin typeface="Gotham Rounded Light" pitchFamily="50" charset="0"/>
+                <a:cs typeface="Courier New" panose="02070309020205020404" pitchFamily="49" charset="0"/>
+              </a:rPr>
+              <a:t>RegisterUserActivity.java</a:t>
+            </a:r>
+            <a:endParaRPr lang="pt-BR" dirty="0">
+              <a:solidFill>
+                <a:srgbClr val="343434"/>
+              </a:solidFill>
+              <a:latin typeface="Gotham Rounded Light" pitchFamily="50" charset="0"/>
+            </a:endParaRPr>
+          </a:p>
+        </p:txBody>
+      </p:sp>
+      <p:sp>
+        <p:nvSpPr>
+          <p:cNvPr id="10" name="Rectangle 5">
+            <a:extLst>
+              <a:ext uri="{FF2B5EF4-FFF2-40B4-BE49-F238E27FC236}">
+                <a16:creationId xmlns:a16="http://schemas.microsoft.com/office/drawing/2014/main" id="{019B4CCE-88D4-44BF-B685-36267628E89A}"/>
+              </a:ext>
+            </a:extLst>
+          </p:cNvPr>
+          <p:cNvSpPr>
+            <a:spLocks noChangeArrowheads="1"/>
+          </p:cNvSpPr>
+          <p:nvPr/>
+        </p:nvSpPr>
+        <p:spPr bwMode="auto">
+          <a:xfrm>
+            <a:off x="232252" y="2261145"/>
+            <a:ext cx="6645065" cy="323165"/>
+          </a:xfrm>
+          <a:prstGeom prst="rect">
+            <a:avLst/>
+          </a:prstGeom>
+          <a:noFill/>
+          <a:ln>
+            <a:noFill/>
+          </a:ln>
+          <a:effectLst/>
+        </p:spPr>
+        <p:txBody>
+          <a:bodyPr vert="horz" wrap="square" lIns="91440" tIns="45720" rIns="91440" bIns="45720" numCol="1" anchor="ctr" anchorCtr="0" compatLnSpc="1">
+            <a:prstTxWarp prst="textNoShape">
+              <a:avLst/>
+            </a:prstTxWarp>
+            <a:spAutoFit/>
+          </a:bodyPr>
+          <a:lstStyle/>
+          <a:p>
+            <a:pPr marL="0" marR="0" lvl="0" indent="0" algn="l" defTabSz="914400" rtl="0" eaLnBrk="0" fontAlgn="base" latinLnBrk="0" hangingPunct="0">
+              <a:lnSpc>
+                <a:spcPct val="100000"/>
+              </a:lnSpc>
+              <a:spcBef>
+                <a:spcPct val="0"/>
+              </a:spcBef>
+              <a:spcAft>
+                <a:spcPct val="0"/>
+              </a:spcAft>
+              <a:buClrTx/>
+              <a:buSzTx/>
+              <a:buFontTx/>
+              <a:buNone/>
+              <a:tabLst/>
+            </a:pPr>
+            <a:r>
+              <a:rPr kumimoji="0" lang="pt-BR" altLang="pt-BR" sz="1500" b="1" i="0" u="none" strike="noStrike" cap="none" normalizeH="0" baseline="0" dirty="0" err="1">
+                <a:ln>
+                  <a:noFill/>
+                </a:ln>
+                <a:solidFill>
+                  <a:srgbClr val="000080"/>
+                </a:solidFill>
+                <a:effectLst/>
+                <a:latin typeface="Courier New" panose="02070309020205020404" pitchFamily="49" charset="0"/>
+                <a:cs typeface="Courier New" panose="02070309020205020404" pitchFamily="49" charset="0"/>
+              </a:rPr>
+              <a:t>private</a:t>
+            </a:r>
+            <a:r>
+              <a:rPr kumimoji="0" lang="pt-BR" altLang="pt-BR" sz="1500" b="1" i="0" u="none" strike="noStrike" cap="none" normalizeH="0" baseline="0" dirty="0">
+                <a:ln>
+                  <a:noFill/>
+                </a:ln>
+                <a:solidFill>
+                  <a:srgbClr val="000080"/>
+                </a:solidFill>
+                <a:effectLst/>
+                <a:latin typeface="Courier New" panose="02070309020205020404" pitchFamily="49" charset="0"/>
+                <a:cs typeface="Courier New" panose="02070309020205020404" pitchFamily="49" charset="0"/>
+              </a:rPr>
+              <a:t> </a:t>
+            </a:r>
+            <a:r>
+              <a:rPr kumimoji="0" lang="pt-BR" altLang="pt-BR" sz="1500" b="0" i="0" u="none" strike="noStrike" cap="none" normalizeH="0" baseline="0" dirty="0" err="1">
+                <a:ln>
+                  <a:noFill/>
+                </a:ln>
+                <a:solidFill>
+                  <a:srgbClr val="000000"/>
+                </a:solidFill>
+                <a:effectLst/>
+                <a:latin typeface="Courier New" panose="02070309020205020404" pitchFamily="49" charset="0"/>
+                <a:cs typeface="Courier New" panose="02070309020205020404" pitchFamily="49" charset="0"/>
+              </a:rPr>
+              <a:t>FirebaseAuth</a:t>
+            </a:r>
+            <a:r>
+              <a:rPr kumimoji="0" lang="pt-BR" altLang="pt-BR" sz="1500" b="0" i="0" u="none" strike="noStrike" cap="none" normalizeH="0" baseline="0" dirty="0">
+                <a:ln>
+                  <a:noFill/>
+                </a:ln>
+                <a:solidFill>
+                  <a:srgbClr val="000000"/>
+                </a:solidFill>
+                <a:effectLst/>
+                <a:latin typeface="Courier New" panose="02070309020205020404" pitchFamily="49" charset="0"/>
+                <a:cs typeface="Courier New" panose="02070309020205020404" pitchFamily="49" charset="0"/>
+              </a:rPr>
+              <a:t> </a:t>
+            </a:r>
+            <a:r>
+              <a:rPr kumimoji="0" lang="pt-BR" altLang="pt-BR" sz="1500" b="1" i="0" u="none" strike="noStrike" cap="none" normalizeH="0" baseline="0" dirty="0" err="1">
+                <a:ln>
+                  <a:noFill/>
+                </a:ln>
+                <a:solidFill>
+                  <a:srgbClr val="660E7A"/>
+                </a:solidFill>
+                <a:effectLst/>
+                <a:latin typeface="Courier New" panose="02070309020205020404" pitchFamily="49" charset="0"/>
+                <a:cs typeface="Courier New" panose="02070309020205020404" pitchFamily="49" charset="0"/>
+              </a:rPr>
+              <a:t>auth</a:t>
+            </a:r>
+            <a:r>
+              <a:rPr kumimoji="0" lang="pt-BR" altLang="pt-BR" sz="1500" b="1" i="0" u="none" strike="noStrike" cap="none" normalizeH="0" baseline="0" dirty="0">
+                <a:ln>
+                  <a:noFill/>
+                </a:ln>
+                <a:solidFill>
+                  <a:srgbClr val="660E7A"/>
+                </a:solidFill>
+                <a:effectLst/>
+                <a:latin typeface="Courier New" panose="02070309020205020404" pitchFamily="49" charset="0"/>
+                <a:cs typeface="Courier New" panose="02070309020205020404" pitchFamily="49" charset="0"/>
+              </a:rPr>
+              <a:t> </a:t>
+            </a:r>
+            <a:r>
+              <a:rPr kumimoji="0" lang="pt-BR" altLang="pt-BR" sz="1500" b="0" i="0" u="none" strike="noStrike" cap="none" normalizeH="0" baseline="0" dirty="0">
+                <a:ln>
+                  <a:noFill/>
+                </a:ln>
+                <a:solidFill>
+                  <a:srgbClr val="000000"/>
+                </a:solidFill>
+                <a:effectLst/>
+                <a:latin typeface="Courier New" panose="02070309020205020404" pitchFamily="49" charset="0"/>
+                <a:cs typeface="Courier New" panose="02070309020205020404" pitchFamily="49" charset="0"/>
+              </a:rPr>
+              <a:t>= </a:t>
+            </a:r>
+            <a:r>
+              <a:rPr kumimoji="0" lang="pt-BR" altLang="pt-BR" sz="1500" b="0" i="0" u="none" strike="noStrike" cap="none" normalizeH="0" baseline="0" dirty="0" err="1">
+                <a:ln>
+                  <a:noFill/>
+                </a:ln>
+                <a:solidFill>
+                  <a:srgbClr val="000000"/>
+                </a:solidFill>
+                <a:effectLst/>
+                <a:latin typeface="Courier New" panose="02070309020205020404" pitchFamily="49" charset="0"/>
+                <a:cs typeface="Courier New" panose="02070309020205020404" pitchFamily="49" charset="0"/>
+              </a:rPr>
+              <a:t>FirebaseAuth.</a:t>
+            </a:r>
+            <a:r>
+              <a:rPr kumimoji="0" lang="pt-BR" altLang="pt-BR" sz="1500" b="0" i="1" u="none" strike="noStrike" cap="none" normalizeH="0" baseline="0" dirty="0" err="1">
+                <a:ln>
+                  <a:noFill/>
+                </a:ln>
+                <a:solidFill>
+                  <a:srgbClr val="000000"/>
+                </a:solidFill>
+                <a:effectLst/>
+                <a:latin typeface="Courier New" panose="02070309020205020404" pitchFamily="49" charset="0"/>
+                <a:cs typeface="Courier New" panose="02070309020205020404" pitchFamily="49" charset="0"/>
+              </a:rPr>
+              <a:t>getInstance</a:t>
+            </a:r>
+            <a:r>
+              <a:rPr kumimoji="0" lang="pt-BR" altLang="pt-BR" sz="1500" b="0" i="0" u="none" strike="noStrike" cap="none" normalizeH="0" baseline="0" dirty="0">
+                <a:ln>
+                  <a:noFill/>
+                </a:ln>
+                <a:solidFill>
+                  <a:srgbClr val="000000"/>
+                </a:solidFill>
+                <a:effectLst/>
+                <a:latin typeface="Courier New" panose="02070309020205020404" pitchFamily="49" charset="0"/>
+                <a:cs typeface="Courier New" panose="02070309020205020404" pitchFamily="49" charset="0"/>
+              </a:rPr>
+              <a:t>();</a:t>
+            </a:r>
+            <a:endParaRPr kumimoji="0" lang="pt-BR" altLang="pt-BR" sz="1500" b="0" i="0" u="none" strike="noStrike" cap="none" normalizeH="0" baseline="0" dirty="0">
+              <a:ln>
+                <a:noFill/>
+              </a:ln>
+              <a:solidFill>
+                <a:schemeClr val="tx1"/>
+              </a:solidFill>
+              <a:effectLst/>
+              <a:latin typeface="Arial" panose="020B0604020202020204" pitchFamily="34" charset="0"/>
+            </a:endParaRPr>
+          </a:p>
+        </p:txBody>
+      </p:sp>
+      <p:sp>
+        <p:nvSpPr>
+          <p:cNvPr id="3" name="Rectangle 1">
+            <a:extLst>
+              <a:ext uri="{FF2B5EF4-FFF2-40B4-BE49-F238E27FC236}">
+                <a16:creationId xmlns:a16="http://schemas.microsoft.com/office/drawing/2014/main" id="{CFA97589-DB08-433A-8DEC-869AE9B3BB1F}"/>
+              </a:ext>
+            </a:extLst>
+          </p:cNvPr>
+          <p:cNvSpPr>
+            <a:spLocks noChangeArrowheads="1"/>
+          </p:cNvSpPr>
+          <p:nvPr/>
+        </p:nvSpPr>
+        <p:spPr bwMode="auto">
+          <a:xfrm>
+            <a:off x="232252" y="2918678"/>
+            <a:ext cx="7778407" cy="2862322"/>
+          </a:xfrm>
+          <a:prstGeom prst="rect">
+            <a:avLst/>
+          </a:prstGeom>
+          <a:noFill/>
+          <a:ln>
+            <a:noFill/>
+          </a:ln>
+          <a:effectLst/>
+        </p:spPr>
+        <p:txBody>
+          <a:bodyPr vert="horz" wrap="square" lIns="91440" tIns="45720" rIns="91440" bIns="45720" numCol="1" anchor="ctr" anchorCtr="0" compatLnSpc="1">
+            <a:prstTxWarp prst="textNoShape">
+              <a:avLst/>
+            </a:prstTxWarp>
+            <a:spAutoFit/>
+          </a:bodyPr>
+          <a:lstStyle/>
+          <a:p>
+            <a:pPr marL="0" marR="0" lvl="0" indent="0" algn="l" defTabSz="914400" rtl="0" eaLnBrk="0" fontAlgn="base" latinLnBrk="0" hangingPunct="0">
+              <a:lnSpc>
+                <a:spcPct val="100000"/>
+              </a:lnSpc>
+              <a:spcBef>
+                <a:spcPct val="0"/>
+              </a:spcBef>
+              <a:spcAft>
+                <a:spcPct val="0"/>
+              </a:spcAft>
+              <a:buClrTx/>
+              <a:buSzTx/>
+              <a:buFontTx/>
+              <a:buNone/>
+              <a:tabLst/>
+            </a:pPr>
+            <a:r>
+              <a:rPr kumimoji="0" lang="pt-BR" altLang="pt-BR" sz="1500" b="1" i="0" u="none" strike="noStrike" cap="none" normalizeH="0" baseline="0" dirty="0" err="1">
+                <a:ln>
+                  <a:noFill/>
+                </a:ln>
+                <a:solidFill>
+                  <a:srgbClr val="660E7A"/>
+                </a:solidFill>
+                <a:effectLst/>
+                <a:latin typeface="Courier New" panose="02070309020205020404" pitchFamily="49" charset="0"/>
+                <a:cs typeface="Courier New" panose="02070309020205020404" pitchFamily="49" charset="0"/>
+              </a:rPr>
+              <a:t>auth</a:t>
+            </a:r>
+            <a:r>
+              <a:rPr kumimoji="0" lang="pt-BR" altLang="pt-BR" sz="1500" b="0" i="0" u="none" strike="noStrike" cap="none" normalizeH="0" baseline="0" dirty="0" err="1">
+                <a:ln>
+                  <a:noFill/>
+                </a:ln>
+                <a:solidFill>
+                  <a:srgbClr val="000000"/>
+                </a:solidFill>
+                <a:effectLst/>
+                <a:latin typeface="Courier New" panose="02070309020205020404" pitchFamily="49" charset="0"/>
+                <a:cs typeface="Courier New" panose="02070309020205020404" pitchFamily="49" charset="0"/>
+              </a:rPr>
+              <a:t>.createUserWithEmailAndPassword</a:t>
+            </a:r>
+            <a:r>
+              <a:rPr kumimoji="0" lang="pt-BR" altLang="pt-BR" sz="1500" b="0" i="0" u="none" strike="noStrike" cap="none" normalizeH="0" baseline="0" dirty="0">
+                <a:ln>
+                  <a:noFill/>
+                </a:ln>
+                <a:solidFill>
+                  <a:srgbClr val="000000"/>
+                </a:solidFill>
+                <a:effectLst/>
+                <a:latin typeface="Courier New" panose="02070309020205020404" pitchFamily="49" charset="0"/>
+                <a:cs typeface="Courier New" panose="02070309020205020404" pitchFamily="49" charset="0"/>
+              </a:rPr>
+              <a:t>(</a:t>
+            </a:r>
+            <a:r>
+              <a:rPr kumimoji="0" lang="pt-BR" altLang="pt-BR" sz="1500" b="1" i="0" u="none" strike="noStrike" cap="none" normalizeH="0" baseline="0" dirty="0" err="1">
+                <a:ln>
+                  <a:noFill/>
+                </a:ln>
+                <a:solidFill>
+                  <a:srgbClr val="660E7A"/>
+                </a:solidFill>
+                <a:effectLst/>
+                <a:latin typeface="Courier New" panose="02070309020205020404" pitchFamily="49" charset="0"/>
+                <a:cs typeface="Courier New" panose="02070309020205020404" pitchFamily="49" charset="0"/>
+              </a:rPr>
+              <a:t>email</a:t>
+            </a:r>
+            <a:r>
+              <a:rPr kumimoji="0" lang="pt-BR" altLang="pt-BR" sz="1500" b="0" i="0" u="none" strike="noStrike" cap="none" normalizeH="0" baseline="0" dirty="0">
+                <a:ln>
+                  <a:noFill/>
+                </a:ln>
+                <a:solidFill>
+                  <a:srgbClr val="000000"/>
+                </a:solidFill>
+                <a:effectLst/>
+                <a:latin typeface="Courier New" panose="02070309020205020404" pitchFamily="49" charset="0"/>
+                <a:cs typeface="Courier New" panose="02070309020205020404" pitchFamily="49" charset="0"/>
+              </a:rPr>
+              <a:t>, </a:t>
+            </a:r>
+            <a:r>
+              <a:rPr kumimoji="0" lang="pt-BR" altLang="pt-BR" sz="1500" b="1" i="0" u="none" strike="noStrike" cap="none" normalizeH="0" baseline="0" dirty="0" err="1">
+                <a:ln>
+                  <a:noFill/>
+                </a:ln>
+                <a:solidFill>
+                  <a:srgbClr val="660E7A"/>
+                </a:solidFill>
+                <a:effectLst/>
+                <a:latin typeface="Courier New" panose="02070309020205020404" pitchFamily="49" charset="0"/>
+                <a:cs typeface="Courier New" panose="02070309020205020404" pitchFamily="49" charset="0"/>
+              </a:rPr>
+              <a:t>password</a:t>
+            </a:r>
+            <a:r>
+              <a:rPr kumimoji="0" lang="pt-BR" altLang="pt-BR" sz="1500" b="0" i="0" u="none" strike="noStrike" cap="none" normalizeH="0" baseline="0" dirty="0">
+                <a:ln>
+                  <a:noFill/>
+                </a:ln>
+                <a:solidFill>
+                  <a:srgbClr val="000000"/>
+                </a:solidFill>
+                <a:effectLst/>
+                <a:latin typeface="Courier New" panose="02070309020205020404" pitchFamily="49" charset="0"/>
+                <a:cs typeface="Courier New" panose="02070309020205020404" pitchFamily="49" charset="0"/>
+              </a:rPr>
+              <a:t>)</a:t>
+            </a:r>
+            <a:br>
+              <a:rPr kumimoji="0" lang="pt-BR" altLang="pt-BR" sz="1500" b="0" i="0" u="none" strike="noStrike" cap="none" normalizeH="0" baseline="0" dirty="0">
+                <a:ln>
+                  <a:noFill/>
+                </a:ln>
+                <a:solidFill>
+                  <a:srgbClr val="000000"/>
+                </a:solidFill>
+                <a:effectLst/>
+                <a:latin typeface="Courier New" panose="02070309020205020404" pitchFamily="49" charset="0"/>
+                <a:cs typeface="Courier New" panose="02070309020205020404" pitchFamily="49" charset="0"/>
+              </a:rPr>
+            </a:br>
+            <a:r>
+              <a:rPr kumimoji="0" lang="pt-BR" altLang="pt-BR" sz="1500" b="0" i="0" u="none" strike="noStrike" cap="none" normalizeH="0" baseline="0" dirty="0">
+                <a:ln>
+                  <a:noFill/>
+                </a:ln>
+                <a:solidFill>
+                  <a:srgbClr val="000000"/>
+                </a:solidFill>
+                <a:effectLst/>
+                <a:latin typeface="Courier New" panose="02070309020205020404" pitchFamily="49" charset="0"/>
+                <a:cs typeface="Courier New" panose="02070309020205020404" pitchFamily="49" charset="0"/>
+              </a:rPr>
+              <a:t>  .</a:t>
+            </a:r>
+            <a:r>
+              <a:rPr kumimoji="0" lang="pt-BR" altLang="pt-BR" sz="1500" b="0" i="0" u="none" strike="noStrike" cap="none" normalizeH="0" baseline="0" dirty="0" err="1">
+                <a:ln>
+                  <a:noFill/>
+                </a:ln>
+                <a:solidFill>
+                  <a:srgbClr val="000000"/>
+                </a:solidFill>
+                <a:effectLst/>
+                <a:latin typeface="Courier New" panose="02070309020205020404" pitchFamily="49" charset="0"/>
+                <a:cs typeface="Courier New" panose="02070309020205020404" pitchFamily="49" charset="0"/>
+              </a:rPr>
+              <a:t>addOnCompleteListener</a:t>
+            </a:r>
+            <a:r>
+              <a:rPr kumimoji="0" lang="pt-BR" altLang="pt-BR" sz="1500" b="0" i="0" u="none" strike="noStrike" cap="none" normalizeH="0" baseline="0" dirty="0">
+                <a:ln>
+                  <a:noFill/>
+                </a:ln>
+                <a:solidFill>
+                  <a:srgbClr val="000000"/>
+                </a:solidFill>
+                <a:effectLst/>
+                <a:latin typeface="Courier New" panose="02070309020205020404" pitchFamily="49" charset="0"/>
+                <a:cs typeface="Courier New" panose="02070309020205020404" pitchFamily="49" charset="0"/>
+              </a:rPr>
+              <a:t>(</a:t>
+            </a:r>
+            <a:r>
+              <a:rPr kumimoji="0" lang="pt-BR" altLang="pt-BR" sz="1500" b="1" i="0" u="none" strike="noStrike" cap="none" normalizeH="0" baseline="0" dirty="0">
+                <a:ln>
+                  <a:noFill/>
+                </a:ln>
+                <a:solidFill>
+                  <a:srgbClr val="000080"/>
+                </a:solidFill>
+                <a:effectLst/>
+                <a:latin typeface="Courier New" panose="02070309020205020404" pitchFamily="49" charset="0"/>
+                <a:cs typeface="Courier New" panose="02070309020205020404" pitchFamily="49" charset="0"/>
+              </a:rPr>
+              <a:t>new </a:t>
+            </a:r>
+            <a:r>
+              <a:rPr kumimoji="0" lang="pt-BR" altLang="pt-BR" sz="1500" b="0" i="0" u="none" strike="noStrike" cap="none" normalizeH="0" baseline="0" dirty="0" err="1">
+                <a:ln>
+                  <a:noFill/>
+                </a:ln>
+                <a:solidFill>
+                  <a:srgbClr val="000000"/>
+                </a:solidFill>
+                <a:effectLst/>
+                <a:latin typeface="Courier New" panose="02070309020205020404" pitchFamily="49" charset="0"/>
+                <a:cs typeface="Courier New" panose="02070309020205020404" pitchFamily="49" charset="0"/>
+              </a:rPr>
+              <a:t>OnCompleteListener</a:t>
+            </a:r>
+            <a:r>
+              <a:rPr kumimoji="0" lang="pt-BR" altLang="pt-BR" sz="1500" b="0" i="0" u="none" strike="noStrike" cap="none" normalizeH="0" baseline="0" dirty="0">
+                <a:ln>
+                  <a:noFill/>
+                </a:ln>
+                <a:solidFill>
+                  <a:srgbClr val="000000"/>
+                </a:solidFill>
+                <a:effectLst/>
+                <a:latin typeface="Courier New" panose="02070309020205020404" pitchFamily="49" charset="0"/>
+                <a:cs typeface="Courier New" panose="02070309020205020404" pitchFamily="49" charset="0"/>
+              </a:rPr>
+              <a:t>&lt;</a:t>
+            </a:r>
+            <a:r>
+              <a:rPr kumimoji="0" lang="pt-BR" altLang="pt-BR" sz="1500" b="0" i="0" u="none" strike="noStrike" cap="none" normalizeH="0" baseline="0" dirty="0" err="1">
+                <a:ln>
+                  <a:noFill/>
+                </a:ln>
+                <a:solidFill>
+                  <a:srgbClr val="000000"/>
+                </a:solidFill>
+                <a:effectLst/>
+                <a:latin typeface="Courier New" panose="02070309020205020404" pitchFamily="49" charset="0"/>
+                <a:cs typeface="Courier New" panose="02070309020205020404" pitchFamily="49" charset="0"/>
+              </a:rPr>
+              <a:t>AuthResult</a:t>
+            </a:r>
+            <a:r>
+              <a:rPr kumimoji="0" lang="pt-BR" altLang="pt-BR" sz="1500" b="0" i="0" u="none" strike="noStrike" cap="none" normalizeH="0" baseline="0" dirty="0">
+                <a:ln>
+                  <a:noFill/>
+                </a:ln>
+                <a:solidFill>
+                  <a:srgbClr val="000000"/>
+                </a:solidFill>
+                <a:effectLst/>
+                <a:latin typeface="Courier New" panose="02070309020205020404" pitchFamily="49" charset="0"/>
+                <a:cs typeface="Courier New" panose="02070309020205020404" pitchFamily="49" charset="0"/>
+              </a:rPr>
+              <a:t>&gt;() {</a:t>
+            </a:r>
+            <a:br>
+              <a:rPr kumimoji="0" lang="pt-BR" altLang="pt-BR" sz="1500" b="0" i="0" u="none" strike="noStrike" cap="none" normalizeH="0" baseline="0" dirty="0">
+                <a:ln>
+                  <a:noFill/>
+                </a:ln>
+                <a:solidFill>
+                  <a:srgbClr val="000000"/>
+                </a:solidFill>
+                <a:effectLst/>
+                <a:latin typeface="Courier New" panose="02070309020205020404" pitchFamily="49" charset="0"/>
+                <a:cs typeface="Courier New" panose="02070309020205020404" pitchFamily="49" charset="0"/>
+              </a:rPr>
+            </a:br>
+            <a:r>
+              <a:rPr kumimoji="0" lang="pt-BR" altLang="pt-BR" sz="1500" b="0" i="0" u="none" strike="noStrike" cap="none" normalizeH="0" baseline="0" dirty="0">
+                <a:ln>
+                  <a:noFill/>
+                </a:ln>
+                <a:solidFill>
+                  <a:srgbClr val="000000"/>
+                </a:solidFill>
+                <a:effectLst/>
+                <a:latin typeface="Courier New" panose="02070309020205020404" pitchFamily="49" charset="0"/>
+                <a:cs typeface="Courier New" panose="02070309020205020404" pitchFamily="49" charset="0"/>
+              </a:rPr>
+              <a:t>    </a:t>
+            </a:r>
+            <a:r>
+              <a:rPr kumimoji="0" lang="pt-BR" altLang="pt-BR" sz="1500" b="0" i="0" u="none" strike="noStrike" cap="none" normalizeH="0" baseline="0" dirty="0">
+                <a:ln>
+                  <a:noFill/>
+                </a:ln>
+                <a:solidFill>
+                  <a:srgbClr val="808000"/>
+                </a:solidFill>
+                <a:effectLst/>
+                <a:latin typeface="Courier New" panose="02070309020205020404" pitchFamily="49" charset="0"/>
+                <a:cs typeface="Courier New" panose="02070309020205020404" pitchFamily="49" charset="0"/>
+              </a:rPr>
+              <a:t>@</a:t>
+            </a:r>
+            <a:r>
+              <a:rPr kumimoji="0" lang="pt-BR" altLang="pt-BR" sz="1500" b="0" i="0" u="none" strike="noStrike" cap="none" normalizeH="0" baseline="0" dirty="0" err="1">
+                <a:ln>
+                  <a:noFill/>
+                </a:ln>
+                <a:solidFill>
+                  <a:srgbClr val="808000"/>
+                </a:solidFill>
+                <a:effectLst/>
+                <a:latin typeface="Courier New" panose="02070309020205020404" pitchFamily="49" charset="0"/>
+                <a:cs typeface="Courier New" panose="02070309020205020404" pitchFamily="49" charset="0"/>
+              </a:rPr>
+              <a:t>Override</a:t>
+            </a:r>
+            <a:br>
+              <a:rPr kumimoji="0" lang="pt-BR" altLang="pt-BR" sz="1500" b="0" i="0" u="none" strike="noStrike" cap="none" normalizeH="0" baseline="0" dirty="0">
+                <a:ln>
+                  <a:noFill/>
+                </a:ln>
+                <a:solidFill>
+                  <a:srgbClr val="808000"/>
+                </a:solidFill>
+                <a:effectLst/>
+                <a:latin typeface="Courier New" panose="02070309020205020404" pitchFamily="49" charset="0"/>
+                <a:cs typeface="Courier New" panose="02070309020205020404" pitchFamily="49" charset="0"/>
+              </a:rPr>
+            </a:br>
+            <a:r>
+              <a:rPr kumimoji="0" lang="pt-BR" altLang="pt-BR" sz="1500" b="0" i="0" u="none" strike="noStrike" cap="none" normalizeH="0" baseline="0" dirty="0">
+                <a:ln>
+                  <a:noFill/>
+                </a:ln>
+                <a:solidFill>
+                  <a:srgbClr val="808000"/>
+                </a:solidFill>
+                <a:effectLst/>
+                <a:latin typeface="Courier New" panose="02070309020205020404" pitchFamily="49" charset="0"/>
+                <a:cs typeface="Courier New" panose="02070309020205020404" pitchFamily="49" charset="0"/>
+              </a:rPr>
+              <a:t>      </a:t>
+            </a:r>
+            <a:r>
+              <a:rPr kumimoji="0" lang="pt-BR" altLang="pt-BR" sz="1500" b="1" i="0" u="none" strike="noStrike" cap="none" normalizeH="0" baseline="0" dirty="0" err="1">
+                <a:ln>
+                  <a:noFill/>
+                </a:ln>
+                <a:solidFill>
+                  <a:srgbClr val="000080"/>
+                </a:solidFill>
+                <a:effectLst/>
+                <a:latin typeface="Courier New" panose="02070309020205020404" pitchFamily="49" charset="0"/>
+                <a:cs typeface="Courier New" panose="02070309020205020404" pitchFamily="49" charset="0"/>
+              </a:rPr>
+              <a:t>public</a:t>
+            </a:r>
+            <a:r>
+              <a:rPr kumimoji="0" lang="pt-BR" altLang="pt-BR" sz="1500" b="1" i="0" u="none" strike="noStrike" cap="none" normalizeH="0" baseline="0" dirty="0">
+                <a:ln>
+                  <a:noFill/>
+                </a:ln>
+                <a:solidFill>
+                  <a:srgbClr val="000080"/>
+                </a:solidFill>
+                <a:effectLst/>
+                <a:latin typeface="Courier New" panose="02070309020205020404" pitchFamily="49" charset="0"/>
+                <a:cs typeface="Courier New" panose="02070309020205020404" pitchFamily="49" charset="0"/>
+              </a:rPr>
+              <a:t> </a:t>
+            </a:r>
+            <a:r>
+              <a:rPr kumimoji="0" lang="pt-BR" altLang="pt-BR" sz="1500" b="1" i="0" u="none" strike="noStrike" cap="none" normalizeH="0" baseline="0" dirty="0" err="1">
+                <a:ln>
+                  <a:noFill/>
+                </a:ln>
+                <a:solidFill>
+                  <a:srgbClr val="000080"/>
+                </a:solidFill>
+                <a:effectLst/>
+                <a:latin typeface="Courier New" panose="02070309020205020404" pitchFamily="49" charset="0"/>
+                <a:cs typeface="Courier New" panose="02070309020205020404" pitchFamily="49" charset="0"/>
+              </a:rPr>
+              <a:t>void</a:t>
+            </a:r>
+            <a:r>
+              <a:rPr kumimoji="0" lang="pt-BR" altLang="pt-BR" sz="1500" b="1" i="0" u="none" strike="noStrike" cap="none" normalizeH="0" baseline="0" dirty="0">
+                <a:ln>
+                  <a:noFill/>
+                </a:ln>
+                <a:solidFill>
+                  <a:srgbClr val="000080"/>
+                </a:solidFill>
+                <a:effectLst/>
+                <a:latin typeface="Courier New" panose="02070309020205020404" pitchFamily="49" charset="0"/>
+                <a:cs typeface="Courier New" panose="02070309020205020404" pitchFamily="49" charset="0"/>
+              </a:rPr>
+              <a:t> </a:t>
+            </a:r>
+            <a:r>
+              <a:rPr kumimoji="0" lang="pt-BR" altLang="pt-BR" sz="1500" b="0" i="0" u="none" strike="noStrike" cap="none" normalizeH="0" baseline="0" dirty="0" err="1">
+                <a:ln>
+                  <a:noFill/>
+                </a:ln>
+                <a:solidFill>
+                  <a:srgbClr val="000000"/>
+                </a:solidFill>
+                <a:effectLst/>
+                <a:latin typeface="Courier New" panose="02070309020205020404" pitchFamily="49" charset="0"/>
+                <a:cs typeface="Courier New" panose="02070309020205020404" pitchFamily="49" charset="0"/>
+              </a:rPr>
+              <a:t>onComplete</a:t>
+            </a:r>
+            <a:r>
+              <a:rPr kumimoji="0" lang="pt-BR" altLang="pt-BR" sz="1500" b="0" i="0" u="none" strike="noStrike" cap="none" normalizeH="0" baseline="0" dirty="0">
+                <a:ln>
+                  <a:noFill/>
+                </a:ln>
+                <a:solidFill>
+                  <a:srgbClr val="000000"/>
+                </a:solidFill>
+                <a:effectLst/>
+                <a:latin typeface="Courier New" panose="02070309020205020404" pitchFamily="49" charset="0"/>
+                <a:cs typeface="Courier New" panose="02070309020205020404" pitchFamily="49" charset="0"/>
+              </a:rPr>
+              <a:t>(</a:t>
+            </a:r>
+            <a:r>
+              <a:rPr kumimoji="0" lang="pt-BR" altLang="pt-BR" sz="1500" b="0" i="0" u="none" strike="noStrike" cap="none" normalizeH="0" baseline="0" dirty="0">
+                <a:ln>
+                  <a:noFill/>
+                </a:ln>
+                <a:solidFill>
+                  <a:srgbClr val="808000"/>
+                </a:solidFill>
+                <a:effectLst/>
+                <a:latin typeface="Courier New" panose="02070309020205020404" pitchFamily="49" charset="0"/>
+                <a:cs typeface="Courier New" panose="02070309020205020404" pitchFamily="49" charset="0"/>
+              </a:rPr>
+              <a:t>@</a:t>
+            </a:r>
+            <a:r>
+              <a:rPr kumimoji="0" lang="pt-BR" altLang="pt-BR" sz="1500" b="0" i="0" u="none" strike="noStrike" cap="none" normalizeH="0" baseline="0" dirty="0" err="1">
+                <a:ln>
+                  <a:noFill/>
+                </a:ln>
+                <a:solidFill>
+                  <a:srgbClr val="808000"/>
+                </a:solidFill>
+                <a:effectLst/>
+                <a:latin typeface="Courier New" panose="02070309020205020404" pitchFamily="49" charset="0"/>
+                <a:cs typeface="Courier New" panose="02070309020205020404" pitchFamily="49" charset="0"/>
+              </a:rPr>
+              <a:t>NonNull</a:t>
+            </a:r>
+            <a:r>
+              <a:rPr kumimoji="0" lang="pt-BR" altLang="pt-BR" sz="1500" b="0" i="0" u="none" strike="noStrike" cap="none" normalizeH="0" baseline="0" dirty="0">
+                <a:ln>
+                  <a:noFill/>
+                </a:ln>
+                <a:solidFill>
+                  <a:srgbClr val="808000"/>
+                </a:solidFill>
+                <a:effectLst/>
+                <a:latin typeface="Courier New" panose="02070309020205020404" pitchFamily="49" charset="0"/>
+                <a:cs typeface="Courier New" panose="02070309020205020404" pitchFamily="49" charset="0"/>
+              </a:rPr>
+              <a:t> </a:t>
+            </a:r>
+            <a:r>
+              <a:rPr kumimoji="0" lang="pt-BR" altLang="pt-BR" sz="1500" b="0" i="0" u="none" strike="noStrike" cap="none" normalizeH="0" baseline="0" dirty="0" err="1">
+                <a:ln>
+                  <a:noFill/>
+                </a:ln>
+                <a:solidFill>
+                  <a:srgbClr val="000000"/>
+                </a:solidFill>
+                <a:effectLst/>
+                <a:latin typeface="Courier New" panose="02070309020205020404" pitchFamily="49" charset="0"/>
+                <a:cs typeface="Courier New" panose="02070309020205020404" pitchFamily="49" charset="0"/>
+              </a:rPr>
+              <a:t>Task</a:t>
+            </a:r>
+            <a:r>
+              <a:rPr kumimoji="0" lang="pt-BR" altLang="pt-BR" sz="1500" b="0" i="0" u="none" strike="noStrike" cap="none" normalizeH="0" baseline="0" dirty="0">
+                <a:ln>
+                  <a:noFill/>
+                </a:ln>
+                <a:solidFill>
+                  <a:srgbClr val="000000"/>
+                </a:solidFill>
+                <a:effectLst/>
+                <a:latin typeface="Courier New" panose="02070309020205020404" pitchFamily="49" charset="0"/>
+                <a:cs typeface="Courier New" panose="02070309020205020404" pitchFamily="49" charset="0"/>
+              </a:rPr>
+              <a:t>&lt;</a:t>
+            </a:r>
+            <a:r>
+              <a:rPr kumimoji="0" lang="pt-BR" altLang="pt-BR" sz="1500" b="0" i="0" u="none" strike="noStrike" cap="none" normalizeH="0" baseline="0" dirty="0" err="1">
+                <a:ln>
+                  <a:noFill/>
+                </a:ln>
+                <a:solidFill>
+                  <a:srgbClr val="000000"/>
+                </a:solidFill>
+                <a:effectLst/>
+                <a:latin typeface="Courier New" panose="02070309020205020404" pitchFamily="49" charset="0"/>
+                <a:cs typeface="Courier New" panose="02070309020205020404" pitchFamily="49" charset="0"/>
+              </a:rPr>
+              <a:t>AuthResult</a:t>
+            </a:r>
+            <a:r>
+              <a:rPr kumimoji="0" lang="pt-BR" altLang="pt-BR" sz="1500" b="0" i="0" u="none" strike="noStrike" cap="none" normalizeH="0" baseline="0" dirty="0">
+                <a:ln>
+                  <a:noFill/>
+                </a:ln>
+                <a:solidFill>
+                  <a:srgbClr val="000000"/>
+                </a:solidFill>
+                <a:effectLst/>
+                <a:latin typeface="Courier New" panose="02070309020205020404" pitchFamily="49" charset="0"/>
+                <a:cs typeface="Courier New" panose="02070309020205020404" pitchFamily="49" charset="0"/>
+              </a:rPr>
+              <a:t>&gt; </a:t>
+            </a:r>
+            <a:r>
+              <a:rPr kumimoji="0" lang="pt-BR" altLang="pt-BR" sz="1500" b="0" i="0" u="none" strike="noStrike" cap="none" normalizeH="0" baseline="0" dirty="0" err="1">
+                <a:ln>
+                  <a:noFill/>
+                </a:ln>
+                <a:solidFill>
+                  <a:srgbClr val="000000"/>
+                </a:solidFill>
+                <a:effectLst/>
+                <a:latin typeface="Courier New" panose="02070309020205020404" pitchFamily="49" charset="0"/>
+                <a:cs typeface="Courier New" panose="02070309020205020404" pitchFamily="49" charset="0"/>
+              </a:rPr>
+              <a:t>task</a:t>
+            </a:r>
+            <a:r>
+              <a:rPr kumimoji="0" lang="pt-BR" altLang="pt-BR" sz="1500" b="0" i="0" u="none" strike="noStrike" cap="none" normalizeH="0" baseline="0" dirty="0">
+                <a:ln>
+                  <a:noFill/>
+                </a:ln>
+                <a:solidFill>
+                  <a:srgbClr val="000000"/>
+                </a:solidFill>
+                <a:effectLst/>
+                <a:latin typeface="Courier New" panose="02070309020205020404" pitchFamily="49" charset="0"/>
+                <a:cs typeface="Courier New" panose="02070309020205020404" pitchFamily="49" charset="0"/>
+              </a:rPr>
+              <a:t>) {</a:t>
+            </a:r>
+            <a:br>
+              <a:rPr kumimoji="0" lang="pt-BR" altLang="pt-BR" sz="1500" b="0" i="0" u="none" strike="noStrike" cap="none" normalizeH="0" baseline="0" dirty="0">
+                <a:ln>
+                  <a:noFill/>
+                </a:ln>
+                <a:solidFill>
+                  <a:srgbClr val="000000"/>
+                </a:solidFill>
+                <a:effectLst/>
+                <a:latin typeface="Courier New" panose="02070309020205020404" pitchFamily="49" charset="0"/>
+                <a:cs typeface="Courier New" panose="02070309020205020404" pitchFamily="49" charset="0"/>
+              </a:rPr>
+            </a:br>
+            <a:r>
+              <a:rPr kumimoji="0" lang="pt-BR" altLang="pt-BR" sz="1500" b="0" i="0" u="none" strike="noStrike" cap="none" normalizeH="0" baseline="0" dirty="0">
+                <a:ln>
+                  <a:noFill/>
+                </a:ln>
+                <a:solidFill>
+                  <a:srgbClr val="000000"/>
+                </a:solidFill>
+                <a:effectLst/>
+                <a:latin typeface="Courier New" panose="02070309020205020404" pitchFamily="49" charset="0"/>
+                <a:cs typeface="Courier New" panose="02070309020205020404" pitchFamily="49" charset="0"/>
+              </a:rPr>
+              <a:t>        </a:t>
+            </a:r>
+            <a:r>
+              <a:rPr kumimoji="0" lang="pt-BR" altLang="pt-BR" sz="1500" b="1" i="0" u="none" strike="noStrike" cap="none" normalizeH="0" baseline="0" dirty="0" err="1">
+                <a:ln>
+                  <a:noFill/>
+                </a:ln>
+                <a:solidFill>
+                  <a:srgbClr val="000080"/>
+                </a:solidFill>
+                <a:effectLst/>
+                <a:latin typeface="Courier New" panose="02070309020205020404" pitchFamily="49" charset="0"/>
+                <a:cs typeface="Courier New" panose="02070309020205020404" pitchFamily="49" charset="0"/>
+              </a:rPr>
+              <a:t>if</a:t>
+            </a:r>
+            <a:r>
+              <a:rPr kumimoji="0" lang="pt-BR" altLang="pt-BR" sz="1500" b="1" i="0" u="none" strike="noStrike" cap="none" normalizeH="0" baseline="0" dirty="0">
+                <a:ln>
+                  <a:noFill/>
+                </a:ln>
+                <a:solidFill>
+                  <a:srgbClr val="000080"/>
+                </a:solidFill>
+                <a:effectLst/>
+                <a:latin typeface="Courier New" panose="02070309020205020404" pitchFamily="49" charset="0"/>
+                <a:cs typeface="Courier New" panose="02070309020205020404" pitchFamily="49" charset="0"/>
+              </a:rPr>
+              <a:t> </a:t>
+            </a:r>
+            <a:r>
+              <a:rPr kumimoji="0" lang="pt-BR" altLang="pt-BR" sz="1500" b="0" i="0" u="none" strike="noStrike" cap="none" normalizeH="0" baseline="0" dirty="0">
+                <a:ln>
+                  <a:noFill/>
+                </a:ln>
+                <a:solidFill>
+                  <a:srgbClr val="000000"/>
+                </a:solidFill>
+                <a:effectLst/>
+                <a:latin typeface="Courier New" panose="02070309020205020404" pitchFamily="49" charset="0"/>
+                <a:cs typeface="Courier New" panose="02070309020205020404" pitchFamily="49" charset="0"/>
+              </a:rPr>
+              <a:t>(</a:t>
+            </a:r>
+            <a:r>
+              <a:rPr kumimoji="0" lang="pt-BR" altLang="pt-BR" sz="1500" b="0" i="0" u="none" strike="noStrike" cap="none" normalizeH="0" baseline="0" dirty="0" err="1">
+                <a:ln>
+                  <a:noFill/>
+                </a:ln>
+                <a:solidFill>
+                  <a:srgbClr val="000000"/>
+                </a:solidFill>
+                <a:effectLst/>
+                <a:latin typeface="Courier New" panose="02070309020205020404" pitchFamily="49" charset="0"/>
+                <a:cs typeface="Courier New" panose="02070309020205020404" pitchFamily="49" charset="0"/>
+              </a:rPr>
+              <a:t>task.isSuccessful</a:t>
+            </a:r>
+            <a:r>
+              <a:rPr kumimoji="0" lang="pt-BR" altLang="pt-BR" sz="1500" b="0" i="0" u="none" strike="noStrike" cap="none" normalizeH="0" baseline="0" dirty="0">
+                <a:ln>
+                  <a:noFill/>
+                </a:ln>
+                <a:solidFill>
+                  <a:srgbClr val="000000"/>
+                </a:solidFill>
+                <a:effectLst/>
+                <a:latin typeface="Courier New" panose="02070309020205020404" pitchFamily="49" charset="0"/>
+                <a:cs typeface="Courier New" panose="02070309020205020404" pitchFamily="49" charset="0"/>
+              </a:rPr>
+              <a:t>()) {</a:t>
+            </a:r>
+            <a:br>
+              <a:rPr kumimoji="0" lang="pt-BR" altLang="pt-BR" sz="1500" b="0" i="0" u="none" strike="noStrike" cap="none" normalizeH="0" baseline="0" dirty="0">
+                <a:ln>
+                  <a:noFill/>
+                </a:ln>
+                <a:solidFill>
+                  <a:srgbClr val="000000"/>
+                </a:solidFill>
+                <a:effectLst/>
+                <a:latin typeface="Courier New" panose="02070309020205020404" pitchFamily="49" charset="0"/>
+                <a:cs typeface="Courier New" panose="02070309020205020404" pitchFamily="49" charset="0"/>
+              </a:rPr>
+            </a:br>
+            <a:r>
+              <a:rPr kumimoji="0" lang="pt-BR" altLang="pt-BR" sz="1500" b="0" i="0" u="none" strike="noStrike" cap="none" normalizeH="0" baseline="0" dirty="0">
+                <a:ln>
+                  <a:noFill/>
+                </a:ln>
+                <a:solidFill>
+                  <a:srgbClr val="000000"/>
+                </a:solidFill>
+                <a:effectLst/>
+                <a:latin typeface="Courier New" panose="02070309020205020404" pitchFamily="49" charset="0"/>
+                <a:cs typeface="Courier New" panose="02070309020205020404" pitchFamily="49" charset="0"/>
+              </a:rPr>
+              <a:t>          </a:t>
+            </a:r>
+            <a:r>
+              <a:rPr kumimoji="0" lang="pt-BR" altLang="pt-BR" sz="1500" b="0" i="0" u="none" strike="noStrike" cap="none" normalizeH="0" baseline="0" dirty="0" err="1">
+                <a:ln>
+                  <a:noFill/>
+                </a:ln>
+                <a:solidFill>
+                  <a:srgbClr val="000000"/>
+                </a:solidFill>
+                <a:effectLst/>
+                <a:latin typeface="Courier New" panose="02070309020205020404" pitchFamily="49" charset="0"/>
+                <a:cs typeface="Courier New" panose="02070309020205020404" pitchFamily="49" charset="0"/>
+              </a:rPr>
+              <a:t>FirebaseUser</a:t>
+            </a:r>
+            <a:r>
+              <a:rPr kumimoji="0" lang="pt-BR" altLang="pt-BR" sz="1500" b="0" i="0" u="none" strike="noStrike" cap="none" normalizeH="0" baseline="0" dirty="0">
+                <a:ln>
+                  <a:noFill/>
+                </a:ln>
+                <a:solidFill>
+                  <a:srgbClr val="000000"/>
+                </a:solidFill>
+                <a:effectLst/>
+                <a:latin typeface="Courier New" panose="02070309020205020404" pitchFamily="49" charset="0"/>
+                <a:cs typeface="Courier New" panose="02070309020205020404" pitchFamily="49" charset="0"/>
+              </a:rPr>
+              <a:t> </a:t>
+            </a:r>
+            <a:r>
+              <a:rPr kumimoji="0" lang="pt-BR" altLang="pt-BR" sz="1500" b="0" i="0" u="none" strike="noStrike" cap="none" normalizeH="0" baseline="0" dirty="0" err="1">
+                <a:ln>
+                  <a:noFill/>
+                </a:ln>
+                <a:solidFill>
+                  <a:srgbClr val="000000"/>
+                </a:solidFill>
+                <a:effectLst/>
+                <a:latin typeface="Courier New" panose="02070309020205020404" pitchFamily="49" charset="0"/>
+                <a:cs typeface="Courier New" panose="02070309020205020404" pitchFamily="49" charset="0"/>
+              </a:rPr>
+              <a:t>firebaseUser</a:t>
+            </a:r>
+            <a:r>
+              <a:rPr kumimoji="0" lang="pt-BR" altLang="pt-BR" sz="1500" b="0" i="0" u="none" strike="noStrike" cap="none" normalizeH="0" baseline="0" dirty="0">
+                <a:ln>
+                  <a:noFill/>
+                </a:ln>
+                <a:solidFill>
+                  <a:srgbClr val="000000"/>
+                </a:solidFill>
+                <a:effectLst/>
+                <a:latin typeface="Courier New" panose="02070309020205020404" pitchFamily="49" charset="0"/>
+                <a:cs typeface="Courier New" panose="02070309020205020404" pitchFamily="49" charset="0"/>
+              </a:rPr>
+              <a:t> = </a:t>
+            </a:r>
+            <a:r>
+              <a:rPr kumimoji="0" lang="pt-BR" altLang="pt-BR" sz="1500" b="0" i="0" u="none" strike="noStrike" cap="none" normalizeH="0" baseline="0" dirty="0" err="1">
+                <a:ln>
+                  <a:noFill/>
+                </a:ln>
+                <a:solidFill>
+                  <a:srgbClr val="000000"/>
+                </a:solidFill>
+                <a:effectLst/>
+                <a:latin typeface="Courier New" panose="02070309020205020404" pitchFamily="49" charset="0"/>
+                <a:cs typeface="Courier New" panose="02070309020205020404" pitchFamily="49" charset="0"/>
+              </a:rPr>
+              <a:t>task.getResult</a:t>
+            </a:r>
+            <a:r>
+              <a:rPr kumimoji="0" lang="pt-BR" altLang="pt-BR" sz="1500" b="0" i="0" u="none" strike="noStrike" cap="none" normalizeH="0" baseline="0" dirty="0">
+                <a:ln>
+                  <a:noFill/>
+                </a:ln>
+                <a:solidFill>
+                  <a:srgbClr val="000000"/>
+                </a:solidFill>
+                <a:effectLst/>
+                <a:latin typeface="Courier New" panose="02070309020205020404" pitchFamily="49" charset="0"/>
+                <a:cs typeface="Courier New" panose="02070309020205020404" pitchFamily="49" charset="0"/>
+              </a:rPr>
+              <a:t>().</a:t>
+            </a:r>
+            <a:r>
+              <a:rPr kumimoji="0" lang="pt-BR" altLang="pt-BR" sz="1500" b="0" i="0" u="none" strike="noStrike" cap="none" normalizeH="0" baseline="0" dirty="0" err="1">
+                <a:ln>
+                  <a:noFill/>
+                </a:ln>
+                <a:solidFill>
+                  <a:srgbClr val="000000"/>
+                </a:solidFill>
+                <a:effectLst/>
+                <a:latin typeface="Courier New" panose="02070309020205020404" pitchFamily="49" charset="0"/>
+                <a:cs typeface="Courier New" panose="02070309020205020404" pitchFamily="49" charset="0"/>
+              </a:rPr>
+              <a:t>getUser</a:t>
+            </a:r>
+            <a:r>
+              <a:rPr kumimoji="0" lang="pt-BR" altLang="pt-BR" sz="1500" b="0" i="0" u="none" strike="noStrike" cap="none" normalizeH="0" baseline="0" dirty="0">
+                <a:ln>
+                  <a:noFill/>
+                </a:ln>
+                <a:solidFill>
+                  <a:srgbClr val="000000"/>
+                </a:solidFill>
+                <a:effectLst/>
+                <a:latin typeface="Courier New" panose="02070309020205020404" pitchFamily="49" charset="0"/>
+                <a:cs typeface="Courier New" panose="02070309020205020404" pitchFamily="49" charset="0"/>
+              </a:rPr>
+              <a:t>();</a:t>
+            </a:r>
+            <a:br>
+              <a:rPr kumimoji="0" lang="pt-BR" altLang="pt-BR" sz="1500" b="0" i="0" u="none" strike="noStrike" cap="none" normalizeH="0" baseline="0" dirty="0">
+                <a:ln>
+                  <a:noFill/>
+                </a:ln>
+                <a:solidFill>
+                  <a:srgbClr val="000000"/>
+                </a:solidFill>
+                <a:effectLst/>
+                <a:latin typeface="Courier New" panose="02070309020205020404" pitchFamily="49" charset="0"/>
+                <a:cs typeface="Courier New" panose="02070309020205020404" pitchFamily="49" charset="0"/>
+              </a:rPr>
+            </a:br>
+            <a:r>
+              <a:rPr kumimoji="0" lang="pt-BR" altLang="pt-BR" sz="1500" b="0" i="0" u="none" strike="noStrike" cap="none" normalizeH="0" baseline="0" dirty="0">
+                <a:ln>
+                  <a:noFill/>
+                </a:ln>
+                <a:solidFill>
+                  <a:srgbClr val="000000"/>
+                </a:solidFill>
+                <a:effectLst/>
+                <a:latin typeface="Courier New" panose="02070309020205020404" pitchFamily="49" charset="0"/>
+                <a:cs typeface="Courier New" panose="02070309020205020404" pitchFamily="49" charset="0"/>
+              </a:rPr>
+              <a:t>          </a:t>
+            </a:r>
+            <a:r>
+              <a:rPr kumimoji="0" lang="pt-BR" altLang="pt-BR" sz="1500" b="0" i="0" u="none" strike="noStrike" cap="none" normalizeH="0" baseline="0" dirty="0" err="1">
+                <a:ln>
+                  <a:noFill/>
+                </a:ln>
+                <a:solidFill>
+                  <a:srgbClr val="000000"/>
+                </a:solidFill>
+                <a:effectLst/>
+                <a:latin typeface="Courier New" panose="02070309020205020404" pitchFamily="49" charset="0"/>
+                <a:cs typeface="Courier New" panose="02070309020205020404" pitchFamily="49" charset="0"/>
+              </a:rPr>
+              <a:t>uploadPicture</a:t>
+            </a:r>
+            <a:r>
+              <a:rPr kumimoji="0" lang="pt-BR" altLang="pt-BR" sz="1500" b="0" i="0" u="none" strike="noStrike" cap="none" normalizeH="0" baseline="0" dirty="0">
+                <a:ln>
+                  <a:noFill/>
+                </a:ln>
+                <a:solidFill>
+                  <a:srgbClr val="000000"/>
+                </a:solidFill>
+                <a:effectLst/>
+                <a:latin typeface="Courier New" panose="02070309020205020404" pitchFamily="49" charset="0"/>
+                <a:cs typeface="Courier New" panose="02070309020205020404" pitchFamily="49" charset="0"/>
+              </a:rPr>
+              <a:t>(</a:t>
+            </a:r>
+            <a:r>
+              <a:rPr kumimoji="0" lang="pt-BR" altLang="pt-BR" sz="1500" b="0" i="0" u="none" strike="noStrike" cap="none" normalizeH="0" baseline="0" dirty="0" err="1">
+                <a:ln>
+                  <a:noFill/>
+                </a:ln>
+                <a:solidFill>
+                  <a:srgbClr val="000000"/>
+                </a:solidFill>
+                <a:effectLst/>
+                <a:latin typeface="Courier New" panose="02070309020205020404" pitchFamily="49" charset="0"/>
+                <a:cs typeface="Courier New" panose="02070309020205020404" pitchFamily="49" charset="0"/>
+              </a:rPr>
+              <a:t>firebaseUser</a:t>
+            </a:r>
+            <a:r>
+              <a:rPr kumimoji="0" lang="pt-BR" altLang="pt-BR" sz="1500" b="0" i="0" u="none" strike="noStrike" cap="none" normalizeH="0" baseline="0" dirty="0">
+                <a:ln>
+                  <a:noFill/>
+                </a:ln>
+                <a:solidFill>
+                  <a:srgbClr val="000000"/>
+                </a:solidFill>
+                <a:effectLst/>
+                <a:latin typeface="Courier New" panose="02070309020205020404" pitchFamily="49" charset="0"/>
+                <a:cs typeface="Courier New" panose="02070309020205020404" pitchFamily="49" charset="0"/>
+              </a:rPr>
+              <a:t>);</a:t>
+            </a:r>
+            <a:br>
+              <a:rPr kumimoji="0" lang="pt-BR" altLang="pt-BR" sz="1500" b="0" i="0" u="none" strike="noStrike" cap="none" normalizeH="0" baseline="0" dirty="0">
+                <a:ln>
+                  <a:noFill/>
+                </a:ln>
+                <a:solidFill>
+                  <a:srgbClr val="000000"/>
+                </a:solidFill>
+                <a:effectLst/>
+                <a:latin typeface="Courier New" panose="02070309020205020404" pitchFamily="49" charset="0"/>
+                <a:cs typeface="Courier New" panose="02070309020205020404" pitchFamily="49" charset="0"/>
+              </a:rPr>
+            </a:br>
+            <a:r>
+              <a:rPr kumimoji="0" lang="pt-BR" altLang="pt-BR" sz="1500" b="0" i="0" u="none" strike="noStrike" cap="none" normalizeH="0" baseline="0" dirty="0">
+                <a:ln>
+                  <a:noFill/>
+                </a:ln>
+                <a:solidFill>
+                  <a:srgbClr val="000000"/>
+                </a:solidFill>
+                <a:effectLst/>
+                <a:latin typeface="Courier New" panose="02070309020205020404" pitchFamily="49" charset="0"/>
+                <a:cs typeface="Courier New" panose="02070309020205020404" pitchFamily="49" charset="0"/>
+              </a:rPr>
+              <a:t>        } </a:t>
+            </a:r>
+            <a:r>
+              <a:rPr kumimoji="0" lang="pt-BR" altLang="pt-BR" sz="1500" b="1" i="0" u="none" strike="noStrike" cap="none" normalizeH="0" baseline="0" dirty="0" err="1">
+                <a:ln>
+                  <a:noFill/>
+                </a:ln>
+                <a:solidFill>
+                  <a:srgbClr val="000080"/>
+                </a:solidFill>
+                <a:effectLst/>
+                <a:latin typeface="Courier New" panose="02070309020205020404" pitchFamily="49" charset="0"/>
+                <a:cs typeface="Courier New" panose="02070309020205020404" pitchFamily="49" charset="0"/>
+              </a:rPr>
+              <a:t>else</a:t>
+            </a:r>
+            <a:r>
+              <a:rPr kumimoji="0" lang="pt-BR" altLang="pt-BR" sz="1500" b="1" i="0" u="none" strike="noStrike" cap="none" normalizeH="0" baseline="0" dirty="0">
+                <a:ln>
+                  <a:noFill/>
+                </a:ln>
+                <a:solidFill>
+                  <a:srgbClr val="000080"/>
+                </a:solidFill>
+                <a:effectLst/>
+                <a:latin typeface="Courier New" panose="02070309020205020404" pitchFamily="49" charset="0"/>
+                <a:cs typeface="Courier New" panose="02070309020205020404" pitchFamily="49" charset="0"/>
+              </a:rPr>
+              <a:t> </a:t>
+            </a:r>
+            <a:r>
+              <a:rPr kumimoji="0" lang="pt-BR" altLang="pt-BR" sz="1500" b="0" i="0" u="none" strike="noStrike" cap="none" normalizeH="0" baseline="0" dirty="0">
+                <a:ln>
+                  <a:noFill/>
+                </a:ln>
+                <a:solidFill>
+                  <a:srgbClr val="000000"/>
+                </a:solidFill>
+                <a:effectLst/>
+                <a:latin typeface="Courier New" panose="02070309020205020404" pitchFamily="49" charset="0"/>
+                <a:cs typeface="Courier New" panose="02070309020205020404" pitchFamily="49" charset="0"/>
+              </a:rPr>
+              <a:t>{</a:t>
+            </a:r>
+            <a:br>
+              <a:rPr kumimoji="0" lang="pt-BR" altLang="pt-BR" sz="1500" b="0" i="0" u="none" strike="noStrike" cap="none" normalizeH="0" baseline="0" dirty="0">
+                <a:ln>
+                  <a:noFill/>
+                </a:ln>
+                <a:solidFill>
+                  <a:srgbClr val="000000"/>
+                </a:solidFill>
+                <a:effectLst/>
+                <a:latin typeface="Courier New" panose="02070309020205020404" pitchFamily="49" charset="0"/>
+                <a:cs typeface="Courier New" panose="02070309020205020404" pitchFamily="49" charset="0"/>
+              </a:rPr>
+            </a:br>
+            <a:r>
+              <a:rPr kumimoji="0" lang="pt-BR" altLang="pt-BR" sz="1500" b="0" i="0" u="none" strike="noStrike" cap="none" normalizeH="0" baseline="0" dirty="0">
+                <a:ln>
+                  <a:noFill/>
+                </a:ln>
+                <a:solidFill>
+                  <a:srgbClr val="000000"/>
+                </a:solidFill>
+                <a:effectLst/>
+                <a:latin typeface="Courier New" panose="02070309020205020404" pitchFamily="49" charset="0"/>
+                <a:cs typeface="Courier New" panose="02070309020205020404" pitchFamily="49" charset="0"/>
+              </a:rPr>
+              <a:t>           // </a:t>
+            </a:r>
+            <a:r>
+              <a:rPr kumimoji="0" lang="pt-BR" altLang="pt-BR" sz="1500" b="0" i="0" u="none" strike="noStrike" cap="none" normalizeH="0" baseline="0" dirty="0" err="1">
+                <a:ln>
+                  <a:noFill/>
+                </a:ln>
+                <a:solidFill>
+                  <a:srgbClr val="000000"/>
+                </a:solidFill>
+                <a:effectLst/>
+                <a:latin typeface="Courier New" panose="02070309020205020404" pitchFamily="49" charset="0"/>
+                <a:cs typeface="Courier New" panose="02070309020205020404" pitchFamily="49" charset="0"/>
+              </a:rPr>
+              <a:t>Handle</a:t>
+            </a:r>
+            <a:r>
+              <a:rPr kumimoji="0" lang="pt-BR" altLang="pt-BR" sz="1500" b="0" i="0" u="none" strike="noStrike" cap="none" normalizeH="0" baseline="0" dirty="0">
+                <a:ln>
+                  <a:noFill/>
+                </a:ln>
+                <a:solidFill>
+                  <a:srgbClr val="000000"/>
+                </a:solidFill>
+                <a:effectLst/>
+                <a:latin typeface="Courier New" panose="02070309020205020404" pitchFamily="49" charset="0"/>
+                <a:cs typeface="Courier New" panose="02070309020205020404" pitchFamily="49" charset="0"/>
+              </a:rPr>
+              <a:t> </a:t>
+            </a:r>
+            <a:r>
+              <a:rPr kumimoji="0" lang="pt-BR" altLang="pt-BR" sz="1500" b="0" i="0" u="none" strike="noStrike" cap="none" normalizeH="0" baseline="0" dirty="0" err="1">
+                <a:ln>
+                  <a:noFill/>
+                </a:ln>
+                <a:solidFill>
+                  <a:srgbClr val="000000"/>
+                </a:solidFill>
+                <a:effectLst/>
+                <a:latin typeface="Courier New" panose="02070309020205020404" pitchFamily="49" charset="0"/>
+                <a:cs typeface="Courier New" panose="02070309020205020404" pitchFamily="49" charset="0"/>
+              </a:rPr>
+              <a:t>error</a:t>
+            </a:r>
+            <a:br>
+              <a:rPr kumimoji="0" lang="pt-BR" altLang="pt-BR" sz="1500" b="0" i="0" u="none" strike="noStrike" cap="none" normalizeH="0" baseline="0" dirty="0">
+                <a:ln>
+                  <a:noFill/>
+                </a:ln>
+                <a:solidFill>
+                  <a:srgbClr val="000000"/>
+                </a:solidFill>
+                <a:effectLst/>
+                <a:latin typeface="Courier New" panose="02070309020205020404" pitchFamily="49" charset="0"/>
+                <a:cs typeface="Courier New" panose="02070309020205020404" pitchFamily="49" charset="0"/>
+              </a:rPr>
+            </a:br>
+            <a:r>
+              <a:rPr kumimoji="0" lang="pt-BR" altLang="pt-BR" sz="1500" b="0" i="0" u="none" strike="noStrike" cap="none" normalizeH="0" baseline="0" dirty="0">
+                <a:ln>
+                  <a:noFill/>
+                </a:ln>
+                <a:solidFill>
+                  <a:srgbClr val="000000"/>
+                </a:solidFill>
+                <a:effectLst/>
+                <a:latin typeface="Courier New" panose="02070309020205020404" pitchFamily="49" charset="0"/>
+                <a:cs typeface="Courier New" panose="02070309020205020404" pitchFamily="49" charset="0"/>
+              </a:rPr>
+              <a:t>        }</a:t>
+            </a:r>
+            <a:br>
+              <a:rPr kumimoji="0" lang="pt-BR" altLang="pt-BR" sz="1500" b="0" i="0" u="none" strike="noStrike" cap="none" normalizeH="0" baseline="0" dirty="0">
+                <a:ln>
+                  <a:noFill/>
+                </a:ln>
+                <a:solidFill>
+                  <a:srgbClr val="000000"/>
+                </a:solidFill>
+                <a:effectLst/>
+                <a:latin typeface="Courier New" panose="02070309020205020404" pitchFamily="49" charset="0"/>
+                <a:cs typeface="Courier New" panose="02070309020205020404" pitchFamily="49" charset="0"/>
+              </a:rPr>
+            </a:br>
+            <a:r>
+              <a:rPr kumimoji="0" lang="pt-BR" altLang="pt-BR" sz="1500" b="0" i="0" u="none" strike="noStrike" cap="none" normalizeH="0" baseline="0" dirty="0">
+                <a:ln>
+                  <a:noFill/>
+                </a:ln>
+                <a:solidFill>
+                  <a:srgbClr val="000000"/>
+                </a:solidFill>
+                <a:effectLst/>
+                <a:latin typeface="Courier New" panose="02070309020205020404" pitchFamily="49" charset="0"/>
+                <a:cs typeface="Courier New" panose="02070309020205020404" pitchFamily="49" charset="0"/>
+              </a:rPr>
+              <a:t>      }</a:t>
+            </a:r>
+            <a:br>
+              <a:rPr kumimoji="0" lang="pt-BR" altLang="pt-BR" sz="1500" b="0" i="0" u="none" strike="noStrike" cap="none" normalizeH="0" baseline="0" dirty="0">
+                <a:ln>
+                  <a:noFill/>
+                </a:ln>
+                <a:solidFill>
+                  <a:srgbClr val="000000"/>
+                </a:solidFill>
+                <a:effectLst/>
+                <a:latin typeface="Courier New" panose="02070309020205020404" pitchFamily="49" charset="0"/>
+                <a:cs typeface="Courier New" panose="02070309020205020404" pitchFamily="49" charset="0"/>
+              </a:rPr>
+            </a:br>
+            <a:r>
+              <a:rPr kumimoji="0" lang="pt-BR" altLang="pt-BR" sz="1500" b="0" i="0" u="none" strike="noStrike" cap="none" normalizeH="0" baseline="0" dirty="0">
+                <a:ln>
+                  <a:noFill/>
+                </a:ln>
+                <a:solidFill>
+                  <a:srgbClr val="000000"/>
+                </a:solidFill>
+                <a:effectLst/>
+                <a:latin typeface="Courier New" panose="02070309020205020404" pitchFamily="49" charset="0"/>
+                <a:cs typeface="Courier New" panose="02070309020205020404" pitchFamily="49" charset="0"/>
+              </a:rPr>
+              <a:t>  });</a:t>
+            </a:r>
+            <a:endParaRPr kumimoji="0" lang="pt-BR" altLang="pt-BR" sz="1500" b="0" i="0" u="none" strike="noStrike" cap="none" normalizeH="0" baseline="0" dirty="0">
+              <a:ln>
+                <a:noFill/>
+              </a:ln>
+              <a:solidFill>
+                <a:schemeClr val="tx1"/>
+              </a:solidFill>
+              <a:effectLst/>
+              <a:latin typeface="Arial" panose="020B0604020202020204" pitchFamily="34" charset="0"/>
+            </a:endParaRPr>
+          </a:p>
+        </p:txBody>
+      </p:sp>
+      <p:pic>
+        <p:nvPicPr>
+          <p:cNvPr id="8" name="Imagem 7">
+            <a:extLst>
+              <a:ext uri="{FF2B5EF4-FFF2-40B4-BE49-F238E27FC236}">
+                <a16:creationId xmlns:a16="http://schemas.microsoft.com/office/drawing/2014/main" id="{26B21A67-C58D-44D2-8F18-56D72C5A33CA}"/>
+              </a:ext>
+            </a:extLst>
+          </p:cNvPr>
+          <p:cNvPicPr>
+            <a:picLocks noChangeAspect="1"/>
+          </p:cNvPicPr>
+          <p:nvPr/>
+        </p:nvPicPr>
+        <p:blipFill>
+          <a:blip r:embed="rId2">
+            <a:extLst>
+              <a:ext uri="{28A0092B-C50C-407E-A947-70E740481C1C}">
+                <a14:useLocalDpi xmlns:a14="http://schemas.microsoft.com/office/drawing/2010/main" val="0"/>
+              </a:ext>
+            </a:extLst>
+          </a:blip>
+          <a:stretch>
+            <a:fillRect/>
+          </a:stretch>
+        </p:blipFill>
+        <p:spPr>
+          <a:xfrm>
+            <a:off x="8334375" y="0"/>
+            <a:ext cx="3857625" cy="6858000"/>
+          </a:xfrm>
+          <a:prstGeom prst="rect">
+            <a:avLst/>
+          </a:prstGeom>
+        </p:spPr>
+      </p:pic>
+    </p:spTree>
+    <p:extLst>
+      <p:ext uri="{BB962C8B-B14F-4D97-AF65-F5344CB8AC3E}">
+        <p14:creationId xmlns:p14="http://schemas.microsoft.com/office/powerpoint/2010/main" val="3020758369"/>
+      </p:ext>
+    </p:extLst>
+  </p:cSld>
+  <p:clrMapOvr>
+    <a:masterClrMapping/>
+  </p:clrMapOvr>
+</p:sld>
+</file>
+
+<file path=ppt/slides/slide13.xml><?xml version="1.0" encoding="utf-8"?>
+<p:sld xmlns:a="http://schemas.openxmlformats.org/drawingml/2006/main" xmlns:r="http://schemas.openxmlformats.org/officeDocument/2006/relationships" xmlns:p="http://schemas.openxmlformats.org/presentationml/2006/main">
+  <p:cSld>
+    <p:spTree>
+      <p:nvGrpSpPr>
+        <p:cNvPr id="1" name=""/>
+        <p:cNvGrpSpPr/>
+        <p:nvPr/>
+      </p:nvGrpSpPr>
+      <p:grpSpPr>
+        <a:xfrm>
+          <a:off x="0" y="0"/>
+          <a:ext cx="0" cy="0"/>
+          <a:chOff x="0" y="0"/>
+          <a:chExt cx="0" cy="0"/>
+        </a:xfrm>
+      </p:grpSpPr>
+      <p:sp>
+        <p:nvSpPr>
+          <p:cNvPr id="2" name="CaixaDeTexto 1">
+            <a:extLst>
+              <a:ext uri="{FF2B5EF4-FFF2-40B4-BE49-F238E27FC236}">
+                <a16:creationId xmlns:a16="http://schemas.microsoft.com/office/drawing/2014/main" id="{40901D67-8F3F-411C-B4AD-F0E78CB1D8CA}"/>
+              </a:ext>
+            </a:extLst>
+          </p:cNvPr>
+          <p:cNvSpPr txBox="1"/>
+          <p:nvPr/>
+        </p:nvSpPr>
+        <p:spPr>
+          <a:xfrm>
+            <a:off x="399245" y="540913"/>
+            <a:ext cx="5241701" cy="646331"/>
+          </a:xfrm>
+          <a:prstGeom prst="rect">
+            <a:avLst/>
+          </a:prstGeom>
+          <a:noFill/>
+        </p:spPr>
+        <p:txBody>
+          <a:bodyPr wrap="square" rtlCol="0">
+            <a:spAutoFit/>
+          </a:bodyPr>
+          <a:lstStyle/>
+          <a:p>
+            <a:r>
+              <a:rPr lang="pt-BR" sz="3600" dirty="0">
+                <a:solidFill>
+                  <a:srgbClr val="343434"/>
+                </a:solidFill>
+                <a:latin typeface="Gotham Rounded Medium" pitchFamily="50" charset="0"/>
+              </a:rPr>
+              <a:t>Armazenamento</a:t>
+            </a:r>
+          </a:p>
+        </p:txBody>
+      </p:sp>
+      <p:sp>
+        <p:nvSpPr>
+          <p:cNvPr id="5" name="Rectangle 2">
+            <a:extLst>
+              <a:ext uri="{FF2B5EF4-FFF2-40B4-BE49-F238E27FC236}">
+                <a16:creationId xmlns:a16="http://schemas.microsoft.com/office/drawing/2014/main" id="{D320CC24-92D8-4DE5-BA89-1C9414FEF140}"/>
+              </a:ext>
+            </a:extLst>
+          </p:cNvPr>
+          <p:cNvSpPr>
+            <a:spLocks noChangeArrowheads="1"/>
+          </p:cNvSpPr>
+          <p:nvPr/>
+        </p:nvSpPr>
+        <p:spPr bwMode="auto">
+          <a:xfrm>
+            <a:off x="399245" y="1760768"/>
+            <a:ext cx="10135673" cy="1971309"/>
+          </a:xfrm>
+          <a:prstGeom prst="rect">
+            <a:avLst/>
+          </a:prstGeom>
+          <a:noFill/>
+          <a:ln>
+            <a:noFill/>
+          </a:ln>
+          <a:effectLst/>
+          <a:extLst>
+            <a:ext uri="{909E8E84-426E-40DD-AFC4-6F175D3DCCD1}">
+              <a14:hiddenFill xmlns:a14="http://schemas.microsoft.com/office/drawing/2010/main">
+                <a:solidFill>
+                  <a:schemeClr val="accent1"/>
+                </a:solidFill>
+              </a14:hiddenFill>
+            </a:ext>
+            <a:ext uri="{91240B29-F687-4F45-9708-019B960494DF}">
+              <a14:hiddenLine xmlns:a14="http://schemas.microsoft.com/office/drawing/2010/main" w="9525">
+                <a:solidFill>
+                  <a:schemeClr val="tx1"/>
+                </a:solidFill>
+                <a:miter lim="800000"/>
+                <a:headEnd/>
+                <a:tailEnd/>
+              </a14:hiddenLine>
+            </a:ext>
+            <a:ext uri="{AF507438-7753-43E0-B8FC-AC1667EBCBE1}">
+              <a14:hiddenEffects xmlns:a14="http://schemas.microsoft.com/office/drawing/2010/main">
+                <a:effectLst>
+                  <a:outerShdw dist="35921" dir="2700000" algn="ctr" rotWithShape="0">
+                    <a:schemeClr val="bg2"/>
+                  </a:outerShdw>
+                </a:effectLst>
+              </a14:hiddenEffects>
+            </a:ext>
+          </a:extLst>
+        </p:spPr>
+        <p:txBody>
+          <a:bodyPr vert="horz" wrap="square" lIns="0" tIns="0" rIns="0" bIns="0" numCol="1" anchor="ctr" anchorCtr="0" compatLnSpc="1">
+            <a:prstTxWarp prst="textNoShape">
+              <a:avLst/>
+            </a:prstTxWarp>
+            <a:spAutoFit/>
+          </a:bodyPr>
+          <a:lstStyle/>
+          <a:p>
+            <a:pPr marL="285750" lvl="0" indent="-285750" eaLnBrk="0" fontAlgn="base" hangingPunct="0">
+              <a:lnSpc>
+                <a:spcPct val="250000"/>
+              </a:lnSpc>
+              <a:spcBef>
+                <a:spcPct val="0"/>
+              </a:spcBef>
+              <a:spcAft>
+                <a:spcPct val="0"/>
+              </a:spcAft>
+              <a:buFont typeface="Arial" panose="020B0604020202020204" pitchFamily="34" charset="0"/>
+              <a:buChar char="•"/>
+            </a:pPr>
+            <a:r>
+              <a:rPr lang="pt-BR" sz="2800" dirty="0">
+                <a:solidFill>
+                  <a:srgbClr val="343434"/>
+                </a:solidFill>
+                <a:latin typeface="Gotham Rounded Light" pitchFamily="50" charset="0"/>
+              </a:rPr>
+              <a:t>Criado para armazenar arquivos gerado pelos usuários</a:t>
+            </a:r>
+          </a:p>
+          <a:p>
+            <a:pPr marL="285750" lvl="0" indent="-285750" eaLnBrk="0" fontAlgn="base" hangingPunct="0">
+              <a:lnSpc>
+                <a:spcPct val="250000"/>
+              </a:lnSpc>
+              <a:spcBef>
+                <a:spcPct val="0"/>
+              </a:spcBef>
+              <a:spcAft>
+                <a:spcPct val="0"/>
+              </a:spcAft>
+              <a:buFont typeface="Arial" panose="020B0604020202020204" pitchFamily="34" charset="0"/>
+              <a:buChar char="•"/>
+            </a:pPr>
+            <a:r>
+              <a:rPr lang="pt-BR" sz="2800" dirty="0">
+                <a:solidFill>
+                  <a:srgbClr val="343434"/>
+                </a:solidFill>
+                <a:latin typeface="Gotham Rounded Light" pitchFamily="50" charset="0"/>
+              </a:rPr>
+              <a:t>Upload e download seguros</a:t>
+            </a:r>
+          </a:p>
+        </p:txBody>
+      </p:sp>
+    </p:spTree>
+    <p:extLst>
+      <p:ext uri="{BB962C8B-B14F-4D97-AF65-F5344CB8AC3E}">
+        <p14:creationId xmlns:p14="http://schemas.microsoft.com/office/powerpoint/2010/main" val="2342470331"/>
+      </p:ext>
+    </p:extLst>
+  </p:cSld>
+  <p:clrMapOvr>
+    <a:masterClrMapping/>
+  </p:clrMapOvr>
+</p:sld>
+</file>
+
+<file path=ppt/slides/slide14.xml><?xml version="1.0" encoding="utf-8"?>
+<p:sld xmlns:a="http://schemas.openxmlformats.org/drawingml/2006/main" xmlns:r="http://schemas.openxmlformats.org/officeDocument/2006/relationships" xmlns:p="http://schemas.openxmlformats.org/presentationml/2006/main">
+  <p:cSld>
+    <p:spTree>
+      <p:nvGrpSpPr>
+        <p:cNvPr id="1" name=""/>
+        <p:cNvGrpSpPr/>
+        <p:nvPr/>
+      </p:nvGrpSpPr>
+      <p:grpSpPr>
+        <a:xfrm>
+          <a:off x="0" y="0"/>
+          <a:ext cx="0" cy="0"/>
+          <a:chOff x="0" y="0"/>
+          <a:chExt cx="0" cy="0"/>
+        </a:xfrm>
+      </p:grpSpPr>
+      <p:sp>
+        <p:nvSpPr>
+          <p:cNvPr id="2" name="CaixaDeTexto 1">
+            <a:extLst>
+              <a:ext uri="{FF2B5EF4-FFF2-40B4-BE49-F238E27FC236}">
+                <a16:creationId xmlns:a16="http://schemas.microsoft.com/office/drawing/2014/main" id="{40901D67-8F3F-411C-B4AD-F0E78CB1D8CA}"/>
+              </a:ext>
+            </a:extLst>
+          </p:cNvPr>
+          <p:cNvSpPr txBox="1"/>
+          <p:nvPr/>
+        </p:nvSpPr>
+        <p:spPr>
+          <a:xfrm>
+            <a:off x="399245" y="540913"/>
+            <a:ext cx="5241701" cy="646331"/>
+          </a:xfrm>
+          <a:prstGeom prst="rect">
+            <a:avLst/>
+          </a:prstGeom>
+          <a:noFill/>
+        </p:spPr>
+        <p:txBody>
+          <a:bodyPr wrap="square" rtlCol="0">
+            <a:spAutoFit/>
+          </a:bodyPr>
+          <a:lstStyle/>
+          <a:p>
+            <a:r>
+              <a:rPr lang="pt-BR" sz="3600" dirty="0">
+                <a:solidFill>
+                  <a:srgbClr val="343434"/>
+                </a:solidFill>
+                <a:latin typeface="Gotham Rounded Medium" pitchFamily="50" charset="0"/>
+              </a:rPr>
+              <a:t>Armazenamento</a:t>
+            </a:r>
+          </a:p>
+        </p:txBody>
+      </p:sp>
+      <p:pic>
+        <p:nvPicPr>
+          <p:cNvPr id="4" name="Imagem 3">
+            <a:extLst>
+              <a:ext uri="{FF2B5EF4-FFF2-40B4-BE49-F238E27FC236}">
+                <a16:creationId xmlns:a16="http://schemas.microsoft.com/office/drawing/2014/main" id="{A6B0B773-74D0-49DD-8395-E4726BA8C315}"/>
+              </a:ext>
+            </a:extLst>
+          </p:cNvPr>
+          <p:cNvPicPr>
+            <a:picLocks noChangeAspect="1"/>
+          </p:cNvPicPr>
+          <p:nvPr/>
+        </p:nvPicPr>
+        <p:blipFill>
+          <a:blip r:embed="rId2">
+            <a:extLst>
+              <a:ext uri="{28A0092B-C50C-407E-A947-70E740481C1C}">
+                <a14:useLocalDpi xmlns:a14="http://schemas.microsoft.com/office/drawing/2010/main" val="0"/>
+              </a:ext>
+            </a:extLst>
+          </a:blip>
+          <a:stretch>
+            <a:fillRect/>
+          </a:stretch>
+        </p:blipFill>
+        <p:spPr>
+          <a:xfrm>
+            <a:off x="8334375" y="0"/>
+            <a:ext cx="3857625" cy="6858000"/>
+          </a:xfrm>
+          <a:prstGeom prst="rect">
+            <a:avLst/>
+          </a:prstGeom>
+        </p:spPr>
+      </p:pic>
+      <p:sp>
+        <p:nvSpPr>
+          <p:cNvPr id="5" name="Rectangle 2">
+            <a:extLst>
+              <a:ext uri="{FF2B5EF4-FFF2-40B4-BE49-F238E27FC236}">
+                <a16:creationId xmlns:a16="http://schemas.microsoft.com/office/drawing/2014/main" id="{D320CC24-92D8-4DE5-BA89-1C9414FEF140}"/>
+              </a:ext>
+            </a:extLst>
+          </p:cNvPr>
+          <p:cNvSpPr>
+            <a:spLocks noChangeArrowheads="1"/>
+          </p:cNvSpPr>
+          <p:nvPr/>
+        </p:nvSpPr>
+        <p:spPr bwMode="auto">
+          <a:xfrm>
+            <a:off x="399245" y="1719277"/>
+            <a:ext cx="7935130" cy="276999"/>
+          </a:xfrm>
+          <a:prstGeom prst="rect">
+            <a:avLst/>
+          </a:prstGeom>
+          <a:noFill/>
+          <a:ln>
+            <a:noFill/>
+          </a:ln>
+          <a:effectLst/>
+          <a:extLst>
+            <a:ext uri="{909E8E84-426E-40DD-AFC4-6F175D3DCCD1}">
+              <a14:hiddenFill xmlns:a14="http://schemas.microsoft.com/office/drawing/2010/main">
+                <a:solidFill>
+                  <a:schemeClr val="accent1"/>
+                </a:solidFill>
+              </a14:hiddenFill>
+            </a:ext>
+            <a:ext uri="{91240B29-F687-4F45-9708-019B960494DF}">
+              <a14:hiddenLine xmlns:a14="http://schemas.microsoft.com/office/drawing/2010/main" w="9525">
+                <a:solidFill>
+                  <a:schemeClr val="tx1"/>
+                </a:solidFill>
+                <a:miter lim="800000"/>
+                <a:headEnd/>
+                <a:tailEnd/>
+              </a14:hiddenLine>
+            </a:ext>
+            <a:ext uri="{AF507438-7753-43E0-B8FC-AC1667EBCBE1}">
+              <a14:hiddenEffects xmlns:a14="http://schemas.microsoft.com/office/drawing/2010/main">
+                <a:effectLst>
+                  <a:outerShdw dist="35921" dir="2700000" algn="ctr" rotWithShape="0">
+                    <a:schemeClr val="bg2"/>
+                  </a:outerShdw>
+                </a:effectLst>
+              </a14:hiddenEffects>
+            </a:ext>
+          </a:extLst>
+        </p:spPr>
+        <p:txBody>
+          <a:bodyPr vert="horz" wrap="square" lIns="0" tIns="0" rIns="0" bIns="0" numCol="1" anchor="ctr" anchorCtr="0" compatLnSpc="1">
+            <a:prstTxWarp prst="textNoShape">
+              <a:avLst/>
+            </a:prstTxWarp>
+            <a:spAutoFit/>
+          </a:bodyPr>
+          <a:lstStyle/>
+          <a:p>
+            <a:pPr lvl="0" eaLnBrk="0" fontAlgn="base" hangingPunct="0">
+              <a:spcBef>
+                <a:spcPct val="0"/>
+              </a:spcBef>
+              <a:spcAft>
+                <a:spcPct val="0"/>
+              </a:spcAft>
+            </a:pPr>
+            <a:r>
+              <a:rPr lang="pt-BR" dirty="0">
+                <a:solidFill>
+                  <a:srgbClr val="343434"/>
+                </a:solidFill>
+                <a:latin typeface="Gotham Rounded Light" pitchFamily="50" charset="0"/>
+                <a:cs typeface="Courier New" panose="02070309020205020404" pitchFamily="49" charset="0"/>
+              </a:rPr>
+              <a:t>RegisterUserActivity.java</a:t>
+            </a:r>
+            <a:endParaRPr lang="pt-BR" dirty="0">
+              <a:solidFill>
+                <a:srgbClr val="343434"/>
+              </a:solidFill>
+              <a:latin typeface="Gotham Rounded Light" pitchFamily="50" charset="0"/>
+            </a:endParaRPr>
+          </a:p>
+        </p:txBody>
+      </p:sp>
+      <p:sp>
+        <p:nvSpPr>
+          <p:cNvPr id="3" name="Rectangle 1">
+            <a:extLst>
+              <a:ext uri="{FF2B5EF4-FFF2-40B4-BE49-F238E27FC236}">
+                <a16:creationId xmlns:a16="http://schemas.microsoft.com/office/drawing/2014/main" id="{CCA09DB0-9D1F-4376-930D-486EDEC9A209}"/>
+              </a:ext>
+            </a:extLst>
+          </p:cNvPr>
+          <p:cNvSpPr>
+            <a:spLocks noChangeArrowheads="1"/>
+          </p:cNvSpPr>
+          <p:nvPr/>
+        </p:nvSpPr>
+        <p:spPr bwMode="auto">
+          <a:xfrm>
+            <a:off x="399245" y="2266700"/>
+            <a:ext cx="7443989" cy="523220"/>
+          </a:xfrm>
+          <a:prstGeom prst="rect">
+            <a:avLst/>
+          </a:prstGeom>
+          <a:noFill/>
+          <a:ln>
+            <a:noFill/>
+          </a:ln>
+          <a:effectLst/>
+        </p:spPr>
+        <p:txBody>
+          <a:bodyPr vert="horz" wrap="square" lIns="91440" tIns="45720" rIns="91440" bIns="45720" numCol="1" anchor="ctr" anchorCtr="0" compatLnSpc="1">
+            <a:prstTxWarp prst="textNoShape">
+              <a:avLst/>
+            </a:prstTxWarp>
+            <a:spAutoFit/>
+          </a:bodyPr>
+          <a:lstStyle/>
+          <a:p>
+            <a:pPr marL="0" marR="0" lvl="0" indent="0" algn="l" defTabSz="914400" rtl="0" eaLnBrk="0" fontAlgn="base" latinLnBrk="0" hangingPunct="0">
+              <a:lnSpc>
+                <a:spcPct val="100000"/>
+              </a:lnSpc>
+              <a:spcBef>
+                <a:spcPct val="0"/>
+              </a:spcBef>
+              <a:spcAft>
+                <a:spcPct val="0"/>
+              </a:spcAft>
+              <a:buClrTx/>
+              <a:buSzTx/>
+              <a:buFontTx/>
+              <a:buNone/>
+              <a:tabLst/>
+            </a:pPr>
+            <a:r>
+              <a:rPr kumimoji="0" lang="pt-BR" altLang="pt-BR" sz="1400" b="0" i="0" u="none" strike="noStrike" cap="none" normalizeH="0" baseline="0">
+                <a:ln>
+                  <a:noFill/>
+                </a:ln>
+                <a:solidFill>
+                  <a:srgbClr val="000000"/>
+                </a:solidFill>
+                <a:effectLst/>
+                <a:latin typeface="Courier New" panose="02070309020205020404" pitchFamily="49" charset="0"/>
+                <a:cs typeface="Courier New" panose="02070309020205020404" pitchFamily="49" charset="0"/>
+              </a:rPr>
+              <a:t>FirebaseStorage </a:t>
+            </a:r>
+            <a:r>
+              <a:rPr kumimoji="0" lang="pt-BR" altLang="pt-BR" sz="1400" b="1" i="0" u="none" strike="noStrike" cap="none" normalizeH="0" baseline="0">
+                <a:ln>
+                  <a:noFill/>
+                </a:ln>
+                <a:solidFill>
+                  <a:srgbClr val="660E7A"/>
+                </a:solidFill>
+                <a:effectLst/>
+                <a:latin typeface="Courier New" panose="02070309020205020404" pitchFamily="49" charset="0"/>
+                <a:cs typeface="Courier New" panose="02070309020205020404" pitchFamily="49" charset="0"/>
+              </a:rPr>
+              <a:t>storage </a:t>
+            </a:r>
+            <a:r>
+              <a:rPr kumimoji="0" lang="pt-BR" altLang="pt-BR" sz="1400" b="0" i="0" u="none" strike="noStrike" cap="none" normalizeH="0" baseline="0">
+                <a:ln>
+                  <a:noFill/>
+                </a:ln>
+                <a:solidFill>
+                  <a:srgbClr val="000000"/>
+                </a:solidFill>
+                <a:effectLst/>
+                <a:latin typeface="Courier New" panose="02070309020205020404" pitchFamily="49" charset="0"/>
+                <a:cs typeface="Courier New" panose="02070309020205020404" pitchFamily="49" charset="0"/>
+              </a:rPr>
+              <a:t>= FirebaseStorage.</a:t>
+            </a:r>
+            <a:r>
+              <a:rPr kumimoji="0" lang="pt-BR" altLang="pt-BR" sz="1400" b="0" i="1" u="none" strike="noStrike" cap="none" normalizeH="0" baseline="0">
+                <a:ln>
+                  <a:noFill/>
+                </a:ln>
+                <a:solidFill>
+                  <a:srgbClr val="000000"/>
+                </a:solidFill>
+                <a:effectLst/>
+                <a:latin typeface="Courier New" panose="02070309020205020404" pitchFamily="49" charset="0"/>
+                <a:cs typeface="Courier New" panose="02070309020205020404" pitchFamily="49" charset="0"/>
+              </a:rPr>
+              <a:t>getInstance</a:t>
+            </a:r>
+            <a:r>
+              <a:rPr kumimoji="0" lang="pt-BR" altLang="pt-BR" sz="1400" b="0" i="0" u="none" strike="noStrike" cap="none" normalizeH="0" baseline="0">
+                <a:ln>
+                  <a:noFill/>
+                </a:ln>
+                <a:solidFill>
+                  <a:srgbClr val="000000"/>
+                </a:solidFill>
+                <a:effectLst/>
+                <a:latin typeface="Courier New" panose="02070309020205020404" pitchFamily="49" charset="0"/>
+                <a:cs typeface="Courier New" panose="02070309020205020404" pitchFamily="49" charset="0"/>
+              </a:rPr>
+              <a:t>();</a:t>
+            </a:r>
+            <a:br>
+              <a:rPr kumimoji="0" lang="pt-BR" altLang="pt-BR" sz="1400" b="0" i="0" u="none" strike="noStrike" cap="none" normalizeH="0" baseline="0">
+                <a:ln>
+                  <a:noFill/>
+                </a:ln>
+                <a:solidFill>
+                  <a:srgbClr val="000000"/>
+                </a:solidFill>
+                <a:effectLst/>
+                <a:latin typeface="Courier New" panose="02070309020205020404" pitchFamily="49" charset="0"/>
+                <a:cs typeface="Courier New" panose="02070309020205020404" pitchFamily="49" charset="0"/>
+              </a:rPr>
+            </a:br>
+            <a:r>
+              <a:rPr kumimoji="0" lang="pt-BR" altLang="pt-BR" sz="1400" b="0" i="0" u="none" strike="noStrike" cap="none" normalizeH="0" baseline="0">
+                <a:ln>
+                  <a:noFill/>
+                </a:ln>
+                <a:solidFill>
+                  <a:srgbClr val="000000"/>
+                </a:solidFill>
+                <a:effectLst/>
+                <a:latin typeface="Courier New" panose="02070309020205020404" pitchFamily="49" charset="0"/>
+                <a:cs typeface="Courier New" panose="02070309020205020404" pitchFamily="49" charset="0"/>
+              </a:rPr>
+              <a:t>StorageReference </a:t>
+            </a:r>
+            <a:r>
+              <a:rPr kumimoji="0" lang="pt-BR" altLang="pt-BR" sz="1400" b="1" i="0" u="none" strike="noStrike" cap="none" normalizeH="0" baseline="0">
+                <a:ln>
+                  <a:noFill/>
+                </a:ln>
+                <a:solidFill>
+                  <a:srgbClr val="660E7A"/>
+                </a:solidFill>
+                <a:effectLst/>
+                <a:latin typeface="Courier New" panose="02070309020205020404" pitchFamily="49" charset="0"/>
+                <a:cs typeface="Courier New" panose="02070309020205020404" pitchFamily="49" charset="0"/>
+              </a:rPr>
+              <a:t>imagesRef </a:t>
+            </a:r>
+            <a:r>
+              <a:rPr kumimoji="0" lang="pt-BR" altLang="pt-BR" sz="1400" b="0" i="0" u="none" strike="noStrike" cap="none" normalizeH="0" baseline="0">
+                <a:ln>
+                  <a:noFill/>
+                </a:ln>
+                <a:solidFill>
+                  <a:srgbClr val="000000"/>
+                </a:solidFill>
+                <a:effectLst/>
+                <a:latin typeface="Courier New" panose="02070309020205020404" pitchFamily="49" charset="0"/>
+                <a:cs typeface="Courier New" panose="02070309020205020404" pitchFamily="49" charset="0"/>
+              </a:rPr>
+              <a:t>= </a:t>
+            </a:r>
+            <a:r>
+              <a:rPr kumimoji="0" lang="pt-BR" altLang="pt-BR" sz="1400" b="1" i="0" u="none" strike="noStrike" cap="none" normalizeH="0" baseline="0">
+                <a:ln>
+                  <a:noFill/>
+                </a:ln>
+                <a:solidFill>
+                  <a:srgbClr val="660E7A"/>
+                </a:solidFill>
+                <a:effectLst/>
+                <a:latin typeface="Courier New" panose="02070309020205020404" pitchFamily="49" charset="0"/>
+                <a:cs typeface="Courier New" panose="02070309020205020404" pitchFamily="49" charset="0"/>
+              </a:rPr>
+              <a:t>storage</a:t>
+            </a:r>
+            <a:r>
+              <a:rPr kumimoji="0" lang="pt-BR" altLang="pt-BR" sz="1400" b="0" i="0" u="none" strike="noStrike" cap="none" normalizeH="0" baseline="0">
+                <a:ln>
+                  <a:noFill/>
+                </a:ln>
+                <a:solidFill>
+                  <a:srgbClr val="000000"/>
+                </a:solidFill>
+                <a:effectLst/>
+                <a:latin typeface="Courier New" panose="02070309020205020404" pitchFamily="49" charset="0"/>
+                <a:cs typeface="Courier New" panose="02070309020205020404" pitchFamily="49" charset="0"/>
+              </a:rPr>
+              <a:t>.getReference().child(</a:t>
+            </a:r>
+            <a:r>
+              <a:rPr kumimoji="0" lang="pt-BR" altLang="pt-BR" sz="1400" b="1" i="0" u="none" strike="noStrike" cap="none" normalizeH="0" baseline="0">
+                <a:ln>
+                  <a:noFill/>
+                </a:ln>
+                <a:solidFill>
+                  <a:srgbClr val="008000"/>
+                </a:solidFill>
+                <a:effectLst/>
+                <a:latin typeface="Courier New" panose="02070309020205020404" pitchFamily="49" charset="0"/>
+                <a:cs typeface="Courier New" panose="02070309020205020404" pitchFamily="49" charset="0"/>
+              </a:rPr>
+              <a:t>"images"</a:t>
+            </a:r>
+            <a:r>
+              <a:rPr kumimoji="0" lang="pt-BR" altLang="pt-BR" sz="1400" b="0" i="0" u="none" strike="noStrike" cap="none" normalizeH="0" baseline="0">
+                <a:ln>
+                  <a:noFill/>
+                </a:ln>
+                <a:solidFill>
+                  <a:srgbClr val="000000"/>
+                </a:solidFill>
+                <a:effectLst/>
+                <a:latin typeface="Courier New" panose="02070309020205020404" pitchFamily="49" charset="0"/>
+                <a:cs typeface="Courier New" panose="02070309020205020404" pitchFamily="49" charset="0"/>
+              </a:rPr>
+              <a:t>);</a:t>
+            </a:r>
+            <a:endParaRPr kumimoji="0" lang="pt-BR" altLang="pt-BR" sz="3200" b="0" i="0" u="none" strike="noStrike" cap="none" normalizeH="0" baseline="0">
+              <a:ln>
+                <a:noFill/>
+              </a:ln>
+              <a:solidFill>
+                <a:schemeClr val="tx1"/>
+              </a:solidFill>
+              <a:effectLst/>
+              <a:latin typeface="Arial" panose="020B0604020202020204" pitchFamily="34" charset="0"/>
+            </a:endParaRPr>
+          </a:p>
+        </p:txBody>
+      </p:sp>
+      <p:sp>
+        <p:nvSpPr>
+          <p:cNvPr id="6" name="Rectangle 2">
+            <a:extLst>
+              <a:ext uri="{FF2B5EF4-FFF2-40B4-BE49-F238E27FC236}">
+                <a16:creationId xmlns:a16="http://schemas.microsoft.com/office/drawing/2014/main" id="{4C58DFB8-E1BE-4917-89CF-0DBDCC5C84A3}"/>
+              </a:ext>
+            </a:extLst>
+          </p:cNvPr>
+          <p:cNvSpPr>
+            <a:spLocks noChangeArrowheads="1"/>
+          </p:cNvSpPr>
+          <p:nvPr/>
+        </p:nvSpPr>
+        <p:spPr bwMode="auto">
+          <a:xfrm>
+            <a:off x="399245" y="3168066"/>
+            <a:ext cx="7935130" cy="2462213"/>
+          </a:xfrm>
+          <a:prstGeom prst="rect">
+            <a:avLst/>
+          </a:prstGeom>
+          <a:noFill/>
+          <a:ln>
+            <a:noFill/>
+          </a:ln>
+          <a:effectLst/>
+        </p:spPr>
+        <p:txBody>
+          <a:bodyPr vert="horz" wrap="square" lIns="91440" tIns="45720" rIns="91440" bIns="45720" numCol="1" anchor="ctr" anchorCtr="0" compatLnSpc="1">
+            <a:prstTxWarp prst="textNoShape">
+              <a:avLst/>
+            </a:prstTxWarp>
+            <a:spAutoFit/>
+          </a:bodyPr>
+          <a:lstStyle/>
+          <a:p>
+            <a:pPr marL="0" marR="0" lvl="0" indent="0" algn="l" defTabSz="914400" rtl="0" eaLnBrk="0" fontAlgn="base" latinLnBrk="0" hangingPunct="0">
+              <a:lnSpc>
+                <a:spcPct val="100000"/>
+              </a:lnSpc>
+              <a:spcBef>
+                <a:spcPct val="0"/>
+              </a:spcBef>
+              <a:spcAft>
+                <a:spcPct val="0"/>
+              </a:spcAft>
+              <a:buClrTx/>
+              <a:buSzTx/>
+              <a:buFontTx/>
+              <a:buNone/>
+              <a:tabLst/>
+            </a:pPr>
+            <a:r>
+              <a:rPr kumimoji="0" lang="pt-BR" altLang="pt-BR" sz="1400" b="0" i="0" u="none" strike="noStrike" cap="none" normalizeH="0" baseline="0" dirty="0" err="1">
+                <a:ln>
+                  <a:noFill/>
+                </a:ln>
+                <a:solidFill>
+                  <a:srgbClr val="000000"/>
+                </a:solidFill>
+                <a:effectLst/>
+                <a:latin typeface="Courier New" panose="02070309020205020404" pitchFamily="49" charset="0"/>
+                <a:cs typeface="Courier New" panose="02070309020205020404" pitchFamily="49" charset="0"/>
+              </a:rPr>
+              <a:t>UploadTask</a:t>
+            </a:r>
+            <a:r>
+              <a:rPr kumimoji="0" lang="pt-BR" altLang="pt-BR" sz="1400" b="0" i="0" u="none" strike="noStrike" cap="none" normalizeH="0" baseline="0" dirty="0">
+                <a:ln>
+                  <a:noFill/>
+                </a:ln>
+                <a:solidFill>
+                  <a:srgbClr val="000000"/>
+                </a:solidFill>
+                <a:effectLst/>
+                <a:latin typeface="Courier New" panose="02070309020205020404" pitchFamily="49" charset="0"/>
+                <a:cs typeface="Courier New" panose="02070309020205020404" pitchFamily="49" charset="0"/>
+              </a:rPr>
+              <a:t> </a:t>
+            </a:r>
+            <a:r>
+              <a:rPr kumimoji="0" lang="pt-BR" altLang="pt-BR" sz="1400" b="0" i="0" u="none" strike="noStrike" cap="none" normalizeH="0" baseline="0" dirty="0" err="1">
+                <a:ln>
+                  <a:noFill/>
+                </a:ln>
+                <a:solidFill>
+                  <a:srgbClr val="000000"/>
+                </a:solidFill>
+                <a:effectLst/>
+                <a:latin typeface="Courier New" panose="02070309020205020404" pitchFamily="49" charset="0"/>
+                <a:cs typeface="Courier New" panose="02070309020205020404" pitchFamily="49" charset="0"/>
+              </a:rPr>
+              <a:t>uploadTask</a:t>
+            </a:r>
+            <a:r>
+              <a:rPr kumimoji="0" lang="pt-BR" altLang="pt-BR" sz="1400" b="0" i="0" u="none" strike="noStrike" cap="none" normalizeH="0" baseline="0" dirty="0">
+                <a:ln>
+                  <a:noFill/>
+                </a:ln>
+                <a:solidFill>
+                  <a:srgbClr val="000000"/>
+                </a:solidFill>
+                <a:effectLst/>
+                <a:latin typeface="Courier New" panose="02070309020205020404" pitchFamily="49" charset="0"/>
+                <a:cs typeface="Courier New" panose="02070309020205020404" pitchFamily="49" charset="0"/>
+              </a:rPr>
+              <a:t> = </a:t>
+            </a:r>
+            <a:r>
+              <a:rPr kumimoji="0" lang="pt-BR" altLang="pt-BR" sz="1400" b="1" i="0" u="none" strike="noStrike" cap="none" normalizeH="0" baseline="0" dirty="0" err="1">
+                <a:ln>
+                  <a:noFill/>
+                </a:ln>
+                <a:solidFill>
+                  <a:srgbClr val="660E7A"/>
+                </a:solidFill>
+                <a:effectLst/>
+                <a:latin typeface="Courier New" panose="02070309020205020404" pitchFamily="49" charset="0"/>
+                <a:cs typeface="Courier New" panose="02070309020205020404" pitchFamily="49" charset="0"/>
+              </a:rPr>
+              <a:t>imagesRef</a:t>
+            </a:r>
+            <a:r>
+              <a:rPr kumimoji="0" lang="pt-BR" altLang="pt-BR" sz="1400" b="0" i="0" u="none" strike="noStrike" cap="none" normalizeH="0" baseline="0" dirty="0" err="1">
+                <a:ln>
+                  <a:noFill/>
+                </a:ln>
+                <a:solidFill>
+                  <a:srgbClr val="000000"/>
+                </a:solidFill>
+                <a:effectLst/>
+                <a:latin typeface="Courier New" panose="02070309020205020404" pitchFamily="49" charset="0"/>
+                <a:cs typeface="Courier New" panose="02070309020205020404" pitchFamily="49" charset="0"/>
+              </a:rPr>
+              <a:t>.child</a:t>
+            </a:r>
+            <a:r>
+              <a:rPr kumimoji="0" lang="pt-BR" altLang="pt-BR" sz="1400" b="0" i="0" u="none" strike="noStrike" cap="none" normalizeH="0" baseline="0" dirty="0">
+                <a:ln>
+                  <a:noFill/>
+                </a:ln>
+                <a:solidFill>
+                  <a:srgbClr val="000000"/>
+                </a:solidFill>
+                <a:effectLst/>
+                <a:latin typeface="Courier New" panose="02070309020205020404" pitchFamily="49" charset="0"/>
+                <a:cs typeface="Courier New" panose="02070309020205020404" pitchFamily="49" charset="0"/>
+              </a:rPr>
+              <a:t>(</a:t>
+            </a:r>
+            <a:r>
+              <a:rPr kumimoji="0" lang="pt-BR" altLang="pt-BR" sz="1400" b="0" i="0" u="none" strike="noStrike" cap="none" normalizeH="0" baseline="0" dirty="0" err="1">
+                <a:ln>
+                  <a:noFill/>
+                </a:ln>
+                <a:solidFill>
+                  <a:srgbClr val="000000"/>
+                </a:solidFill>
+                <a:effectLst/>
+                <a:latin typeface="Courier New" panose="02070309020205020404" pitchFamily="49" charset="0"/>
+                <a:cs typeface="Courier New" panose="02070309020205020404" pitchFamily="49" charset="0"/>
+              </a:rPr>
+              <a:t>fUser.getUid</a:t>
+            </a:r>
+            <a:r>
+              <a:rPr kumimoji="0" lang="pt-BR" altLang="pt-BR" sz="1400" b="0" i="0" u="none" strike="noStrike" cap="none" normalizeH="0" baseline="0" dirty="0">
+                <a:ln>
+                  <a:noFill/>
+                </a:ln>
+                <a:solidFill>
+                  <a:srgbClr val="000000"/>
+                </a:solidFill>
+                <a:effectLst/>
+                <a:latin typeface="Courier New" panose="02070309020205020404" pitchFamily="49" charset="0"/>
+                <a:cs typeface="Courier New" panose="02070309020205020404" pitchFamily="49" charset="0"/>
+              </a:rPr>
+              <a:t>()).</a:t>
+            </a:r>
+            <a:r>
+              <a:rPr kumimoji="0" lang="pt-BR" altLang="pt-BR" sz="1400" b="0" i="0" u="none" strike="noStrike" cap="none" normalizeH="0" baseline="0" dirty="0" err="1">
+                <a:ln>
+                  <a:noFill/>
+                </a:ln>
+                <a:solidFill>
+                  <a:srgbClr val="000000"/>
+                </a:solidFill>
+                <a:effectLst/>
+                <a:latin typeface="Courier New" panose="02070309020205020404" pitchFamily="49" charset="0"/>
+                <a:cs typeface="Courier New" panose="02070309020205020404" pitchFamily="49" charset="0"/>
+              </a:rPr>
+              <a:t>putFile</a:t>
+            </a:r>
+            <a:r>
+              <a:rPr kumimoji="0" lang="pt-BR" altLang="pt-BR" sz="1400" b="0" i="0" u="none" strike="noStrike" cap="none" normalizeH="0" baseline="0" dirty="0">
+                <a:ln>
+                  <a:noFill/>
+                </a:ln>
+                <a:solidFill>
+                  <a:srgbClr val="000000"/>
+                </a:solidFill>
+                <a:effectLst/>
+                <a:latin typeface="Courier New" panose="02070309020205020404" pitchFamily="49" charset="0"/>
+                <a:cs typeface="Courier New" panose="02070309020205020404" pitchFamily="49" charset="0"/>
+              </a:rPr>
+              <a:t>(</a:t>
+            </a:r>
+            <a:r>
+              <a:rPr kumimoji="0" lang="pt-BR" altLang="pt-BR" sz="1400" b="1" i="0" u="none" strike="noStrike" cap="none" normalizeH="0" baseline="0" dirty="0" err="1">
+                <a:ln>
+                  <a:noFill/>
+                </a:ln>
+                <a:solidFill>
+                  <a:srgbClr val="660E7A"/>
+                </a:solidFill>
+                <a:effectLst/>
+                <a:latin typeface="Courier New" panose="02070309020205020404" pitchFamily="49" charset="0"/>
+                <a:cs typeface="Courier New" panose="02070309020205020404" pitchFamily="49" charset="0"/>
+              </a:rPr>
+              <a:t>imgUri</a:t>
+            </a:r>
+            <a:r>
+              <a:rPr kumimoji="0" lang="pt-BR" altLang="pt-BR" sz="1400" b="0" i="0" u="none" strike="noStrike" cap="none" normalizeH="0" baseline="0" dirty="0">
+                <a:ln>
+                  <a:noFill/>
+                </a:ln>
+                <a:solidFill>
+                  <a:srgbClr val="000000"/>
+                </a:solidFill>
+                <a:effectLst/>
+                <a:latin typeface="Courier New" panose="02070309020205020404" pitchFamily="49" charset="0"/>
+                <a:cs typeface="Courier New" panose="02070309020205020404" pitchFamily="49" charset="0"/>
+              </a:rPr>
+              <a:t>);</a:t>
+            </a:r>
+            <a:br>
+              <a:rPr kumimoji="0" lang="pt-BR" altLang="pt-BR" sz="1400" b="0" i="0" u="none" strike="noStrike" cap="none" normalizeH="0" baseline="0" dirty="0">
+                <a:ln>
+                  <a:noFill/>
+                </a:ln>
+                <a:solidFill>
+                  <a:srgbClr val="000000"/>
+                </a:solidFill>
+                <a:effectLst/>
+                <a:latin typeface="Courier New" panose="02070309020205020404" pitchFamily="49" charset="0"/>
+                <a:cs typeface="Courier New" panose="02070309020205020404" pitchFamily="49" charset="0"/>
+              </a:rPr>
+            </a:br>
+            <a:r>
+              <a:rPr kumimoji="0" lang="pt-BR" altLang="pt-BR" sz="1400" b="0" i="0" u="none" strike="noStrike" cap="none" normalizeH="0" baseline="0" dirty="0" err="1">
+                <a:ln>
+                  <a:noFill/>
+                </a:ln>
+                <a:solidFill>
+                  <a:srgbClr val="000000"/>
+                </a:solidFill>
+                <a:effectLst/>
+                <a:latin typeface="Courier New" panose="02070309020205020404" pitchFamily="49" charset="0"/>
+                <a:cs typeface="Courier New" panose="02070309020205020404" pitchFamily="49" charset="0"/>
+              </a:rPr>
+              <a:t>uploadTask.addOnCompleteListener</a:t>
+            </a:r>
+            <a:r>
+              <a:rPr kumimoji="0" lang="pt-BR" altLang="pt-BR" sz="1400" b="0" i="0" u="none" strike="noStrike" cap="none" normalizeH="0" baseline="0" dirty="0">
+                <a:ln>
+                  <a:noFill/>
+                </a:ln>
+                <a:solidFill>
+                  <a:srgbClr val="000000"/>
+                </a:solidFill>
+                <a:effectLst/>
+                <a:latin typeface="Courier New" panose="02070309020205020404" pitchFamily="49" charset="0"/>
+                <a:cs typeface="Courier New" panose="02070309020205020404" pitchFamily="49" charset="0"/>
+              </a:rPr>
+              <a:t>(</a:t>
+            </a:r>
+            <a:r>
+              <a:rPr kumimoji="0" lang="pt-BR" altLang="pt-BR" sz="1400" b="1" i="0" u="none" strike="noStrike" cap="none" normalizeH="0" baseline="0" dirty="0">
+                <a:ln>
+                  <a:noFill/>
+                </a:ln>
+                <a:solidFill>
+                  <a:srgbClr val="000080"/>
+                </a:solidFill>
+                <a:effectLst/>
+                <a:latin typeface="Courier New" panose="02070309020205020404" pitchFamily="49" charset="0"/>
+                <a:cs typeface="Courier New" panose="02070309020205020404" pitchFamily="49" charset="0"/>
+              </a:rPr>
+              <a:t>new </a:t>
+            </a:r>
+            <a:r>
+              <a:rPr kumimoji="0" lang="pt-BR" altLang="pt-BR" sz="1400" b="0" i="0" u="none" strike="noStrike" cap="none" normalizeH="0" baseline="0" dirty="0" err="1">
+                <a:ln>
+                  <a:noFill/>
+                </a:ln>
+                <a:solidFill>
+                  <a:srgbClr val="000000"/>
+                </a:solidFill>
+                <a:effectLst/>
+                <a:latin typeface="Courier New" panose="02070309020205020404" pitchFamily="49" charset="0"/>
+                <a:cs typeface="Courier New" panose="02070309020205020404" pitchFamily="49" charset="0"/>
+              </a:rPr>
+              <a:t>OnCompleteListener</a:t>
+            </a:r>
+            <a:r>
+              <a:rPr kumimoji="0" lang="pt-BR" altLang="pt-BR" sz="1400" b="0" i="0" u="none" strike="noStrike" cap="none" normalizeH="0" baseline="0" dirty="0">
+                <a:ln>
+                  <a:noFill/>
+                </a:ln>
+                <a:solidFill>
+                  <a:srgbClr val="000000"/>
+                </a:solidFill>
+                <a:effectLst/>
+                <a:latin typeface="Courier New" panose="02070309020205020404" pitchFamily="49" charset="0"/>
+                <a:cs typeface="Courier New" panose="02070309020205020404" pitchFamily="49" charset="0"/>
+              </a:rPr>
+              <a:t>&lt;</a:t>
+            </a:r>
+            <a:r>
+              <a:rPr kumimoji="0" lang="pt-BR" altLang="pt-BR" sz="1400" b="0" i="0" u="none" strike="noStrike" cap="none" normalizeH="0" baseline="0" dirty="0" err="1">
+                <a:ln>
+                  <a:noFill/>
+                </a:ln>
+                <a:solidFill>
+                  <a:srgbClr val="000000"/>
+                </a:solidFill>
+                <a:effectLst/>
+                <a:latin typeface="Courier New" panose="02070309020205020404" pitchFamily="49" charset="0"/>
+                <a:cs typeface="Courier New" panose="02070309020205020404" pitchFamily="49" charset="0"/>
+              </a:rPr>
+              <a:t>TaskSnapshot</a:t>
+            </a:r>
+            <a:r>
+              <a:rPr kumimoji="0" lang="pt-BR" altLang="pt-BR" sz="1400" b="0" i="0" u="none" strike="noStrike" cap="none" normalizeH="0" baseline="0" dirty="0">
+                <a:ln>
+                  <a:noFill/>
+                </a:ln>
+                <a:solidFill>
+                  <a:srgbClr val="000000"/>
+                </a:solidFill>
+                <a:effectLst/>
+                <a:latin typeface="Courier New" panose="02070309020205020404" pitchFamily="49" charset="0"/>
+                <a:cs typeface="Courier New" panose="02070309020205020404" pitchFamily="49" charset="0"/>
+              </a:rPr>
+              <a:t>&gt;(){</a:t>
+            </a:r>
+            <a:br>
+              <a:rPr kumimoji="0" lang="pt-BR" altLang="pt-BR" sz="1400" b="0" i="0" u="none" strike="noStrike" cap="none" normalizeH="0" baseline="0" dirty="0">
+                <a:ln>
+                  <a:noFill/>
+                </a:ln>
+                <a:solidFill>
+                  <a:srgbClr val="000000"/>
+                </a:solidFill>
+                <a:effectLst/>
+                <a:latin typeface="Courier New" panose="02070309020205020404" pitchFamily="49" charset="0"/>
+                <a:cs typeface="Courier New" panose="02070309020205020404" pitchFamily="49" charset="0"/>
+              </a:rPr>
+            </a:br>
+            <a:r>
+              <a:rPr kumimoji="0" lang="pt-BR" altLang="pt-BR" sz="1400" b="0" i="0" u="none" strike="noStrike" cap="none" normalizeH="0" baseline="0" dirty="0">
+                <a:ln>
+                  <a:noFill/>
+                </a:ln>
+                <a:solidFill>
+                  <a:srgbClr val="000000"/>
+                </a:solidFill>
+                <a:effectLst/>
+                <a:latin typeface="Courier New" panose="02070309020205020404" pitchFamily="49" charset="0"/>
+                <a:cs typeface="Courier New" panose="02070309020205020404" pitchFamily="49" charset="0"/>
+              </a:rPr>
+              <a:t>    </a:t>
+            </a:r>
+            <a:r>
+              <a:rPr kumimoji="0" lang="pt-BR" altLang="pt-BR" sz="1400" b="0" i="0" u="none" strike="noStrike" cap="none" normalizeH="0" baseline="0" dirty="0">
+                <a:ln>
+                  <a:noFill/>
+                </a:ln>
+                <a:solidFill>
+                  <a:srgbClr val="808000"/>
+                </a:solidFill>
+                <a:effectLst/>
+                <a:latin typeface="Courier New" panose="02070309020205020404" pitchFamily="49" charset="0"/>
+                <a:cs typeface="Courier New" panose="02070309020205020404" pitchFamily="49" charset="0"/>
+              </a:rPr>
+              <a:t>@</a:t>
+            </a:r>
+            <a:r>
+              <a:rPr kumimoji="0" lang="pt-BR" altLang="pt-BR" sz="1400" b="0" i="0" u="none" strike="noStrike" cap="none" normalizeH="0" baseline="0" dirty="0" err="1">
+                <a:ln>
+                  <a:noFill/>
+                </a:ln>
+                <a:solidFill>
+                  <a:srgbClr val="808000"/>
+                </a:solidFill>
+                <a:effectLst/>
+                <a:latin typeface="Courier New" panose="02070309020205020404" pitchFamily="49" charset="0"/>
+                <a:cs typeface="Courier New" panose="02070309020205020404" pitchFamily="49" charset="0"/>
+              </a:rPr>
+              <a:t>Override</a:t>
+            </a:r>
+            <a:br>
+              <a:rPr kumimoji="0" lang="pt-BR" altLang="pt-BR" sz="1400" b="0" i="0" u="none" strike="noStrike" cap="none" normalizeH="0" baseline="0" dirty="0">
+                <a:ln>
+                  <a:noFill/>
+                </a:ln>
+                <a:solidFill>
+                  <a:srgbClr val="808000"/>
+                </a:solidFill>
+                <a:effectLst/>
+                <a:latin typeface="Courier New" panose="02070309020205020404" pitchFamily="49" charset="0"/>
+                <a:cs typeface="Courier New" panose="02070309020205020404" pitchFamily="49" charset="0"/>
+              </a:rPr>
+            </a:br>
+            <a:r>
+              <a:rPr kumimoji="0" lang="pt-BR" altLang="pt-BR" sz="1400" b="0" i="0" u="none" strike="noStrike" cap="none" normalizeH="0" baseline="0" dirty="0">
+                <a:ln>
+                  <a:noFill/>
+                </a:ln>
+                <a:solidFill>
+                  <a:srgbClr val="808000"/>
+                </a:solidFill>
+                <a:effectLst/>
+                <a:latin typeface="Courier New" panose="02070309020205020404" pitchFamily="49" charset="0"/>
+                <a:cs typeface="Courier New" panose="02070309020205020404" pitchFamily="49" charset="0"/>
+              </a:rPr>
+              <a:t>    </a:t>
+            </a:r>
+            <a:r>
+              <a:rPr kumimoji="0" lang="pt-BR" altLang="pt-BR" sz="1400" b="1" i="0" u="none" strike="noStrike" cap="none" normalizeH="0" baseline="0" dirty="0" err="1">
+                <a:ln>
+                  <a:noFill/>
+                </a:ln>
+                <a:solidFill>
+                  <a:srgbClr val="000080"/>
+                </a:solidFill>
+                <a:effectLst/>
+                <a:latin typeface="Courier New" panose="02070309020205020404" pitchFamily="49" charset="0"/>
+                <a:cs typeface="Courier New" panose="02070309020205020404" pitchFamily="49" charset="0"/>
+              </a:rPr>
+              <a:t>public</a:t>
+            </a:r>
+            <a:r>
+              <a:rPr kumimoji="0" lang="pt-BR" altLang="pt-BR" sz="1400" b="1" i="0" u="none" strike="noStrike" cap="none" normalizeH="0" baseline="0" dirty="0">
+                <a:ln>
+                  <a:noFill/>
+                </a:ln>
+                <a:solidFill>
+                  <a:srgbClr val="000080"/>
+                </a:solidFill>
+                <a:effectLst/>
+                <a:latin typeface="Courier New" panose="02070309020205020404" pitchFamily="49" charset="0"/>
+                <a:cs typeface="Courier New" panose="02070309020205020404" pitchFamily="49" charset="0"/>
+              </a:rPr>
+              <a:t> </a:t>
+            </a:r>
+            <a:r>
+              <a:rPr kumimoji="0" lang="pt-BR" altLang="pt-BR" sz="1400" b="1" i="0" u="none" strike="noStrike" cap="none" normalizeH="0" baseline="0" dirty="0" err="1">
+                <a:ln>
+                  <a:noFill/>
+                </a:ln>
+                <a:solidFill>
+                  <a:srgbClr val="000080"/>
+                </a:solidFill>
+                <a:effectLst/>
+                <a:latin typeface="Courier New" panose="02070309020205020404" pitchFamily="49" charset="0"/>
+                <a:cs typeface="Courier New" panose="02070309020205020404" pitchFamily="49" charset="0"/>
+              </a:rPr>
+              <a:t>void</a:t>
+            </a:r>
+            <a:r>
+              <a:rPr kumimoji="0" lang="pt-BR" altLang="pt-BR" sz="1400" b="1" i="0" u="none" strike="noStrike" cap="none" normalizeH="0" baseline="0" dirty="0">
+                <a:ln>
+                  <a:noFill/>
+                </a:ln>
+                <a:solidFill>
+                  <a:srgbClr val="000080"/>
+                </a:solidFill>
+                <a:effectLst/>
+                <a:latin typeface="Courier New" panose="02070309020205020404" pitchFamily="49" charset="0"/>
+                <a:cs typeface="Courier New" panose="02070309020205020404" pitchFamily="49" charset="0"/>
+              </a:rPr>
+              <a:t> </a:t>
+            </a:r>
+            <a:r>
+              <a:rPr kumimoji="0" lang="pt-BR" altLang="pt-BR" sz="1400" b="0" i="0" u="none" strike="noStrike" cap="none" normalizeH="0" baseline="0" dirty="0" err="1">
+                <a:ln>
+                  <a:noFill/>
+                </a:ln>
+                <a:solidFill>
+                  <a:srgbClr val="000000"/>
+                </a:solidFill>
+                <a:effectLst/>
+                <a:latin typeface="Courier New" panose="02070309020205020404" pitchFamily="49" charset="0"/>
+                <a:cs typeface="Courier New" panose="02070309020205020404" pitchFamily="49" charset="0"/>
+              </a:rPr>
+              <a:t>onComplete</a:t>
+            </a:r>
+            <a:r>
+              <a:rPr kumimoji="0" lang="pt-BR" altLang="pt-BR" sz="1400" b="0" i="0" u="none" strike="noStrike" cap="none" normalizeH="0" baseline="0" dirty="0">
+                <a:ln>
+                  <a:noFill/>
+                </a:ln>
+                <a:solidFill>
+                  <a:srgbClr val="000000"/>
+                </a:solidFill>
+                <a:effectLst/>
+                <a:latin typeface="Courier New" panose="02070309020205020404" pitchFamily="49" charset="0"/>
+                <a:cs typeface="Courier New" panose="02070309020205020404" pitchFamily="49" charset="0"/>
+              </a:rPr>
+              <a:t>(</a:t>
+            </a:r>
+            <a:r>
+              <a:rPr kumimoji="0" lang="pt-BR" altLang="pt-BR" sz="1400" b="0" i="0" u="none" strike="noStrike" cap="none" normalizeH="0" baseline="0" dirty="0">
+                <a:ln>
+                  <a:noFill/>
+                </a:ln>
+                <a:solidFill>
+                  <a:srgbClr val="808000"/>
+                </a:solidFill>
+                <a:effectLst/>
+                <a:latin typeface="Courier New" panose="02070309020205020404" pitchFamily="49" charset="0"/>
+                <a:cs typeface="Courier New" panose="02070309020205020404" pitchFamily="49" charset="0"/>
+              </a:rPr>
+              <a:t>@</a:t>
+            </a:r>
+            <a:r>
+              <a:rPr kumimoji="0" lang="pt-BR" altLang="pt-BR" sz="1400" b="0" i="0" u="none" strike="noStrike" cap="none" normalizeH="0" baseline="0" dirty="0" err="1">
+                <a:ln>
+                  <a:noFill/>
+                </a:ln>
+                <a:solidFill>
+                  <a:srgbClr val="808000"/>
+                </a:solidFill>
+                <a:effectLst/>
+                <a:latin typeface="Courier New" panose="02070309020205020404" pitchFamily="49" charset="0"/>
+                <a:cs typeface="Courier New" panose="02070309020205020404" pitchFamily="49" charset="0"/>
+              </a:rPr>
+              <a:t>NonNull</a:t>
+            </a:r>
+            <a:r>
+              <a:rPr kumimoji="0" lang="pt-BR" altLang="pt-BR" sz="1400" b="0" i="0" u="none" strike="noStrike" cap="none" normalizeH="0" baseline="0" dirty="0">
+                <a:ln>
+                  <a:noFill/>
+                </a:ln>
+                <a:solidFill>
+                  <a:srgbClr val="808000"/>
+                </a:solidFill>
+                <a:effectLst/>
+                <a:latin typeface="Courier New" panose="02070309020205020404" pitchFamily="49" charset="0"/>
+                <a:cs typeface="Courier New" panose="02070309020205020404" pitchFamily="49" charset="0"/>
+              </a:rPr>
+              <a:t> </a:t>
+            </a:r>
+            <a:r>
+              <a:rPr kumimoji="0" lang="pt-BR" altLang="pt-BR" sz="1400" b="0" i="0" u="none" strike="noStrike" cap="none" normalizeH="0" baseline="0" dirty="0" err="1">
+                <a:ln>
+                  <a:noFill/>
+                </a:ln>
+                <a:solidFill>
+                  <a:srgbClr val="000000"/>
+                </a:solidFill>
+                <a:effectLst/>
+                <a:latin typeface="Courier New" panose="02070309020205020404" pitchFamily="49" charset="0"/>
+                <a:cs typeface="Courier New" panose="02070309020205020404" pitchFamily="49" charset="0"/>
+              </a:rPr>
+              <a:t>Task</a:t>
+            </a:r>
+            <a:r>
+              <a:rPr kumimoji="0" lang="pt-BR" altLang="pt-BR" sz="1400" b="0" i="0" u="none" strike="noStrike" cap="none" normalizeH="0" baseline="0" dirty="0">
+                <a:ln>
+                  <a:noFill/>
+                </a:ln>
+                <a:solidFill>
+                  <a:srgbClr val="000000"/>
+                </a:solidFill>
+                <a:effectLst/>
+                <a:latin typeface="Courier New" panose="02070309020205020404" pitchFamily="49" charset="0"/>
+                <a:cs typeface="Courier New" panose="02070309020205020404" pitchFamily="49" charset="0"/>
+              </a:rPr>
+              <a:t>&lt;</a:t>
+            </a:r>
+            <a:r>
+              <a:rPr kumimoji="0" lang="pt-BR" altLang="pt-BR" sz="1400" b="0" i="0" u="none" strike="noStrike" cap="none" normalizeH="0" baseline="0" dirty="0" err="1">
+                <a:ln>
+                  <a:noFill/>
+                </a:ln>
+                <a:solidFill>
+                  <a:srgbClr val="000000"/>
+                </a:solidFill>
+                <a:effectLst/>
+                <a:latin typeface="Courier New" panose="02070309020205020404" pitchFamily="49" charset="0"/>
+                <a:cs typeface="Courier New" panose="02070309020205020404" pitchFamily="49" charset="0"/>
+              </a:rPr>
+              <a:t>TaskSnapshot</a:t>
+            </a:r>
+            <a:r>
+              <a:rPr kumimoji="0" lang="pt-BR" altLang="pt-BR" sz="1400" b="0" i="0" u="none" strike="noStrike" cap="none" normalizeH="0" baseline="0" dirty="0">
+                <a:ln>
+                  <a:noFill/>
+                </a:ln>
+                <a:solidFill>
+                  <a:srgbClr val="000000"/>
+                </a:solidFill>
+                <a:effectLst/>
+                <a:latin typeface="Courier New" panose="02070309020205020404" pitchFamily="49" charset="0"/>
+                <a:cs typeface="Courier New" panose="02070309020205020404" pitchFamily="49" charset="0"/>
+              </a:rPr>
+              <a:t>&gt; </a:t>
+            </a:r>
+            <a:r>
+              <a:rPr kumimoji="0" lang="pt-BR" altLang="pt-BR" sz="1400" b="0" i="0" u="none" strike="noStrike" cap="none" normalizeH="0" baseline="0" dirty="0" err="1">
+                <a:ln>
+                  <a:noFill/>
+                </a:ln>
+                <a:solidFill>
+                  <a:srgbClr val="000000"/>
+                </a:solidFill>
+                <a:effectLst/>
+                <a:latin typeface="Courier New" panose="02070309020205020404" pitchFamily="49" charset="0"/>
+                <a:cs typeface="Courier New" panose="02070309020205020404" pitchFamily="49" charset="0"/>
+              </a:rPr>
+              <a:t>task</a:t>
+            </a:r>
+            <a:r>
+              <a:rPr kumimoji="0" lang="pt-BR" altLang="pt-BR" sz="1400" b="0" i="0" u="none" strike="noStrike" cap="none" normalizeH="0" baseline="0" dirty="0">
+                <a:ln>
+                  <a:noFill/>
+                </a:ln>
+                <a:solidFill>
+                  <a:srgbClr val="000000"/>
+                </a:solidFill>
+                <a:effectLst/>
+                <a:latin typeface="Courier New" panose="02070309020205020404" pitchFamily="49" charset="0"/>
+                <a:cs typeface="Courier New" panose="02070309020205020404" pitchFamily="49" charset="0"/>
+              </a:rPr>
+              <a:t>){</a:t>
+            </a:r>
+            <a:br>
+              <a:rPr kumimoji="0" lang="pt-BR" altLang="pt-BR" sz="1400" b="0" i="0" u="none" strike="noStrike" cap="none" normalizeH="0" baseline="0" dirty="0">
+                <a:ln>
+                  <a:noFill/>
+                </a:ln>
+                <a:solidFill>
+                  <a:srgbClr val="000000"/>
+                </a:solidFill>
+                <a:effectLst/>
+                <a:latin typeface="Courier New" panose="02070309020205020404" pitchFamily="49" charset="0"/>
+                <a:cs typeface="Courier New" panose="02070309020205020404" pitchFamily="49" charset="0"/>
+              </a:rPr>
+            </a:br>
+            <a:r>
+              <a:rPr kumimoji="0" lang="pt-BR" altLang="pt-BR" sz="1400" b="0" i="0" u="none" strike="noStrike" cap="none" normalizeH="0" baseline="0" dirty="0">
+                <a:ln>
+                  <a:noFill/>
+                </a:ln>
+                <a:solidFill>
+                  <a:srgbClr val="000000"/>
+                </a:solidFill>
+                <a:effectLst/>
+                <a:latin typeface="Courier New" panose="02070309020205020404" pitchFamily="49" charset="0"/>
+                <a:cs typeface="Courier New" panose="02070309020205020404" pitchFamily="49" charset="0"/>
+              </a:rPr>
+              <a:t>        </a:t>
+            </a:r>
+            <a:r>
+              <a:rPr kumimoji="0" lang="pt-BR" altLang="pt-BR" sz="1400" b="1" i="0" u="none" strike="noStrike" cap="none" normalizeH="0" baseline="0" dirty="0" err="1">
+                <a:ln>
+                  <a:noFill/>
+                </a:ln>
+                <a:solidFill>
+                  <a:srgbClr val="000080"/>
+                </a:solidFill>
+                <a:effectLst/>
+                <a:latin typeface="Courier New" panose="02070309020205020404" pitchFamily="49" charset="0"/>
+                <a:cs typeface="Courier New" panose="02070309020205020404" pitchFamily="49" charset="0"/>
+              </a:rPr>
+              <a:t>if</a:t>
+            </a:r>
+            <a:r>
+              <a:rPr kumimoji="0" lang="pt-BR" altLang="pt-BR" sz="1400" b="1" i="0" u="none" strike="noStrike" cap="none" normalizeH="0" baseline="0" dirty="0">
+                <a:ln>
+                  <a:noFill/>
+                </a:ln>
+                <a:solidFill>
+                  <a:srgbClr val="000080"/>
+                </a:solidFill>
+                <a:effectLst/>
+                <a:latin typeface="Courier New" panose="02070309020205020404" pitchFamily="49" charset="0"/>
+                <a:cs typeface="Courier New" panose="02070309020205020404" pitchFamily="49" charset="0"/>
+              </a:rPr>
+              <a:t> </a:t>
+            </a:r>
+            <a:r>
+              <a:rPr kumimoji="0" lang="pt-BR" altLang="pt-BR" sz="1400" b="0" i="0" u="none" strike="noStrike" cap="none" normalizeH="0" baseline="0" dirty="0">
+                <a:ln>
+                  <a:noFill/>
+                </a:ln>
+                <a:solidFill>
+                  <a:srgbClr val="000000"/>
+                </a:solidFill>
+                <a:effectLst/>
+                <a:latin typeface="Courier New" panose="02070309020205020404" pitchFamily="49" charset="0"/>
+                <a:cs typeface="Courier New" panose="02070309020205020404" pitchFamily="49" charset="0"/>
+              </a:rPr>
+              <a:t>(</a:t>
+            </a:r>
+            <a:r>
+              <a:rPr kumimoji="0" lang="pt-BR" altLang="pt-BR" sz="1400" b="0" i="0" u="none" strike="noStrike" cap="none" normalizeH="0" baseline="0" dirty="0" err="1">
+                <a:ln>
+                  <a:noFill/>
+                </a:ln>
+                <a:solidFill>
+                  <a:srgbClr val="000000"/>
+                </a:solidFill>
+                <a:effectLst/>
+                <a:latin typeface="Courier New" panose="02070309020205020404" pitchFamily="49" charset="0"/>
+                <a:cs typeface="Courier New" panose="02070309020205020404" pitchFamily="49" charset="0"/>
+              </a:rPr>
+              <a:t>task.isSuccessful</a:t>
+            </a:r>
+            <a:r>
+              <a:rPr kumimoji="0" lang="pt-BR" altLang="pt-BR" sz="1400" b="0" i="0" u="none" strike="noStrike" cap="none" normalizeH="0" baseline="0" dirty="0">
+                <a:ln>
+                  <a:noFill/>
+                </a:ln>
+                <a:solidFill>
+                  <a:srgbClr val="000000"/>
+                </a:solidFill>
+                <a:effectLst/>
+                <a:latin typeface="Courier New" panose="02070309020205020404" pitchFamily="49" charset="0"/>
+                <a:cs typeface="Courier New" panose="02070309020205020404" pitchFamily="49" charset="0"/>
+              </a:rPr>
+              <a:t>()) {</a:t>
+            </a:r>
+            <a:br>
+              <a:rPr kumimoji="0" lang="pt-BR" altLang="pt-BR" sz="1400" b="0" i="0" u="none" strike="noStrike" cap="none" normalizeH="0" baseline="0" dirty="0">
+                <a:ln>
+                  <a:noFill/>
+                </a:ln>
+                <a:solidFill>
+                  <a:srgbClr val="000000"/>
+                </a:solidFill>
+                <a:effectLst/>
+                <a:latin typeface="Courier New" panose="02070309020205020404" pitchFamily="49" charset="0"/>
+                <a:cs typeface="Courier New" panose="02070309020205020404" pitchFamily="49" charset="0"/>
+              </a:rPr>
+            </a:br>
+            <a:r>
+              <a:rPr kumimoji="0" lang="pt-BR" altLang="pt-BR" sz="1400" b="0" i="0" u="none" strike="noStrike" cap="none" normalizeH="0" baseline="0" dirty="0">
+                <a:ln>
+                  <a:noFill/>
+                </a:ln>
+                <a:solidFill>
+                  <a:srgbClr val="000000"/>
+                </a:solidFill>
+                <a:effectLst/>
+                <a:latin typeface="Courier New" panose="02070309020205020404" pitchFamily="49" charset="0"/>
+                <a:cs typeface="Courier New" panose="02070309020205020404" pitchFamily="49" charset="0"/>
+              </a:rPr>
+              <a:t>            </a:t>
+            </a:r>
+            <a:r>
+              <a:rPr kumimoji="0" lang="pt-BR" altLang="pt-BR" sz="1400" b="0" i="0" u="none" strike="noStrike" cap="none" normalizeH="0" baseline="0" dirty="0" err="1">
+                <a:ln>
+                  <a:noFill/>
+                </a:ln>
+                <a:solidFill>
+                  <a:srgbClr val="000000"/>
+                </a:solidFill>
+                <a:effectLst/>
+                <a:latin typeface="Courier New" panose="02070309020205020404" pitchFamily="49" charset="0"/>
+                <a:cs typeface="Courier New" panose="02070309020205020404" pitchFamily="49" charset="0"/>
+              </a:rPr>
+              <a:t>User</a:t>
+            </a:r>
+            <a:r>
+              <a:rPr kumimoji="0" lang="pt-BR" altLang="pt-BR" sz="1400" b="0" i="0" u="none" strike="noStrike" cap="none" normalizeH="0" baseline="0" dirty="0">
+                <a:ln>
+                  <a:noFill/>
+                </a:ln>
+                <a:solidFill>
+                  <a:srgbClr val="000000"/>
+                </a:solidFill>
+                <a:effectLst/>
+                <a:latin typeface="Courier New" panose="02070309020205020404" pitchFamily="49" charset="0"/>
+                <a:cs typeface="Courier New" panose="02070309020205020404" pitchFamily="49" charset="0"/>
+              </a:rPr>
+              <a:t> </a:t>
+            </a:r>
+            <a:r>
+              <a:rPr kumimoji="0" lang="pt-BR" altLang="pt-BR" sz="1400" b="0" i="0" u="none" strike="noStrike" cap="none" normalizeH="0" baseline="0" dirty="0" err="1">
+                <a:ln>
+                  <a:noFill/>
+                </a:ln>
+                <a:solidFill>
+                  <a:srgbClr val="000000"/>
+                </a:solidFill>
+                <a:effectLst/>
+                <a:latin typeface="Courier New" panose="02070309020205020404" pitchFamily="49" charset="0"/>
+                <a:cs typeface="Courier New" panose="02070309020205020404" pitchFamily="49" charset="0"/>
+              </a:rPr>
+              <a:t>user</a:t>
+            </a:r>
+            <a:r>
+              <a:rPr kumimoji="0" lang="pt-BR" altLang="pt-BR" sz="1400" b="0" i="0" u="none" strike="noStrike" cap="none" normalizeH="0" baseline="0" dirty="0">
+                <a:ln>
+                  <a:noFill/>
+                </a:ln>
+                <a:solidFill>
+                  <a:srgbClr val="000000"/>
+                </a:solidFill>
+                <a:effectLst/>
+                <a:latin typeface="Courier New" panose="02070309020205020404" pitchFamily="49" charset="0"/>
+                <a:cs typeface="Courier New" panose="02070309020205020404" pitchFamily="49" charset="0"/>
+              </a:rPr>
+              <a:t> = </a:t>
+            </a:r>
+            <a:r>
+              <a:rPr kumimoji="0" lang="pt-BR" altLang="pt-BR" sz="1400" b="1" i="0" u="none" strike="noStrike" cap="none" normalizeH="0" baseline="0" dirty="0">
+                <a:ln>
+                  <a:noFill/>
+                </a:ln>
+                <a:solidFill>
+                  <a:srgbClr val="000080"/>
+                </a:solidFill>
+                <a:effectLst/>
+                <a:latin typeface="Courier New" panose="02070309020205020404" pitchFamily="49" charset="0"/>
+                <a:cs typeface="Courier New" panose="02070309020205020404" pitchFamily="49" charset="0"/>
+              </a:rPr>
+              <a:t>new </a:t>
+            </a:r>
+            <a:r>
+              <a:rPr kumimoji="0" lang="pt-BR" altLang="pt-BR" sz="1400" b="0" i="0" u="none" strike="noStrike" cap="none" normalizeH="0" baseline="0" dirty="0" err="1">
+                <a:ln>
+                  <a:noFill/>
+                </a:ln>
+                <a:solidFill>
+                  <a:srgbClr val="000000"/>
+                </a:solidFill>
+                <a:effectLst/>
+                <a:latin typeface="Courier New" panose="02070309020205020404" pitchFamily="49" charset="0"/>
+                <a:cs typeface="Courier New" panose="02070309020205020404" pitchFamily="49" charset="0"/>
+              </a:rPr>
+              <a:t>User</a:t>
+            </a:r>
+            <a:r>
+              <a:rPr kumimoji="0" lang="pt-BR" altLang="pt-BR" sz="1400" b="0" i="0" u="none" strike="noStrike" cap="none" normalizeH="0" baseline="0" dirty="0">
+                <a:ln>
+                  <a:noFill/>
+                </a:ln>
+                <a:solidFill>
+                  <a:srgbClr val="000000"/>
+                </a:solidFill>
+                <a:effectLst/>
+                <a:latin typeface="Courier New" panose="02070309020205020404" pitchFamily="49" charset="0"/>
+                <a:cs typeface="Courier New" panose="02070309020205020404" pitchFamily="49" charset="0"/>
+              </a:rPr>
+              <a:t>(</a:t>
+            </a:r>
+            <a:r>
+              <a:rPr kumimoji="0" lang="pt-BR" altLang="pt-BR" sz="1400" b="0" i="0" u="none" strike="noStrike" cap="none" normalizeH="0" baseline="0" dirty="0" err="1">
+                <a:ln>
+                  <a:noFill/>
+                </a:ln>
+                <a:solidFill>
+                  <a:srgbClr val="660E7A"/>
+                </a:solidFill>
+                <a:effectLst/>
+                <a:latin typeface="Courier New" panose="02070309020205020404" pitchFamily="49" charset="0"/>
+                <a:cs typeface="Courier New" panose="02070309020205020404" pitchFamily="49" charset="0"/>
+              </a:rPr>
+              <a:t>fUser</a:t>
+            </a:r>
+            <a:r>
+              <a:rPr kumimoji="0" lang="pt-BR" altLang="pt-BR" sz="1400" b="0" i="0" u="none" strike="noStrike" cap="none" normalizeH="0" baseline="0" dirty="0" err="1">
+                <a:ln>
+                  <a:noFill/>
+                </a:ln>
+                <a:solidFill>
+                  <a:srgbClr val="000000"/>
+                </a:solidFill>
+                <a:effectLst/>
+                <a:latin typeface="Courier New" panose="02070309020205020404" pitchFamily="49" charset="0"/>
+                <a:cs typeface="Courier New" panose="02070309020205020404" pitchFamily="49" charset="0"/>
+              </a:rPr>
+              <a:t>.getUid</a:t>
+            </a:r>
+            <a:r>
+              <a:rPr kumimoji="0" lang="pt-BR" altLang="pt-BR" sz="1400" b="0" i="0" u="none" strike="noStrike" cap="none" normalizeH="0" baseline="0" dirty="0">
+                <a:ln>
+                  <a:noFill/>
+                </a:ln>
+                <a:solidFill>
+                  <a:srgbClr val="000000"/>
+                </a:solidFill>
+                <a:effectLst/>
+                <a:latin typeface="Courier New" panose="02070309020205020404" pitchFamily="49" charset="0"/>
+                <a:cs typeface="Courier New" panose="02070309020205020404" pitchFamily="49" charset="0"/>
+              </a:rPr>
+              <a:t>(), </a:t>
+            </a:r>
+            <a:r>
+              <a:rPr kumimoji="0" lang="pt-BR" altLang="pt-BR" sz="1400" b="1" i="0" u="none" strike="noStrike" cap="none" normalizeH="0" baseline="0" dirty="0" err="1">
+                <a:ln>
+                  <a:noFill/>
+                </a:ln>
+                <a:solidFill>
+                  <a:srgbClr val="660E7A"/>
+                </a:solidFill>
+                <a:effectLst/>
+                <a:latin typeface="Courier New" panose="02070309020205020404" pitchFamily="49" charset="0"/>
+                <a:cs typeface="Courier New" panose="02070309020205020404" pitchFamily="49" charset="0"/>
+              </a:rPr>
+              <a:t>name</a:t>
+            </a:r>
+            <a:r>
+              <a:rPr kumimoji="0" lang="pt-BR" altLang="pt-BR" sz="1400" b="0" i="0" u="none" strike="noStrike" cap="none" normalizeH="0" baseline="0" dirty="0">
+                <a:ln>
+                  <a:noFill/>
+                </a:ln>
+                <a:solidFill>
+                  <a:srgbClr val="000000"/>
+                </a:solidFill>
+                <a:effectLst/>
+                <a:latin typeface="Courier New" panose="02070309020205020404" pitchFamily="49" charset="0"/>
+                <a:cs typeface="Courier New" panose="02070309020205020404" pitchFamily="49" charset="0"/>
+              </a:rPr>
+              <a:t>, </a:t>
+            </a:r>
+            <a:r>
+              <a:rPr kumimoji="0" lang="pt-BR" altLang="pt-BR" sz="1400" b="1" i="0" u="none" strike="noStrike" cap="none" normalizeH="0" baseline="0" dirty="0" err="1">
+                <a:ln>
+                  <a:noFill/>
+                </a:ln>
+                <a:solidFill>
+                  <a:srgbClr val="660E7A"/>
+                </a:solidFill>
+                <a:effectLst/>
+                <a:latin typeface="Courier New" panose="02070309020205020404" pitchFamily="49" charset="0"/>
+                <a:cs typeface="Courier New" panose="02070309020205020404" pitchFamily="49" charset="0"/>
+              </a:rPr>
+              <a:t>email</a:t>
+            </a:r>
+            <a:r>
+              <a:rPr kumimoji="0" lang="pt-BR" altLang="pt-BR" sz="1400" b="0" i="0" u="none" strike="noStrike" cap="none" normalizeH="0" baseline="0" dirty="0">
+                <a:ln>
+                  <a:noFill/>
+                </a:ln>
+                <a:solidFill>
+                  <a:srgbClr val="000000"/>
+                </a:solidFill>
+                <a:effectLst/>
+                <a:latin typeface="Courier New" panose="02070309020205020404" pitchFamily="49" charset="0"/>
+                <a:cs typeface="Courier New" panose="02070309020205020404" pitchFamily="49" charset="0"/>
+              </a:rPr>
+              <a:t>,</a:t>
+            </a:r>
+            <a:br>
+              <a:rPr kumimoji="0" lang="pt-BR" altLang="pt-BR" sz="1400" b="0" i="0" u="none" strike="noStrike" cap="none" normalizeH="0" baseline="0" dirty="0">
+                <a:ln>
+                  <a:noFill/>
+                </a:ln>
+                <a:solidFill>
+                  <a:srgbClr val="000000"/>
+                </a:solidFill>
+                <a:effectLst/>
+                <a:latin typeface="Courier New" panose="02070309020205020404" pitchFamily="49" charset="0"/>
+                <a:cs typeface="Courier New" panose="02070309020205020404" pitchFamily="49" charset="0"/>
+              </a:rPr>
+            </a:br>
+            <a:r>
+              <a:rPr kumimoji="0" lang="pt-BR" altLang="pt-BR" sz="1400" b="0" i="0" u="none" strike="noStrike" cap="none" normalizeH="0" baseline="0" dirty="0">
+                <a:ln>
+                  <a:noFill/>
+                </a:ln>
+                <a:solidFill>
+                  <a:srgbClr val="000000"/>
+                </a:solidFill>
+                <a:effectLst/>
+                <a:latin typeface="Courier New" panose="02070309020205020404" pitchFamily="49" charset="0"/>
+                <a:cs typeface="Courier New" panose="02070309020205020404" pitchFamily="49" charset="0"/>
+              </a:rPr>
+              <a:t>	      </a:t>
+            </a:r>
+            <a:r>
+              <a:rPr kumimoji="0" lang="pt-BR" altLang="pt-BR" sz="1400" b="0" i="0" u="none" strike="noStrike" cap="none" normalizeH="0" baseline="0" dirty="0" err="1">
+                <a:ln>
+                  <a:noFill/>
+                </a:ln>
+                <a:solidFill>
+                  <a:srgbClr val="000000"/>
+                </a:solidFill>
+                <a:effectLst/>
+                <a:latin typeface="Courier New" panose="02070309020205020404" pitchFamily="49" charset="0"/>
+                <a:cs typeface="Courier New" panose="02070309020205020404" pitchFamily="49" charset="0"/>
+              </a:rPr>
+              <a:t>task.getResult</a:t>
+            </a:r>
+            <a:r>
+              <a:rPr kumimoji="0" lang="pt-BR" altLang="pt-BR" sz="1400" b="0" i="0" u="none" strike="noStrike" cap="none" normalizeH="0" baseline="0" dirty="0">
+                <a:ln>
+                  <a:noFill/>
+                </a:ln>
+                <a:solidFill>
+                  <a:srgbClr val="000000"/>
+                </a:solidFill>
+                <a:effectLst/>
+                <a:latin typeface="Courier New" panose="02070309020205020404" pitchFamily="49" charset="0"/>
+                <a:cs typeface="Courier New" panose="02070309020205020404" pitchFamily="49" charset="0"/>
+              </a:rPr>
+              <a:t>().</a:t>
+            </a:r>
+            <a:r>
+              <a:rPr kumimoji="0" lang="pt-BR" altLang="pt-BR" sz="1400" b="0" i="0" u="none" strike="noStrike" cap="none" normalizeH="0" baseline="0" dirty="0" err="1">
+                <a:ln>
+                  <a:noFill/>
+                </a:ln>
+                <a:solidFill>
+                  <a:srgbClr val="000000"/>
+                </a:solidFill>
+                <a:effectLst/>
+                <a:latin typeface="Courier New" panose="02070309020205020404" pitchFamily="49" charset="0"/>
+                <a:cs typeface="Courier New" panose="02070309020205020404" pitchFamily="49" charset="0"/>
+              </a:rPr>
+              <a:t>getDownloadUrl</a:t>
+            </a:r>
+            <a:r>
+              <a:rPr kumimoji="0" lang="pt-BR" altLang="pt-BR" sz="1400" b="0" i="0" u="none" strike="noStrike" cap="none" normalizeH="0" baseline="0" dirty="0">
+                <a:ln>
+                  <a:noFill/>
+                </a:ln>
+                <a:solidFill>
+                  <a:srgbClr val="000000"/>
+                </a:solidFill>
+                <a:effectLst/>
+                <a:latin typeface="Courier New" panose="02070309020205020404" pitchFamily="49" charset="0"/>
+                <a:cs typeface="Courier New" panose="02070309020205020404" pitchFamily="49" charset="0"/>
+              </a:rPr>
+              <a:t>().</a:t>
+            </a:r>
+            <a:r>
+              <a:rPr kumimoji="0" lang="pt-BR" altLang="pt-BR" sz="1400" b="0" i="0" u="none" strike="noStrike" cap="none" normalizeH="0" baseline="0" dirty="0" err="1">
+                <a:ln>
+                  <a:noFill/>
+                </a:ln>
+                <a:solidFill>
+                  <a:srgbClr val="000000"/>
+                </a:solidFill>
+                <a:effectLst/>
+                <a:latin typeface="Courier New" panose="02070309020205020404" pitchFamily="49" charset="0"/>
+                <a:cs typeface="Courier New" panose="02070309020205020404" pitchFamily="49" charset="0"/>
+              </a:rPr>
+              <a:t>toString</a:t>
+            </a:r>
+            <a:r>
+              <a:rPr kumimoji="0" lang="pt-BR" altLang="pt-BR" sz="1400" b="0" i="0" u="none" strike="noStrike" cap="none" normalizeH="0" baseline="0" dirty="0">
+                <a:ln>
+                  <a:noFill/>
+                </a:ln>
+                <a:solidFill>
+                  <a:srgbClr val="000000"/>
+                </a:solidFill>
+                <a:effectLst/>
+                <a:latin typeface="Courier New" panose="02070309020205020404" pitchFamily="49" charset="0"/>
+                <a:cs typeface="Courier New" panose="02070309020205020404" pitchFamily="49" charset="0"/>
+              </a:rPr>
+              <a:t>(),  </a:t>
+            </a:r>
+            <a:r>
+              <a:rPr kumimoji="0" lang="pt-BR" altLang="pt-BR" sz="1400" b="1" i="0" u="none" strike="noStrike" cap="none" normalizeH="0" baseline="0" dirty="0" err="1">
+                <a:ln>
+                  <a:noFill/>
+                </a:ln>
+                <a:solidFill>
+                  <a:srgbClr val="660E7A"/>
+                </a:solidFill>
+                <a:effectLst/>
+                <a:latin typeface="Courier New" panose="02070309020205020404" pitchFamily="49" charset="0"/>
+                <a:cs typeface="Courier New" panose="02070309020205020404" pitchFamily="49" charset="0"/>
+              </a:rPr>
+              <a:t>interests</a:t>
+            </a:r>
+            <a:r>
+              <a:rPr kumimoji="0" lang="pt-BR" altLang="pt-BR" sz="1400" b="0" i="0" u="none" strike="noStrike" cap="none" normalizeH="0" baseline="0" dirty="0">
+                <a:ln>
+                  <a:noFill/>
+                </a:ln>
+                <a:solidFill>
+                  <a:srgbClr val="000000"/>
+                </a:solidFill>
+                <a:effectLst/>
+                <a:latin typeface="Courier New" panose="02070309020205020404" pitchFamily="49" charset="0"/>
+                <a:cs typeface="Courier New" panose="02070309020205020404" pitchFamily="49" charset="0"/>
+              </a:rPr>
+              <a:t>);</a:t>
+            </a:r>
+            <a:br>
+              <a:rPr kumimoji="0" lang="pt-BR" altLang="pt-BR" sz="1400" b="0" i="0" u="none" strike="noStrike" cap="none" normalizeH="0" baseline="0" dirty="0">
+                <a:ln>
+                  <a:noFill/>
+                </a:ln>
+                <a:solidFill>
+                  <a:srgbClr val="000000"/>
+                </a:solidFill>
+                <a:effectLst/>
+                <a:latin typeface="Courier New" panose="02070309020205020404" pitchFamily="49" charset="0"/>
+                <a:cs typeface="Courier New" panose="02070309020205020404" pitchFamily="49" charset="0"/>
+              </a:rPr>
+            </a:br>
+            <a:r>
+              <a:rPr kumimoji="0" lang="pt-BR" altLang="pt-BR" sz="1400" b="0" i="0" u="none" strike="noStrike" cap="none" normalizeH="0" baseline="0" dirty="0">
+                <a:ln>
+                  <a:noFill/>
+                </a:ln>
+                <a:solidFill>
+                  <a:srgbClr val="000000"/>
+                </a:solidFill>
+                <a:effectLst/>
+                <a:latin typeface="Courier New" panose="02070309020205020404" pitchFamily="49" charset="0"/>
+                <a:cs typeface="Courier New" panose="02070309020205020404" pitchFamily="49" charset="0"/>
+              </a:rPr>
+              <a:t>           // </a:t>
+            </a:r>
+            <a:r>
+              <a:rPr kumimoji="0" lang="pt-BR" altLang="pt-BR" sz="1400" b="0" i="0" u="none" strike="noStrike" cap="none" normalizeH="0" baseline="0" dirty="0" err="1">
+                <a:ln>
+                  <a:noFill/>
+                </a:ln>
+                <a:solidFill>
+                  <a:srgbClr val="000000"/>
+                </a:solidFill>
+                <a:effectLst/>
+                <a:latin typeface="Courier New" panose="02070309020205020404" pitchFamily="49" charset="0"/>
+                <a:cs typeface="Courier New" panose="02070309020205020404" pitchFamily="49" charset="0"/>
+              </a:rPr>
+              <a:t>Register</a:t>
+            </a:r>
+            <a:r>
+              <a:rPr kumimoji="0" lang="pt-BR" altLang="pt-BR" sz="1400" b="0" i="0" u="none" strike="noStrike" cap="none" normalizeH="0" baseline="0" dirty="0">
+                <a:ln>
+                  <a:noFill/>
+                </a:ln>
+                <a:solidFill>
+                  <a:srgbClr val="000000"/>
+                </a:solidFill>
+                <a:effectLst/>
+                <a:latin typeface="Courier New" panose="02070309020205020404" pitchFamily="49" charset="0"/>
+                <a:cs typeface="Courier New" panose="02070309020205020404" pitchFamily="49" charset="0"/>
+              </a:rPr>
+              <a:t> </a:t>
+            </a:r>
+            <a:r>
+              <a:rPr kumimoji="0" lang="pt-BR" altLang="pt-BR" sz="1400" b="0" i="0" u="none" strike="noStrike" cap="none" normalizeH="0" baseline="0" dirty="0" err="1">
+                <a:ln>
+                  <a:noFill/>
+                </a:ln>
+                <a:solidFill>
+                  <a:srgbClr val="000000"/>
+                </a:solidFill>
+                <a:effectLst/>
+                <a:latin typeface="Courier New" panose="02070309020205020404" pitchFamily="49" charset="0"/>
+                <a:cs typeface="Courier New" panose="02070309020205020404" pitchFamily="49" charset="0"/>
+              </a:rPr>
+              <a:t>user</a:t>
+            </a:r>
+            <a:r>
+              <a:rPr kumimoji="0" lang="pt-BR" altLang="pt-BR" sz="1400" b="0" i="0" u="none" strike="noStrike" cap="none" normalizeH="0" baseline="0" dirty="0">
+                <a:ln>
+                  <a:noFill/>
+                </a:ln>
+                <a:solidFill>
+                  <a:srgbClr val="000000"/>
+                </a:solidFill>
+                <a:effectLst/>
+                <a:latin typeface="Courier New" panose="02070309020205020404" pitchFamily="49" charset="0"/>
+                <a:cs typeface="Courier New" panose="02070309020205020404" pitchFamily="49" charset="0"/>
+              </a:rPr>
+              <a:t> </a:t>
+            </a:r>
+            <a:br>
+              <a:rPr kumimoji="0" lang="pt-BR" altLang="pt-BR" sz="1400" b="0" i="0" u="none" strike="noStrike" cap="none" normalizeH="0" baseline="0" dirty="0">
+                <a:ln>
+                  <a:noFill/>
+                </a:ln>
+                <a:solidFill>
+                  <a:srgbClr val="000000"/>
+                </a:solidFill>
+                <a:effectLst/>
+                <a:latin typeface="Courier New" panose="02070309020205020404" pitchFamily="49" charset="0"/>
+                <a:cs typeface="Courier New" panose="02070309020205020404" pitchFamily="49" charset="0"/>
+              </a:rPr>
+            </a:br>
+            <a:r>
+              <a:rPr kumimoji="0" lang="pt-BR" altLang="pt-BR" sz="1400" b="0" i="0" u="none" strike="noStrike" cap="none" normalizeH="0" baseline="0" dirty="0">
+                <a:ln>
+                  <a:noFill/>
+                </a:ln>
+                <a:solidFill>
+                  <a:srgbClr val="000000"/>
+                </a:solidFill>
+                <a:effectLst/>
+                <a:latin typeface="Courier New" panose="02070309020205020404" pitchFamily="49" charset="0"/>
+                <a:cs typeface="Courier New" panose="02070309020205020404" pitchFamily="49" charset="0"/>
+              </a:rPr>
+              <a:t>        }</a:t>
+            </a:r>
+            <a:br>
+              <a:rPr kumimoji="0" lang="pt-BR" altLang="pt-BR" sz="1400" b="0" i="0" u="none" strike="noStrike" cap="none" normalizeH="0" baseline="0" dirty="0">
+                <a:ln>
+                  <a:noFill/>
+                </a:ln>
+                <a:solidFill>
+                  <a:srgbClr val="000000"/>
+                </a:solidFill>
+                <a:effectLst/>
+                <a:latin typeface="Courier New" panose="02070309020205020404" pitchFamily="49" charset="0"/>
+                <a:cs typeface="Courier New" panose="02070309020205020404" pitchFamily="49" charset="0"/>
+              </a:rPr>
+            </a:br>
+            <a:r>
+              <a:rPr kumimoji="0" lang="pt-BR" altLang="pt-BR" sz="1400" b="0" i="0" u="none" strike="noStrike" cap="none" normalizeH="0" baseline="0" dirty="0">
+                <a:ln>
+                  <a:noFill/>
+                </a:ln>
+                <a:solidFill>
+                  <a:srgbClr val="000000"/>
+                </a:solidFill>
+                <a:effectLst/>
+                <a:latin typeface="Courier New" panose="02070309020205020404" pitchFamily="49" charset="0"/>
+                <a:cs typeface="Courier New" panose="02070309020205020404" pitchFamily="49" charset="0"/>
+              </a:rPr>
+              <a:t>    }</a:t>
+            </a:r>
+            <a:br>
+              <a:rPr kumimoji="0" lang="pt-BR" altLang="pt-BR" sz="1400" b="0" i="0" u="none" strike="noStrike" cap="none" normalizeH="0" baseline="0" dirty="0">
+                <a:ln>
+                  <a:noFill/>
+                </a:ln>
+                <a:solidFill>
+                  <a:srgbClr val="000000"/>
+                </a:solidFill>
+                <a:effectLst/>
+                <a:latin typeface="Courier New" panose="02070309020205020404" pitchFamily="49" charset="0"/>
+                <a:cs typeface="Courier New" panose="02070309020205020404" pitchFamily="49" charset="0"/>
+              </a:rPr>
+            </a:br>
+            <a:r>
+              <a:rPr kumimoji="0" lang="pt-BR" altLang="pt-BR" sz="1400" b="0" i="0" u="none" strike="noStrike" cap="none" normalizeH="0" baseline="0" dirty="0">
+                <a:ln>
+                  <a:noFill/>
+                </a:ln>
+                <a:solidFill>
+                  <a:srgbClr val="000000"/>
+                </a:solidFill>
+                <a:effectLst/>
+                <a:latin typeface="Courier New" panose="02070309020205020404" pitchFamily="49" charset="0"/>
+                <a:cs typeface="Courier New" panose="02070309020205020404" pitchFamily="49" charset="0"/>
+              </a:rPr>
+              <a:t>});</a:t>
+            </a:r>
+            <a:endParaRPr kumimoji="0" lang="pt-BR" altLang="pt-BR" sz="3200" b="0" i="0" u="none" strike="noStrike" cap="none" normalizeH="0" baseline="0" dirty="0">
+              <a:ln>
+                <a:noFill/>
+              </a:ln>
+              <a:solidFill>
+                <a:schemeClr val="tx1"/>
+              </a:solidFill>
+              <a:effectLst/>
+              <a:latin typeface="Arial" panose="020B0604020202020204" pitchFamily="34" charset="0"/>
+            </a:endParaRPr>
+          </a:p>
+        </p:txBody>
+      </p:sp>
+    </p:spTree>
+    <p:extLst>
+      <p:ext uri="{BB962C8B-B14F-4D97-AF65-F5344CB8AC3E}">
+        <p14:creationId xmlns:p14="http://schemas.microsoft.com/office/powerpoint/2010/main" val="4206285374"/>
+      </p:ext>
+    </p:extLst>
+  </p:cSld>
+  <p:clrMapOvr>
+    <a:masterClrMapping/>
+  </p:clrMapOvr>
+</p:sld>
+</file>
+
+<file path=ppt/slides/slide15.xml><?xml version="1.0" encoding="utf-8"?>
+<p:sld xmlns:a="http://schemas.openxmlformats.org/drawingml/2006/main" xmlns:r="http://schemas.openxmlformats.org/officeDocument/2006/relationships" xmlns:p="http://schemas.openxmlformats.org/presentationml/2006/main">
+  <p:cSld>
+    <p:spTree>
+      <p:nvGrpSpPr>
+        <p:cNvPr id="1" name=""/>
+        <p:cNvGrpSpPr/>
+        <p:nvPr/>
+      </p:nvGrpSpPr>
+      <p:grpSpPr>
+        <a:xfrm>
+          <a:off x="0" y="0"/>
+          <a:ext cx="0" cy="0"/>
+          <a:chOff x="0" y="0"/>
+          <a:chExt cx="0" cy="0"/>
+        </a:xfrm>
+      </p:grpSpPr>
+      <p:sp>
+        <p:nvSpPr>
+          <p:cNvPr id="2" name="CaixaDeTexto 1">
+            <a:extLst>
+              <a:ext uri="{FF2B5EF4-FFF2-40B4-BE49-F238E27FC236}">
+                <a16:creationId xmlns:a16="http://schemas.microsoft.com/office/drawing/2014/main" id="{40901D67-8F3F-411C-B4AD-F0E78CB1D8CA}"/>
+              </a:ext>
+            </a:extLst>
+          </p:cNvPr>
+          <p:cNvSpPr txBox="1"/>
+          <p:nvPr/>
+        </p:nvSpPr>
+        <p:spPr>
+          <a:xfrm>
+            <a:off x="399245" y="540913"/>
+            <a:ext cx="5241701" cy="646331"/>
+          </a:xfrm>
+          <a:prstGeom prst="rect">
+            <a:avLst/>
+          </a:prstGeom>
+          <a:noFill/>
+        </p:spPr>
+        <p:txBody>
+          <a:bodyPr wrap="square" rtlCol="0">
+            <a:spAutoFit/>
+          </a:bodyPr>
+          <a:lstStyle/>
+          <a:p>
+            <a:r>
+              <a:rPr lang="pt-BR" sz="3600" dirty="0">
+                <a:solidFill>
+                  <a:srgbClr val="343434"/>
+                </a:solidFill>
+                <a:latin typeface="Gotham Rounded Medium" pitchFamily="50" charset="0"/>
+              </a:rPr>
+              <a:t>Banco de dados</a:t>
+            </a:r>
+          </a:p>
+        </p:txBody>
+      </p:sp>
+      <p:sp>
+        <p:nvSpPr>
+          <p:cNvPr id="5" name="Rectangle 2">
+            <a:extLst>
+              <a:ext uri="{FF2B5EF4-FFF2-40B4-BE49-F238E27FC236}">
+                <a16:creationId xmlns:a16="http://schemas.microsoft.com/office/drawing/2014/main" id="{D320CC24-92D8-4DE5-BA89-1C9414FEF140}"/>
+              </a:ext>
+            </a:extLst>
+          </p:cNvPr>
+          <p:cNvSpPr>
+            <a:spLocks noChangeArrowheads="1"/>
+          </p:cNvSpPr>
+          <p:nvPr/>
+        </p:nvSpPr>
+        <p:spPr bwMode="auto">
+          <a:xfrm>
+            <a:off x="399245" y="1760768"/>
+            <a:ext cx="10135673" cy="1971309"/>
+          </a:xfrm>
+          <a:prstGeom prst="rect">
+            <a:avLst/>
+          </a:prstGeom>
+          <a:noFill/>
+          <a:ln>
+            <a:noFill/>
+          </a:ln>
+          <a:effectLst/>
+          <a:extLst>
+            <a:ext uri="{909E8E84-426E-40DD-AFC4-6F175D3DCCD1}">
+              <a14:hiddenFill xmlns:a14="http://schemas.microsoft.com/office/drawing/2010/main">
+                <a:solidFill>
+                  <a:schemeClr val="accent1"/>
+                </a:solidFill>
+              </a14:hiddenFill>
+            </a:ext>
+            <a:ext uri="{91240B29-F687-4F45-9708-019B960494DF}">
+              <a14:hiddenLine xmlns:a14="http://schemas.microsoft.com/office/drawing/2010/main" w="9525">
+                <a:solidFill>
+                  <a:schemeClr val="tx1"/>
+                </a:solidFill>
+                <a:miter lim="800000"/>
+                <a:headEnd/>
+                <a:tailEnd/>
+              </a14:hiddenLine>
+            </a:ext>
+            <a:ext uri="{AF507438-7753-43E0-B8FC-AC1667EBCBE1}">
+              <a14:hiddenEffects xmlns:a14="http://schemas.microsoft.com/office/drawing/2010/main">
+                <a:effectLst>
+                  <a:outerShdw dist="35921" dir="2700000" algn="ctr" rotWithShape="0">
+                    <a:schemeClr val="bg2"/>
+                  </a:outerShdw>
+                </a:effectLst>
+              </a14:hiddenEffects>
+            </a:ext>
+          </a:extLst>
+        </p:spPr>
+        <p:txBody>
+          <a:bodyPr vert="horz" wrap="square" lIns="0" tIns="0" rIns="0" bIns="0" numCol="1" anchor="ctr" anchorCtr="0" compatLnSpc="1">
+            <a:prstTxWarp prst="textNoShape">
+              <a:avLst/>
+            </a:prstTxWarp>
+            <a:spAutoFit/>
+          </a:bodyPr>
+          <a:lstStyle/>
+          <a:p>
+            <a:pPr marL="285750" lvl="0" indent="-285750" eaLnBrk="0" fontAlgn="base" hangingPunct="0">
+              <a:lnSpc>
+                <a:spcPct val="250000"/>
+              </a:lnSpc>
+              <a:spcBef>
+                <a:spcPct val="0"/>
+              </a:spcBef>
+              <a:spcAft>
+                <a:spcPct val="0"/>
+              </a:spcAft>
+              <a:buFont typeface="Arial" panose="020B0604020202020204" pitchFamily="34" charset="0"/>
+              <a:buChar char="•"/>
+            </a:pPr>
+            <a:r>
+              <a:rPr lang="pt-BR" sz="2800" dirty="0">
+                <a:solidFill>
+                  <a:srgbClr val="343434"/>
+                </a:solidFill>
+                <a:latin typeface="Gotham Rounded Light" pitchFamily="50" charset="0"/>
+              </a:rPr>
+              <a:t>Criado para armazenar arquivos gerado pelos usuários</a:t>
+            </a:r>
+          </a:p>
+          <a:p>
+            <a:pPr marL="285750" lvl="0" indent="-285750" eaLnBrk="0" fontAlgn="base" hangingPunct="0">
+              <a:lnSpc>
+                <a:spcPct val="250000"/>
+              </a:lnSpc>
+              <a:spcBef>
+                <a:spcPct val="0"/>
+              </a:spcBef>
+              <a:spcAft>
+                <a:spcPct val="0"/>
+              </a:spcAft>
+              <a:buFont typeface="Arial" panose="020B0604020202020204" pitchFamily="34" charset="0"/>
+              <a:buChar char="•"/>
+            </a:pPr>
+            <a:r>
+              <a:rPr lang="pt-BR" sz="2800" dirty="0">
+                <a:solidFill>
+                  <a:srgbClr val="343434"/>
+                </a:solidFill>
+                <a:latin typeface="Gotham Rounded Light" pitchFamily="50" charset="0"/>
+              </a:rPr>
+              <a:t>Upload e download seguros</a:t>
+            </a:r>
+          </a:p>
+        </p:txBody>
+      </p:sp>
+    </p:spTree>
+    <p:extLst>
+      <p:ext uri="{BB962C8B-B14F-4D97-AF65-F5344CB8AC3E}">
+        <p14:creationId xmlns:p14="http://schemas.microsoft.com/office/powerpoint/2010/main" val="4230861575"/>
+      </p:ext>
+    </p:extLst>
+  </p:cSld>
+  <p:clrMapOvr>
+    <a:masterClrMapping/>
+  </p:clrMapOvr>
+</p:sld>
+</file>
+
 <file path=ppt/slides/slide2.xml><?xml version="1.0" encoding="utf-8"?>
 <p:sld xmlns:a="http://schemas.openxmlformats.org/drawingml/2006/main" xmlns:r="http://schemas.openxmlformats.org/officeDocument/2006/relationships" xmlns:p="http://schemas.openxmlformats.org/presentationml/2006/main">
   <p:cSld>
@@ -3877,10 +9926,1746 @@
           <a:chExt cx="0" cy="0"/>
         </a:xfrm>
       </p:grpSpPr>
+      <p:sp>
+        <p:nvSpPr>
+          <p:cNvPr id="2" name="CaixaDeTexto 1">
+            <a:extLst>
+              <a:ext uri="{FF2B5EF4-FFF2-40B4-BE49-F238E27FC236}">
+                <a16:creationId xmlns:a16="http://schemas.microsoft.com/office/drawing/2014/main" id="{9AFEEAAA-A889-420D-96D2-3F86E1745573}"/>
+              </a:ext>
+            </a:extLst>
+          </p:cNvPr>
+          <p:cNvSpPr txBox="1"/>
+          <p:nvPr/>
+        </p:nvSpPr>
+        <p:spPr>
+          <a:xfrm>
+            <a:off x="399245" y="540913"/>
+            <a:ext cx="6581104" cy="646331"/>
+          </a:xfrm>
+          <a:prstGeom prst="rect">
+            <a:avLst/>
+          </a:prstGeom>
+          <a:noFill/>
+        </p:spPr>
+        <p:txBody>
+          <a:bodyPr wrap="square" rtlCol="0">
+            <a:spAutoFit/>
+          </a:bodyPr>
+          <a:lstStyle/>
+          <a:p>
+            <a:r>
+              <a:rPr lang="pt-BR" sz="3600" dirty="0">
+                <a:solidFill>
+                  <a:srgbClr val="343434"/>
+                </a:solidFill>
+                <a:latin typeface="Gotham Rounded Medium" pitchFamily="50" charset="0"/>
+              </a:rPr>
+              <a:t>Você quer acompanhar?</a:t>
+            </a:r>
+          </a:p>
+        </p:txBody>
+      </p:sp>
+      <p:sp>
+        <p:nvSpPr>
+          <p:cNvPr id="3" name="CaixaDeTexto 2">
+            <a:extLst>
+              <a:ext uri="{FF2B5EF4-FFF2-40B4-BE49-F238E27FC236}">
+                <a16:creationId xmlns:a16="http://schemas.microsoft.com/office/drawing/2014/main" id="{0C36327B-3C13-40D7-AD88-340048AFDD80}"/>
+              </a:ext>
+            </a:extLst>
+          </p:cNvPr>
+          <p:cNvSpPr txBox="1"/>
+          <p:nvPr/>
+        </p:nvSpPr>
+        <p:spPr>
+          <a:xfrm>
+            <a:off x="399245" y="1468192"/>
+            <a:ext cx="7765960" cy="523220"/>
+          </a:xfrm>
+          <a:prstGeom prst="rect">
+            <a:avLst/>
+          </a:prstGeom>
+          <a:noFill/>
+        </p:spPr>
+        <p:txBody>
+          <a:bodyPr wrap="square" rtlCol="0">
+            <a:spAutoFit/>
+          </a:bodyPr>
+          <a:lstStyle/>
+          <a:p>
+            <a:r>
+              <a:rPr lang="pt-BR" sz="2800" b="1" dirty="0">
+                <a:latin typeface="Gotham Rounded Medium" pitchFamily="50" charset="0"/>
+              </a:rPr>
+              <a:t>Play </a:t>
+            </a:r>
+            <a:r>
+              <a:rPr lang="pt-BR" sz="2800" b="1" dirty="0" err="1">
+                <a:latin typeface="Gotham Rounded Medium" pitchFamily="50" charset="0"/>
+              </a:rPr>
+              <a:t>Store</a:t>
+            </a:r>
+            <a:r>
+              <a:rPr lang="pt-BR" sz="2800" b="1" dirty="0">
+                <a:latin typeface="Gotham Rounded Medium" pitchFamily="50" charset="0"/>
+              </a:rPr>
+              <a:t>:</a:t>
+            </a:r>
+            <a:r>
+              <a:rPr lang="pt-BR" sz="2800" dirty="0">
+                <a:latin typeface="Gotham Rounded Medium" pitchFamily="50" charset="0"/>
+              </a:rPr>
+              <a:t> </a:t>
+            </a:r>
+            <a:r>
+              <a:rPr lang="pt-BR" sz="2800" dirty="0">
+                <a:latin typeface="Gotham Rounded Light" pitchFamily="50" charset="0"/>
+              </a:rPr>
+              <a:t>https://goo.gl/qZCR5r</a:t>
+            </a:r>
+          </a:p>
+        </p:txBody>
+      </p:sp>
+      <p:sp>
+        <p:nvSpPr>
+          <p:cNvPr id="5" name="CaixaDeTexto 4">
+            <a:extLst>
+              <a:ext uri="{FF2B5EF4-FFF2-40B4-BE49-F238E27FC236}">
+                <a16:creationId xmlns:a16="http://schemas.microsoft.com/office/drawing/2014/main" id="{52A1BA58-3004-4CE3-BBAA-B62E06DF0E11}"/>
+              </a:ext>
+            </a:extLst>
+          </p:cNvPr>
+          <p:cNvSpPr txBox="1"/>
+          <p:nvPr/>
+        </p:nvSpPr>
+        <p:spPr>
+          <a:xfrm>
+            <a:off x="399245" y="2272360"/>
+            <a:ext cx="11088710" cy="523220"/>
+          </a:xfrm>
+          <a:prstGeom prst="rect">
+            <a:avLst/>
+          </a:prstGeom>
+          <a:noFill/>
+        </p:spPr>
+        <p:txBody>
+          <a:bodyPr wrap="square" rtlCol="0">
+            <a:spAutoFit/>
+          </a:bodyPr>
+          <a:lstStyle/>
+          <a:p>
+            <a:r>
+              <a:rPr lang="pt-BR" sz="2800" b="1" dirty="0" err="1">
+                <a:latin typeface="Gotham Rounded Medium" pitchFamily="50" charset="0"/>
+              </a:rPr>
+              <a:t>Github</a:t>
+            </a:r>
+            <a:r>
+              <a:rPr lang="pt-BR" sz="2800" b="1" dirty="0">
+                <a:latin typeface="Gotham Rounded Medium" pitchFamily="50" charset="0"/>
+              </a:rPr>
+              <a:t>:</a:t>
+            </a:r>
+            <a:r>
+              <a:rPr lang="pt-BR" sz="2800" dirty="0">
+                <a:latin typeface="Gotham Rounded Medium" pitchFamily="50" charset="0"/>
+              </a:rPr>
+              <a:t> </a:t>
+            </a:r>
+            <a:r>
+              <a:rPr lang="pt-BR" sz="2800" dirty="0">
+                <a:latin typeface="Gotham Rounded Light" pitchFamily="50" charset="0"/>
+              </a:rPr>
+              <a:t>https://github.com/anacoimbrag/Android-Firebase</a:t>
+            </a:r>
+          </a:p>
+        </p:txBody>
+      </p:sp>
+      <p:sp>
+        <p:nvSpPr>
+          <p:cNvPr id="6" name="CaixaDeTexto 5">
+            <a:extLst>
+              <a:ext uri="{FF2B5EF4-FFF2-40B4-BE49-F238E27FC236}">
+                <a16:creationId xmlns:a16="http://schemas.microsoft.com/office/drawing/2014/main" id="{D4D6F769-1757-4DD8-BCED-E7C9451EA5DC}"/>
+              </a:ext>
+            </a:extLst>
+          </p:cNvPr>
+          <p:cNvSpPr txBox="1"/>
+          <p:nvPr/>
+        </p:nvSpPr>
+        <p:spPr>
+          <a:xfrm>
+            <a:off x="2805448" y="3990305"/>
+            <a:ext cx="6581104" cy="2123658"/>
+          </a:xfrm>
+          <a:prstGeom prst="rect">
+            <a:avLst/>
+          </a:prstGeom>
+          <a:noFill/>
+        </p:spPr>
+        <p:txBody>
+          <a:bodyPr wrap="square" rtlCol="0">
+            <a:spAutoFit/>
+          </a:bodyPr>
+          <a:lstStyle/>
+          <a:p>
+            <a:pPr algn="ctr"/>
+            <a:r>
+              <a:rPr lang="pt-BR" sz="6600" dirty="0">
+                <a:solidFill>
+                  <a:srgbClr val="343434"/>
+                </a:solidFill>
+                <a:latin typeface="Gotham Rounded Medium" pitchFamily="50" charset="0"/>
+              </a:rPr>
+              <a:t>Tudo pronto? Vamos lá!</a:t>
+            </a:r>
+          </a:p>
+        </p:txBody>
+      </p:sp>
     </p:spTree>
     <p:extLst>
       <p:ext uri="{BB962C8B-B14F-4D97-AF65-F5344CB8AC3E}">
         <p14:creationId xmlns:p14="http://schemas.microsoft.com/office/powerpoint/2010/main" val="1548328934"/>
+      </p:ext>
+    </p:extLst>
+  </p:cSld>
+  <p:clrMapOvr>
+    <a:masterClrMapping/>
+  </p:clrMapOvr>
+</p:sld>
+</file>
+
+<file path=ppt/slides/slide5.xml><?xml version="1.0" encoding="utf-8"?>
+<p:sld xmlns:a="http://schemas.openxmlformats.org/drawingml/2006/main" xmlns:r="http://schemas.openxmlformats.org/officeDocument/2006/relationships" xmlns:p="http://schemas.openxmlformats.org/presentationml/2006/main">
+  <p:cSld>
+    <p:spTree>
+      <p:nvGrpSpPr>
+        <p:cNvPr id="1" name=""/>
+        <p:cNvGrpSpPr/>
+        <p:nvPr/>
+      </p:nvGrpSpPr>
+      <p:grpSpPr>
+        <a:xfrm>
+          <a:off x="0" y="0"/>
+          <a:ext cx="0" cy="0"/>
+          <a:chOff x="0" y="0"/>
+          <a:chExt cx="0" cy="0"/>
+        </a:xfrm>
+      </p:grpSpPr>
+      <p:pic>
+        <p:nvPicPr>
+          <p:cNvPr id="2" name="Imagem 1">
+            <a:extLst>
+              <a:ext uri="{FF2B5EF4-FFF2-40B4-BE49-F238E27FC236}">
+                <a16:creationId xmlns:a16="http://schemas.microsoft.com/office/drawing/2014/main" id="{B16A41FC-FD85-4F5E-9303-3C54176DE2D0}"/>
+              </a:ext>
+            </a:extLst>
+          </p:cNvPr>
+          <p:cNvPicPr>
+            <a:picLocks noChangeAspect="1"/>
+          </p:cNvPicPr>
+          <p:nvPr/>
+        </p:nvPicPr>
+        <p:blipFill rotWithShape="1">
+          <a:blip r:embed="rId2"/>
+          <a:srcRect l="933" t="1201" r="780"/>
+          <a:stretch/>
+        </p:blipFill>
+        <p:spPr>
+          <a:xfrm>
+            <a:off x="5318974" y="206060"/>
+            <a:ext cx="6490953" cy="6342711"/>
+          </a:xfrm>
+          <a:prstGeom prst="rect">
+            <a:avLst/>
+          </a:prstGeom>
+        </p:spPr>
+      </p:pic>
+      <p:sp>
+        <p:nvSpPr>
+          <p:cNvPr id="3" name="CaixaDeTexto 2">
+            <a:extLst>
+              <a:ext uri="{FF2B5EF4-FFF2-40B4-BE49-F238E27FC236}">
+                <a16:creationId xmlns:a16="http://schemas.microsoft.com/office/drawing/2014/main" id="{75D4F4FE-7AEC-40BE-B961-CB8873641519}"/>
+              </a:ext>
+            </a:extLst>
+          </p:cNvPr>
+          <p:cNvSpPr txBox="1"/>
+          <p:nvPr/>
+        </p:nvSpPr>
+        <p:spPr>
+          <a:xfrm>
+            <a:off x="360608" y="540913"/>
+            <a:ext cx="4443211" cy="1200329"/>
+          </a:xfrm>
+          <a:prstGeom prst="rect">
+            <a:avLst/>
+          </a:prstGeom>
+          <a:noFill/>
+        </p:spPr>
+        <p:txBody>
+          <a:bodyPr wrap="square" rtlCol="0">
+            <a:spAutoFit/>
+          </a:bodyPr>
+          <a:lstStyle/>
+          <a:p>
+            <a:r>
+              <a:rPr lang="pt-BR" sz="3600" dirty="0">
+                <a:solidFill>
+                  <a:srgbClr val="343434"/>
+                </a:solidFill>
+                <a:latin typeface="Gotham Rounded Medium" pitchFamily="50" charset="0"/>
+              </a:rPr>
+              <a:t>Configuração Inicial</a:t>
+            </a:r>
+          </a:p>
+        </p:txBody>
+      </p:sp>
+    </p:spTree>
+    <p:extLst>
+      <p:ext uri="{BB962C8B-B14F-4D97-AF65-F5344CB8AC3E}">
+        <p14:creationId xmlns:p14="http://schemas.microsoft.com/office/powerpoint/2010/main" val="1128466812"/>
+      </p:ext>
+    </p:extLst>
+  </p:cSld>
+  <p:clrMapOvr>
+    <a:masterClrMapping/>
+  </p:clrMapOvr>
+</p:sld>
+</file>
+
+<file path=ppt/slides/slide6.xml><?xml version="1.0" encoding="utf-8"?>
+<p:sld xmlns:a="http://schemas.openxmlformats.org/drawingml/2006/main" xmlns:r="http://schemas.openxmlformats.org/officeDocument/2006/relationships" xmlns:p="http://schemas.openxmlformats.org/presentationml/2006/main">
+  <p:cSld>
+    <p:spTree>
+      <p:nvGrpSpPr>
+        <p:cNvPr id="1" name=""/>
+        <p:cNvGrpSpPr/>
+        <p:nvPr/>
+      </p:nvGrpSpPr>
+      <p:grpSpPr>
+        <a:xfrm>
+          <a:off x="0" y="0"/>
+          <a:ext cx="0" cy="0"/>
+          <a:chOff x="0" y="0"/>
+          <a:chExt cx="0" cy="0"/>
+        </a:xfrm>
+      </p:grpSpPr>
+      <p:sp>
+        <p:nvSpPr>
+          <p:cNvPr id="3" name="CaixaDeTexto 2">
+            <a:extLst>
+              <a:ext uri="{FF2B5EF4-FFF2-40B4-BE49-F238E27FC236}">
+                <a16:creationId xmlns:a16="http://schemas.microsoft.com/office/drawing/2014/main" id="{75D4F4FE-7AEC-40BE-B961-CB8873641519}"/>
+              </a:ext>
+            </a:extLst>
+          </p:cNvPr>
+          <p:cNvSpPr txBox="1"/>
+          <p:nvPr/>
+        </p:nvSpPr>
+        <p:spPr>
+          <a:xfrm>
+            <a:off x="360608" y="540913"/>
+            <a:ext cx="4443211" cy="1200329"/>
+          </a:xfrm>
+          <a:prstGeom prst="rect">
+            <a:avLst/>
+          </a:prstGeom>
+          <a:noFill/>
+        </p:spPr>
+        <p:txBody>
+          <a:bodyPr wrap="square" rtlCol="0">
+            <a:spAutoFit/>
+          </a:bodyPr>
+          <a:lstStyle/>
+          <a:p>
+            <a:r>
+              <a:rPr lang="pt-BR" sz="3600" dirty="0">
+                <a:solidFill>
+                  <a:srgbClr val="343434"/>
+                </a:solidFill>
+                <a:latin typeface="Gotham Rounded Medium" pitchFamily="50" charset="0"/>
+              </a:rPr>
+              <a:t>Configuração Inicial</a:t>
+            </a:r>
+          </a:p>
+        </p:txBody>
+      </p:sp>
+      <p:pic>
+        <p:nvPicPr>
+          <p:cNvPr id="4" name="Imagem 3">
+            <a:extLst>
+              <a:ext uri="{FF2B5EF4-FFF2-40B4-BE49-F238E27FC236}">
+                <a16:creationId xmlns:a16="http://schemas.microsoft.com/office/drawing/2014/main" id="{10F0CF2B-2959-4377-BA3F-FB79341B471C}"/>
+              </a:ext>
+            </a:extLst>
+          </p:cNvPr>
+          <p:cNvPicPr>
+            <a:picLocks noChangeAspect="1"/>
+          </p:cNvPicPr>
+          <p:nvPr/>
+        </p:nvPicPr>
+        <p:blipFill>
+          <a:blip r:embed="rId2"/>
+          <a:stretch>
+            <a:fillRect/>
+          </a:stretch>
+        </p:blipFill>
+        <p:spPr>
+          <a:xfrm>
+            <a:off x="5988408" y="218538"/>
+            <a:ext cx="5753100" cy="6343650"/>
+          </a:xfrm>
+          <a:prstGeom prst="rect">
+            <a:avLst/>
+          </a:prstGeom>
+        </p:spPr>
+      </p:pic>
+    </p:spTree>
+    <p:extLst>
+      <p:ext uri="{BB962C8B-B14F-4D97-AF65-F5344CB8AC3E}">
+        <p14:creationId xmlns:p14="http://schemas.microsoft.com/office/powerpoint/2010/main" val="1371706603"/>
+      </p:ext>
+    </p:extLst>
+  </p:cSld>
+  <p:clrMapOvr>
+    <a:masterClrMapping/>
+  </p:clrMapOvr>
+</p:sld>
+</file>
+
+<file path=ppt/slides/slide7.xml><?xml version="1.0" encoding="utf-8"?>
+<p:sld xmlns:a="http://schemas.openxmlformats.org/drawingml/2006/main" xmlns:r="http://schemas.openxmlformats.org/officeDocument/2006/relationships" xmlns:p="http://schemas.openxmlformats.org/presentationml/2006/main">
+  <p:cSld>
+    <p:spTree>
+      <p:nvGrpSpPr>
+        <p:cNvPr id="1" name=""/>
+        <p:cNvGrpSpPr/>
+        <p:nvPr/>
+      </p:nvGrpSpPr>
+      <p:grpSpPr>
+        <a:xfrm>
+          <a:off x="0" y="0"/>
+          <a:ext cx="0" cy="0"/>
+          <a:chOff x="0" y="0"/>
+          <a:chExt cx="0" cy="0"/>
+        </a:xfrm>
+      </p:grpSpPr>
+      <p:sp>
+        <p:nvSpPr>
+          <p:cNvPr id="3" name="CaixaDeTexto 2">
+            <a:extLst>
+              <a:ext uri="{FF2B5EF4-FFF2-40B4-BE49-F238E27FC236}">
+                <a16:creationId xmlns:a16="http://schemas.microsoft.com/office/drawing/2014/main" id="{75D4F4FE-7AEC-40BE-B961-CB8873641519}"/>
+              </a:ext>
+            </a:extLst>
+          </p:cNvPr>
+          <p:cNvSpPr txBox="1"/>
+          <p:nvPr/>
+        </p:nvSpPr>
+        <p:spPr>
+          <a:xfrm>
+            <a:off x="360608" y="540913"/>
+            <a:ext cx="4443211" cy="1200329"/>
+          </a:xfrm>
+          <a:prstGeom prst="rect">
+            <a:avLst/>
+          </a:prstGeom>
+          <a:noFill/>
+        </p:spPr>
+        <p:txBody>
+          <a:bodyPr wrap="square" rtlCol="0">
+            <a:spAutoFit/>
+          </a:bodyPr>
+          <a:lstStyle/>
+          <a:p>
+            <a:r>
+              <a:rPr lang="pt-BR" sz="3600" dirty="0">
+                <a:solidFill>
+                  <a:srgbClr val="343434"/>
+                </a:solidFill>
+                <a:latin typeface="Gotham Rounded Medium" pitchFamily="50" charset="0"/>
+              </a:rPr>
+              <a:t>Configuração Inicial</a:t>
+            </a:r>
+          </a:p>
+        </p:txBody>
+      </p:sp>
+      <p:pic>
+        <p:nvPicPr>
+          <p:cNvPr id="4" name="Imagem 3">
+            <a:extLst>
+              <a:ext uri="{FF2B5EF4-FFF2-40B4-BE49-F238E27FC236}">
+                <a16:creationId xmlns:a16="http://schemas.microsoft.com/office/drawing/2014/main" id="{10F0CF2B-2959-4377-BA3F-FB79341B471C}"/>
+              </a:ext>
+            </a:extLst>
+          </p:cNvPr>
+          <p:cNvPicPr>
+            <a:picLocks noChangeAspect="1"/>
+          </p:cNvPicPr>
+          <p:nvPr/>
+        </p:nvPicPr>
+        <p:blipFill>
+          <a:blip r:embed="rId2"/>
+          <a:stretch>
+            <a:fillRect/>
+          </a:stretch>
+        </p:blipFill>
+        <p:spPr>
+          <a:xfrm>
+            <a:off x="5988408" y="218538"/>
+            <a:ext cx="5753100" cy="6343650"/>
+          </a:xfrm>
+          <a:prstGeom prst="rect">
+            <a:avLst/>
+          </a:prstGeom>
+        </p:spPr>
+      </p:pic>
+    </p:spTree>
+    <p:extLst>
+      <p:ext uri="{BB962C8B-B14F-4D97-AF65-F5344CB8AC3E}">
+        <p14:creationId xmlns:p14="http://schemas.microsoft.com/office/powerpoint/2010/main" val="3848847470"/>
+      </p:ext>
+    </p:extLst>
+  </p:cSld>
+  <p:clrMapOvr>
+    <a:masterClrMapping/>
+  </p:clrMapOvr>
+</p:sld>
+</file>
+
+<file path=ppt/slides/slide8.xml><?xml version="1.0" encoding="utf-8"?>
+<p:sld xmlns:a="http://schemas.openxmlformats.org/drawingml/2006/main" xmlns:r="http://schemas.openxmlformats.org/officeDocument/2006/relationships" xmlns:p="http://schemas.openxmlformats.org/presentationml/2006/main">
+  <p:cSld>
+    <p:spTree>
+      <p:nvGrpSpPr>
+        <p:cNvPr id="1" name=""/>
+        <p:cNvGrpSpPr/>
+        <p:nvPr/>
+      </p:nvGrpSpPr>
+      <p:grpSpPr>
+        <a:xfrm>
+          <a:off x="0" y="0"/>
+          <a:ext cx="0" cy="0"/>
+          <a:chOff x="0" y="0"/>
+          <a:chExt cx="0" cy="0"/>
+        </a:xfrm>
+      </p:grpSpPr>
+      <p:sp>
+        <p:nvSpPr>
+          <p:cNvPr id="3" name="CaixaDeTexto 2">
+            <a:extLst>
+              <a:ext uri="{FF2B5EF4-FFF2-40B4-BE49-F238E27FC236}">
+                <a16:creationId xmlns:a16="http://schemas.microsoft.com/office/drawing/2014/main" id="{75D4F4FE-7AEC-40BE-B961-CB8873641519}"/>
+              </a:ext>
+            </a:extLst>
+          </p:cNvPr>
+          <p:cNvSpPr txBox="1"/>
+          <p:nvPr/>
+        </p:nvSpPr>
+        <p:spPr>
+          <a:xfrm>
+            <a:off x="508714" y="386366"/>
+            <a:ext cx="5505720" cy="646331"/>
+          </a:xfrm>
+          <a:prstGeom prst="rect">
+            <a:avLst/>
+          </a:prstGeom>
+          <a:noFill/>
+        </p:spPr>
+        <p:txBody>
+          <a:bodyPr wrap="square" rtlCol="0">
+            <a:spAutoFit/>
+          </a:bodyPr>
+          <a:lstStyle/>
+          <a:p>
+            <a:r>
+              <a:rPr lang="pt-BR" sz="3600" dirty="0">
+                <a:solidFill>
+                  <a:srgbClr val="343434"/>
+                </a:solidFill>
+                <a:latin typeface="Gotham Rounded Medium" pitchFamily="50" charset="0"/>
+              </a:rPr>
+              <a:t>Configuração Inicial</a:t>
+            </a:r>
+          </a:p>
+        </p:txBody>
+      </p:sp>
+      <p:sp>
+        <p:nvSpPr>
+          <p:cNvPr id="6" name="Rectangle 2">
+            <a:extLst>
+              <a:ext uri="{FF2B5EF4-FFF2-40B4-BE49-F238E27FC236}">
+                <a16:creationId xmlns:a16="http://schemas.microsoft.com/office/drawing/2014/main" id="{EA536984-87C7-4797-B661-F8C521C8DC84}"/>
+              </a:ext>
+            </a:extLst>
+          </p:cNvPr>
+          <p:cNvSpPr>
+            <a:spLocks noChangeArrowheads="1"/>
+          </p:cNvSpPr>
+          <p:nvPr/>
+        </p:nvSpPr>
+        <p:spPr bwMode="auto">
+          <a:xfrm>
+            <a:off x="1604083" y="1447273"/>
+            <a:ext cx="8820703" cy="1938992"/>
+          </a:xfrm>
+          <a:prstGeom prst="rect">
+            <a:avLst/>
+          </a:prstGeom>
+          <a:noFill/>
+          <a:ln>
+            <a:noFill/>
+          </a:ln>
+          <a:effectLst/>
+          <a:extLst>
+            <a:ext uri="{909E8E84-426E-40DD-AFC4-6F175D3DCCD1}">
+              <a14:hiddenFill xmlns:a14="http://schemas.microsoft.com/office/drawing/2010/main">
+                <a:solidFill>
+                  <a:schemeClr val="accent1"/>
+                </a:solidFill>
+              </a14:hiddenFill>
+            </a:ext>
+            <a:ext uri="{91240B29-F687-4F45-9708-019B960494DF}">
+              <a14:hiddenLine xmlns:a14="http://schemas.microsoft.com/office/drawing/2010/main" w="9525">
+                <a:solidFill>
+                  <a:schemeClr val="tx1"/>
+                </a:solidFill>
+                <a:miter lim="800000"/>
+                <a:headEnd/>
+                <a:tailEnd/>
+              </a14:hiddenLine>
+            </a:ext>
+            <a:ext uri="{AF507438-7753-43E0-B8FC-AC1667EBCBE1}">
+              <a14:hiddenEffects xmlns:a14="http://schemas.microsoft.com/office/drawing/2010/main">
+                <a:effectLst>
+                  <a:outerShdw dist="35921" dir="2700000" algn="ctr" rotWithShape="0">
+                    <a:schemeClr val="bg2"/>
+                  </a:outerShdw>
+                </a:effectLst>
+              </a14:hiddenEffects>
+            </a:ext>
+          </a:extLst>
+        </p:spPr>
+        <p:txBody>
+          <a:bodyPr vert="horz" wrap="square" lIns="0" tIns="0" rIns="0" bIns="0" numCol="1" anchor="ctr" anchorCtr="0" compatLnSpc="1">
+            <a:prstTxWarp prst="textNoShape">
+              <a:avLst/>
+            </a:prstTxWarp>
+            <a:spAutoFit/>
+          </a:bodyPr>
+          <a:lstStyle/>
+          <a:p>
+            <a:pPr lvl="0" eaLnBrk="0" fontAlgn="base" hangingPunct="0">
+              <a:spcBef>
+                <a:spcPct val="0"/>
+              </a:spcBef>
+              <a:spcAft>
+                <a:spcPct val="0"/>
+              </a:spcAft>
+            </a:pPr>
+            <a:r>
+              <a:rPr lang="pt-BR" dirty="0">
+                <a:solidFill>
+                  <a:srgbClr val="343434"/>
+                </a:solidFill>
+                <a:latin typeface="Gotham Rounded Light" pitchFamily="50" charset="0"/>
+                <a:cs typeface="Courier New" panose="02070309020205020404" pitchFamily="49" charset="0"/>
+              </a:rPr>
+              <a:t>Em </a:t>
+            </a:r>
+            <a:r>
+              <a:rPr lang="pt-BR" dirty="0">
+                <a:solidFill>
+                  <a:srgbClr val="343434"/>
+                </a:solidFill>
+                <a:latin typeface="Gotham Rounded Light" pitchFamily="50" charset="0"/>
+              </a:rPr>
+              <a:t>&lt;</a:t>
+            </a:r>
+            <a:r>
+              <a:rPr lang="pt-BR" dirty="0" err="1">
+                <a:solidFill>
+                  <a:srgbClr val="343434"/>
+                </a:solidFill>
+                <a:latin typeface="Gotham Rounded Light" pitchFamily="50" charset="0"/>
+              </a:rPr>
+              <a:t>project</a:t>
+            </a:r>
+            <a:r>
+              <a:rPr lang="pt-BR" dirty="0">
+                <a:solidFill>
+                  <a:srgbClr val="343434"/>
+                </a:solidFill>
+                <a:latin typeface="Gotham Rounded Light" pitchFamily="50" charset="0"/>
+              </a:rPr>
+              <a:t>&gt;/</a:t>
+            </a:r>
+            <a:r>
+              <a:rPr lang="pt-BR" dirty="0" err="1">
+                <a:solidFill>
+                  <a:srgbClr val="343434"/>
+                </a:solidFill>
+                <a:latin typeface="Gotham Rounded Light" pitchFamily="50" charset="0"/>
+              </a:rPr>
+              <a:t>build.gradle</a:t>
+            </a:r>
+            <a:r>
+              <a:rPr lang="pt-BR" dirty="0">
+                <a:solidFill>
+                  <a:srgbClr val="343434"/>
+                </a:solidFill>
+                <a:latin typeface="Gotham Rounded Light" pitchFamily="50" charset="0"/>
+              </a:rPr>
+              <a:t>, adicionar:</a:t>
+            </a:r>
+          </a:p>
+          <a:p>
+            <a:pPr lvl="0" eaLnBrk="0" fontAlgn="base" hangingPunct="0">
+              <a:spcBef>
+                <a:spcPct val="0"/>
+              </a:spcBef>
+              <a:spcAft>
+                <a:spcPct val="0"/>
+              </a:spcAft>
+            </a:pPr>
+            <a:endParaRPr kumimoji="0" lang="pt-BR" altLang="pt-BR" b="0" i="0" u="none" strike="noStrike" cap="none" normalizeH="0" baseline="0" dirty="0">
+              <a:ln>
+                <a:noFill/>
+              </a:ln>
+              <a:solidFill>
+                <a:srgbClr val="343434"/>
+              </a:solidFill>
+              <a:effectLst/>
+              <a:latin typeface="Gotham Rounded Light" pitchFamily="50" charset="0"/>
+              <a:cs typeface="Courier New" panose="02070309020205020404" pitchFamily="49" charset="0"/>
+            </a:endParaRPr>
+          </a:p>
+          <a:p>
+            <a:pPr marL="0" marR="0" lvl="0" indent="0" algn="l" defTabSz="914400" rtl="0" eaLnBrk="0" fontAlgn="base" latinLnBrk="0" hangingPunct="0">
+              <a:lnSpc>
+                <a:spcPct val="100000"/>
+              </a:lnSpc>
+              <a:spcBef>
+                <a:spcPct val="0"/>
+              </a:spcBef>
+              <a:spcAft>
+                <a:spcPct val="0"/>
+              </a:spcAft>
+              <a:buClrTx/>
+              <a:buSzTx/>
+              <a:buFontTx/>
+              <a:buNone/>
+              <a:tabLst/>
+            </a:pPr>
+            <a:r>
+              <a:rPr kumimoji="0" lang="pt-BR" altLang="pt-BR" b="0" i="0" u="none" strike="noStrike" cap="none" normalizeH="0" baseline="0" dirty="0" err="1">
+                <a:ln>
+                  <a:noFill/>
+                </a:ln>
+                <a:solidFill>
+                  <a:srgbClr val="9E9E9E"/>
+                </a:solidFill>
+                <a:effectLst/>
+                <a:latin typeface="Courier New" panose="02070309020205020404" pitchFamily="49" charset="0"/>
+                <a:cs typeface="Courier New" panose="02070309020205020404" pitchFamily="49" charset="0"/>
+              </a:rPr>
+              <a:t>buildscript</a:t>
+            </a:r>
+            <a:r>
+              <a:rPr kumimoji="0" lang="pt-BR" altLang="pt-BR" b="0" i="0" u="none" strike="noStrike" cap="none" normalizeH="0" baseline="0" dirty="0">
+                <a:ln>
+                  <a:noFill/>
+                </a:ln>
+                <a:solidFill>
+                  <a:srgbClr val="9E9E9E"/>
+                </a:solidFill>
+                <a:effectLst/>
+                <a:latin typeface="Courier New" panose="02070309020205020404" pitchFamily="49" charset="0"/>
+                <a:cs typeface="Courier New" panose="02070309020205020404" pitchFamily="49" charset="0"/>
+              </a:rPr>
+              <a:t> { </a:t>
+            </a:r>
+          </a:p>
+          <a:p>
+            <a:pPr marL="0" marR="0" lvl="0" indent="0" algn="l" defTabSz="914400" rtl="0" eaLnBrk="0" fontAlgn="base" latinLnBrk="0" hangingPunct="0">
+              <a:lnSpc>
+                <a:spcPct val="100000"/>
+              </a:lnSpc>
+              <a:spcBef>
+                <a:spcPct val="0"/>
+              </a:spcBef>
+              <a:spcAft>
+                <a:spcPct val="0"/>
+              </a:spcAft>
+              <a:buClrTx/>
+              <a:buSzTx/>
+              <a:buFontTx/>
+              <a:buNone/>
+              <a:tabLst/>
+            </a:pPr>
+            <a:r>
+              <a:rPr lang="pt-BR" altLang="pt-BR" dirty="0">
+                <a:solidFill>
+                  <a:srgbClr val="9E9E9E"/>
+                </a:solidFill>
+                <a:latin typeface="Courier New" panose="02070309020205020404" pitchFamily="49" charset="0"/>
+                <a:cs typeface="Courier New" panose="02070309020205020404" pitchFamily="49" charset="0"/>
+              </a:rPr>
+              <a:t>	</a:t>
+            </a:r>
+            <a:r>
+              <a:rPr kumimoji="0" lang="pt-BR" altLang="pt-BR" b="0" i="0" u="none" strike="noStrike" cap="none" normalizeH="0" baseline="0" dirty="0" err="1">
+                <a:ln>
+                  <a:noFill/>
+                </a:ln>
+                <a:solidFill>
+                  <a:srgbClr val="9E9E9E"/>
+                </a:solidFill>
+                <a:effectLst/>
+                <a:latin typeface="Courier New" panose="02070309020205020404" pitchFamily="49" charset="0"/>
+                <a:cs typeface="Courier New" panose="02070309020205020404" pitchFamily="49" charset="0"/>
+              </a:rPr>
+              <a:t>dependencies</a:t>
+            </a:r>
+            <a:r>
+              <a:rPr kumimoji="0" lang="pt-BR" altLang="pt-BR" b="0" i="0" u="none" strike="noStrike" cap="none" normalizeH="0" baseline="0" dirty="0">
+                <a:ln>
+                  <a:noFill/>
+                </a:ln>
+                <a:solidFill>
+                  <a:srgbClr val="9E9E9E"/>
+                </a:solidFill>
+                <a:effectLst/>
+                <a:latin typeface="Courier New" panose="02070309020205020404" pitchFamily="49" charset="0"/>
+                <a:cs typeface="Courier New" panose="02070309020205020404" pitchFamily="49" charset="0"/>
+              </a:rPr>
+              <a:t> {</a:t>
+            </a:r>
+            <a:r>
+              <a:rPr kumimoji="0" lang="pt-BR" altLang="pt-BR" b="0" i="0" u="none" strike="noStrike" cap="none" normalizeH="0" baseline="0" dirty="0">
+                <a:ln>
+                  <a:noFill/>
+                </a:ln>
+                <a:solidFill>
+                  <a:srgbClr val="37474F"/>
+                </a:solidFill>
+                <a:effectLst/>
+                <a:latin typeface="Courier New" panose="02070309020205020404" pitchFamily="49" charset="0"/>
+                <a:cs typeface="Courier New" panose="02070309020205020404" pitchFamily="49" charset="0"/>
+              </a:rPr>
+              <a:t> </a:t>
+            </a:r>
+          </a:p>
+          <a:p>
+            <a:pPr marL="0" marR="0" lvl="0" indent="0" algn="l" defTabSz="914400" rtl="0" eaLnBrk="0" fontAlgn="base" latinLnBrk="0" hangingPunct="0">
+              <a:lnSpc>
+                <a:spcPct val="100000"/>
+              </a:lnSpc>
+              <a:spcBef>
+                <a:spcPct val="0"/>
+              </a:spcBef>
+              <a:spcAft>
+                <a:spcPct val="0"/>
+              </a:spcAft>
+              <a:buClrTx/>
+              <a:buSzTx/>
+              <a:buFontTx/>
+              <a:buNone/>
+              <a:tabLst/>
+            </a:pPr>
+            <a:r>
+              <a:rPr lang="pt-BR" altLang="pt-BR" dirty="0">
+                <a:solidFill>
+                  <a:srgbClr val="37474F"/>
+                </a:solidFill>
+                <a:latin typeface="Courier New" panose="02070309020205020404" pitchFamily="49" charset="0"/>
+                <a:cs typeface="Courier New" panose="02070309020205020404" pitchFamily="49" charset="0"/>
+              </a:rPr>
+              <a:t>		</a:t>
+            </a:r>
+            <a:r>
+              <a:rPr kumimoji="0" lang="pt-BR" altLang="pt-BR" b="1" i="0" u="none" strike="noStrike" cap="none" normalizeH="0" baseline="0" dirty="0" err="1">
+                <a:ln>
+                  <a:noFill/>
+                </a:ln>
+                <a:solidFill>
+                  <a:srgbClr val="263238"/>
+                </a:solidFill>
+                <a:effectLst/>
+                <a:latin typeface="Courier New" panose="02070309020205020404" pitchFamily="49" charset="0"/>
+                <a:cs typeface="Courier New" panose="02070309020205020404" pitchFamily="49" charset="0"/>
+              </a:rPr>
+              <a:t>classpath</a:t>
+            </a:r>
+            <a:r>
+              <a:rPr kumimoji="0" lang="pt-BR" altLang="pt-BR" b="1" i="0" u="none" strike="noStrike" cap="none" normalizeH="0" baseline="0" dirty="0">
+                <a:ln>
+                  <a:noFill/>
+                </a:ln>
+                <a:solidFill>
+                  <a:srgbClr val="263238"/>
+                </a:solidFill>
+                <a:effectLst/>
+                <a:latin typeface="Courier New" panose="02070309020205020404" pitchFamily="49" charset="0"/>
+                <a:cs typeface="Courier New" panose="02070309020205020404" pitchFamily="49" charset="0"/>
+              </a:rPr>
+              <a:t> 'com.google.gms:google-services:3.1.0’</a:t>
+            </a:r>
+          </a:p>
+          <a:p>
+            <a:pPr marL="0" marR="0" lvl="0" indent="0" algn="l" defTabSz="914400" rtl="0" eaLnBrk="0" fontAlgn="base" latinLnBrk="0" hangingPunct="0">
+              <a:lnSpc>
+                <a:spcPct val="100000"/>
+              </a:lnSpc>
+              <a:spcBef>
+                <a:spcPct val="0"/>
+              </a:spcBef>
+              <a:spcAft>
+                <a:spcPct val="0"/>
+              </a:spcAft>
+              <a:buClrTx/>
+              <a:buSzTx/>
+              <a:buFontTx/>
+              <a:buNone/>
+              <a:tabLst/>
+            </a:pPr>
+            <a:r>
+              <a:rPr kumimoji="0" lang="pt-BR" altLang="pt-BR" b="0" i="0" u="none" strike="noStrike" cap="none" normalizeH="0" baseline="0" dirty="0">
+                <a:ln>
+                  <a:noFill/>
+                </a:ln>
+                <a:solidFill>
+                  <a:srgbClr val="9E9E9E"/>
+                </a:solidFill>
+                <a:effectLst/>
+                <a:latin typeface="Courier New" panose="02070309020205020404" pitchFamily="49" charset="0"/>
+                <a:cs typeface="Courier New" panose="02070309020205020404" pitchFamily="49" charset="0"/>
+              </a:rPr>
+              <a:t> 	}</a:t>
+            </a:r>
+          </a:p>
+          <a:p>
+            <a:pPr marL="0" marR="0" lvl="0" indent="0" algn="l" defTabSz="914400" rtl="0" eaLnBrk="0" fontAlgn="base" latinLnBrk="0" hangingPunct="0">
+              <a:lnSpc>
+                <a:spcPct val="100000"/>
+              </a:lnSpc>
+              <a:spcBef>
+                <a:spcPct val="0"/>
+              </a:spcBef>
+              <a:spcAft>
+                <a:spcPct val="0"/>
+              </a:spcAft>
+              <a:buClrTx/>
+              <a:buSzTx/>
+              <a:buFontTx/>
+              <a:buNone/>
+              <a:tabLst/>
+            </a:pPr>
+            <a:r>
+              <a:rPr kumimoji="0" lang="pt-BR" altLang="pt-BR" b="0" i="0" u="none" strike="noStrike" cap="none" normalizeH="0" baseline="0" dirty="0">
+                <a:ln>
+                  <a:noFill/>
+                </a:ln>
+                <a:solidFill>
+                  <a:srgbClr val="9E9E9E"/>
+                </a:solidFill>
+                <a:effectLst/>
+                <a:latin typeface="Courier New" panose="02070309020205020404" pitchFamily="49" charset="0"/>
+                <a:cs typeface="Courier New" panose="02070309020205020404" pitchFamily="49" charset="0"/>
+              </a:rPr>
+              <a:t> }</a:t>
+            </a:r>
+            <a:r>
+              <a:rPr kumimoji="0" lang="pt-BR" altLang="pt-BR" b="0" i="0" u="none" strike="noStrike" cap="none" normalizeH="0" baseline="0" dirty="0">
+                <a:ln>
+                  <a:noFill/>
+                </a:ln>
+                <a:solidFill>
+                  <a:schemeClr val="tx1"/>
+                </a:solidFill>
+                <a:effectLst/>
+                <a:latin typeface="Courier New" panose="02070309020205020404" pitchFamily="49" charset="0"/>
+                <a:cs typeface="Courier New" panose="02070309020205020404" pitchFamily="49" charset="0"/>
+              </a:rPr>
+              <a:t> </a:t>
+            </a:r>
+          </a:p>
+        </p:txBody>
+      </p:sp>
+      <p:sp>
+        <p:nvSpPr>
+          <p:cNvPr id="7" name="Rectangle 2">
+            <a:extLst>
+              <a:ext uri="{FF2B5EF4-FFF2-40B4-BE49-F238E27FC236}">
+                <a16:creationId xmlns:a16="http://schemas.microsoft.com/office/drawing/2014/main" id="{08D1C307-31DA-4582-B34B-6301E2BB3797}"/>
+              </a:ext>
+            </a:extLst>
+          </p:cNvPr>
+          <p:cNvSpPr>
+            <a:spLocks noChangeArrowheads="1"/>
+          </p:cNvSpPr>
+          <p:nvPr/>
+        </p:nvSpPr>
+        <p:spPr bwMode="auto">
+          <a:xfrm>
+            <a:off x="1604082" y="3595868"/>
+            <a:ext cx="8820703" cy="830997"/>
+          </a:xfrm>
+          <a:prstGeom prst="rect">
+            <a:avLst/>
+          </a:prstGeom>
+          <a:noFill/>
+          <a:ln>
+            <a:noFill/>
+          </a:ln>
+          <a:effectLst/>
+          <a:extLst>
+            <a:ext uri="{909E8E84-426E-40DD-AFC4-6F175D3DCCD1}">
+              <a14:hiddenFill xmlns:a14="http://schemas.microsoft.com/office/drawing/2010/main">
+                <a:solidFill>
+                  <a:schemeClr val="accent1"/>
+                </a:solidFill>
+              </a14:hiddenFill>
+            </a:ext>
+            <a:ext uri="{91240B29-F687-4F45-9708-019B960494DF}">
+              <a14:hiddenLine xmlns:a14="http://schemas.microsoft.com/office/drawing/2010/main" w="9525">
+                <a:solidFill>
+                  <a:schemeClr val="tx1"/>
+                </a:solidFill>
+                <a:miter lim="800000"/>
+                <a:headEnd/>
+                <a:tailEnd/>
+              </a14:hiddenLine>
+            </a:ext>
+            <a:ext uri="{AF507438-7753-43E0-B8FC-AC1667EBCBE1}">
+              <a14:hiddenEffects xmlns:a14="http://schemas.microsoft.com/office/drawing/2010/main">
+                <a:effectLst>
+                  <a:outerShdw dist="35921" dir="2700000" algn="ctr" rotWithShape="0">
+                    <a:schemeClr val="bg2"/>
+                  </a:outerShdw>
+                </a:effectLst>
+              </a14:hiddenEffects>
+            </a:ext>
+          </a:extLst>
+        </p:spPr>
+        <p:txBody>
+          <a:bodyPr vert="horz" wrap="square" lIns="0" tIns="0" rIns="0" bIns="0" numCol="1" anchor="ctr" anchorCtr="0" compatLnSpc="1">
+            <a:prstTxWarp prst="textNoShape">
+              <a:avLst/>
+            </a:prstTxWarp>
+            <a:spAutoFit/>
+          </a:bodyPr>
+          <a:lstStyle/>
+          <a:p>
+            <a:pPr lvl="0" eaLnBrk="0" fontAlgn="base" hangingPunct="0">
+              <a:spcBef>
+                <a:spcPct val="0"/>
+              </a:spcBef>
+              <a:spcAft>
+                <a:spcPct val="0"/>
+              </a:spcAft>
+            </a:pPr>
+            <a:r>
+              <a:rPr lang="pt-BR" dirty="0">
+                <a:solidFill>
+                  <a:srgbClr val="343434"/>
+                </a:solidFill>
+                <a:latin typeface="Gotham Rounded Light" pitchFamily="50" charset="0"/>
+                <a:cs typeface="Courier New" panose="02070309020205020404" pitchFamily="49" charset="0"/>
+              </a:rPr>
+              <a:t>Em &lt;</a:t>
+            </a:r>
+            <a:r>
+              <a:rPr lang="pt-BR" dirty="0" err="1">
+                <a:solidFill>
+                  <a:srgbClr val="343434"/>
+                </a:solidFill>
+                <a:latin typeface="Gotham Rounded Light" pitchFamily="50" charset="0"/>
+                <a:cs typeface="Courier New" panose="02070309020205020404" pitchFamily="49" charset="0"/>
+              </a:rPr>
+              <a:t>project</a:t>
+            </a:r>
+            <a:r>
+              <a:rPr lang="pt-BR" dirty="0">
+                <a:solidFill>
+                  <a:srgbClr val="343434"/>
+                </a:solidFill>
+                <a:latin typeface="Gotham Rounded Light" pitchFamily="50" charset="0"/>
+                <a:cs typeface="Courier New" panose="02070309020205020404" pitchFamily="49" charset="0"/>
+              </a:rPr>
+              <a:t>&gt;/&lt;app-module&gt;/</a:t>
+            </a:r>
+            <a:r>
+              <a:rPr lang="pt-BR" dirty="0" err="1">
+                <a:solidFill>
+                  <a:srgbClr val="343434"/>
+                </a:solidFill>
+                <a:latin typeface="Gotham Rounded Light" pitchFamily="50" charset="0"/>
+                <a:cs typeface="Courier New" panose="02070309020205020404" pitchFamily="49" charset="0"/>
+              </a:rPr>
+              <a:t>build.gradle</a:t>
+            </a:r>
+            <a:r>
+              <a:rPr lang="pt-BR" dirty="0">
+                <a:solidFill>
+                  <a:srgbClr val="343434"/>
+                </a:solidFill>
+                <a:latin typeface="Gotham Rounded Light" pitchFamily="50" charset="0"/>
+              </a:rPr>
+              <a:t>, adicionar, no final do arquivo:</a:t>
+            </a:r>
+          </a:p>
+          <a:p>
+            <a:pPr lvl="0" eaLnBrk="0" fontAlgn="base" hangingPunct="0">
+              <a:spcBef>
+                <a:spcPct val="0"/>
+              </a:spcBef>
+              <a:spcAft>
+                <a:spcPct val="0"/>
+              </a:spcAft>
+            </a:pPr>
+            <a:endParaRPr kumimoji="0" lang="pt-BR" altLang="pt-BR" b="0" i="0" u="none" strike="noStrike" cap="none" normalizeH="0" baseline="0" dirty="0">
+              <a:ln>
+                <a:noFill/>
+              </a:ln>
+              <a:solidFill>
+                <a:srgbClr val="343434"/>
+              </a:solidFill>
+              <a:effectLst/>
+              <a:latin typeface="Gotham Rounded Light" pitchFamily="50" charset="0"/>
+              <a:cs typeface="Courier New" panose="02070309020205020404" pitchFamily="49" charset="0"/>
+            </a:endParaRPr>
+          </a:p>
+          <a:p>
+            <a:pPr lvl="0" eaLnBrk="0" fontAlgn="base" hangingPunct="0">
+              <a:spcBef>
+                <a:spcPct val="0"/>
+              </a:spcBef>
+              <a:spcAft>
+                <a:spcPct val="0"/>
+              </a:spcAft>
+            </a:pPr>
+            <a:r>
+              <a:rPr lang="en-US" altLang="pt-BR" b="1" dirty="0">
+                <a:latin typeface="Courier New" panose="02070309020205020404" pitchFamily="49" charset="0"/>
+                <a:cs typeface="Courier New" panose="02070309020205020404" pitchFamily="49" charset="0"/>
+              </a:rPr>
+              <a:t>apply plugin: ‘</a:t>
+            </a:r>
+            <a:r>
+              <a:rPr lang="en-US" altLang="pt-BR" b="1" dirty="0" err="1">
+                <a:latin typeface="Courier New" panose="02070309020205020404" pitchFamily="49" charset="0"/>
+                <a:cs typeface="Courier New" panose="02070309020205020404" pitchFamily="49" charset="0"/>
+              </a:rPr>
+              <a:t>com.google.gms.google</a:t>
+            </a:r>
+            <a:r>
+              <a:rPr lang="en-US" altLang="pt-BR" b="1" dirty="0">
+                <a:latin typeface="Courier New" panose="02070309020205020404" pitchFamily="49" charset="0"/>
+                <a:cs typeface="Courier New" panose="02070309020205020404" pitchFamily="49" charset="0"/>
+              </a:rPr>
+              <a:t>-services’</a:t>
+            </a:r>
+          </a:p>
+        </p:txBody>
+      </p:sp>
+      <p:sp>
+        <p:nvSpPr>
+          <p:cNvPr id="9" name="Rectangle 2">
+            <a:extLst>
+              <a:ext uri="{FF2B5EF4-FFF2-40B4-BE49-F238E27FC236}">
+                <a16:creationId xmlns:a16="http://schemas.microsoft.com/office/drawing/2014/main" id="{D0707652-99DF-4233-A646-294046463CC0}"/>
+              </a:ext>
+            </a:extLst>
+          </p:cNvPr>
+          <p:cNvSpPr>
+            <a:spLocks noChangeArrowheads="1"/>
+          </p:cNvSpPr>
+          <p:nvPr/>
+        </p:nvSpPr>
+        <p:spPr bwMode="auto">
+          <a:xfrm>
+            <a:off x="1604082" y="4636469"/>
+            <a:ext cx="8820703" cy="1938992"/>
+          </a:xfrm>
+          <a:prstGeom prst="rect">
+            <a:avLst/>
+          </a:prstGeom>
+          <a:noFill/>
+          <a:ln>
+            <a:noFill/>
+          </a:ln>
+          <a:effectLst/>
+          <a:extLst>
+            <a:ext uri="{909E8E84-426E-40DD-AFC4-6F175D3DCCD1}">
+              <a14:hiddenFill xmlns:a14="http://schemas.microsoft.com/office/drawing/2010/main">
+                <a:solidFill>
+                  <a:schemeClr val="accent1"/>
+                </a:solidFill>
+              </a14:hiddenFill>
+            </a:ext>
+            <a:ext uri="{91240B29-F687-4F45-9708-019B960494DF}">
+              <a14:hiddenLine xmlns:a14="http://schemas.microsoft.com/office/drawing/2010/main" w="9525">
+                <a:solidFill>
+                  <a:schemeClr val="tx1"/>
+                </a:solidFill>
+                <a:miter lim="800000"/>
+                <a:headEnd/>
+                <a:tailEnd/>
+              </a14:hiddenLine>
+            </a:ext>
+            <a:ext uri="{AF507438-7753-43E0-B8FC-AC1667EBCBE1}">
+              <a14:hiddenEffects xmlns:a14="http://schemas.microsoft.com/office/drawing/2010/main">
+                <a:effectLst>
+                  <a:outerShdw dist="35921" dir="2700000" algn="ctr" rotWithShape="0">
+                    <a:schemeClr val="bg2"/>
+                  </a:outerShdw>
+                </a:effectLst>
+              </a14:hiddenEffects>
+            </a:ext>
+          </a:extLst>
+        </p:spPr>
+        <p:txBody>
+          <a:bodyPr vert="horz" wrap="square" lIns="0" tIns="0" rIns="0" bIns="0" numCol="1" anchor="ctr" anchorCtr="0" compatLnSpc="1">
+            <a:prstTxWarp prst="textNoShape">
+              <a:avLst/>
+            </a:prstTxWarp>
+            <a:spAutoFit/>
+          </a:bodyPr>
+          <a:lstStyle/>
+          <a:p>
+            <a:pPr lvl="0" eaLnBrk="0" fontAlgn="base" hangingPunct="0">
+              <a:spcBef>
+                <a:spcPct val="0"/>
+              </a:spcBef>
+              <a:spcAft>
+                <a:spcPct val="0"/>
+              </a:spcAft>
+            </a:pPr>
+            <a:r>
+              <a:rPr lang="pt-BR" dirty="0">
+                <a:solidFill>
+                  <a:srgbClr val="343434"/>
+                </a:solidFill>
+                <a:latin typeface="Gotham Rounded Light" pitchFamily="50" charset="0"/>
+                <a:cs typeface="Courier New" panose="02070309020205020404" pitchFamily="49" charset="0"/>
+              </a:rPr>
+              <a:t>Em Application.java</a:t>
+            </a:r>
+            <a:r>
+              <a:rPr lang="pt-BR" dirty="0">
+                <a:solidFill>
+                  <a:srgbClr val="343434"/>
+                </a:solidFill>
+                <a:latin typeface="Gotham Rounded Light" pitchFamily="50" charset="0"/>
+              </a:rPr>
+              <a:t>:</a:t>
+            </a:r>
+          </a:p>
+          <a:p>
+            <a:pPr lvl="0" eaLnBrk="0" fontAlgn="base" hangingPunct="0">
+              <a:spcBef>
+                <a:spcPct val="0"/>
+              </a:spcBef>
+              <a:spcAft>
+                <a:spcPct val="0"/>
+              </a:spcAft>
+            </a:pPr>
+            <a:endParaRPr kumimoji="0" lang="pt-BR" altLang="pt-BR" b="0" i="0" u="none" strike="noStrike" cap="none" normalizeH="0" baseline="0" dirty="0">
+              <a:ln>
+                <a:noFill/>
+              </a:ln>
+              <a:solidFill>
+                <a:srgbClr val="343434"/>
+              </a:solidFill>
+              <a:effectLst/>
+              <a:latin typeface="Gotham Rounded Light" pitchFamily="50" charset="0"/>
+              <a:cs typeface="Courier New" panose="02070309020205020404" pitchFamily="49" charset="0"/>
+            </a:endParaRPr>
+          </a:p>
+          <a:p>
+            <a:pPr lvl="0" eaLnBrk="0" fontAlgn="base" hangingPunct="0">
+              <a:spcBef>
+                <a:spcPct val="0"/>
+              </a:spcBef>
+              <a:spcAft>
+                <a:spcPct val="0"/>
+              </a:spcAft>
+            </a:pPr>
+            <a:r>
+              <a:rPr lang="en-US" altLang="pt-BR" dirty="0">
+                <a:solidFill>
+                  <a:srgbClr val="A5A4A4"/>
+                </a:solidFill>
+                <a:latin typeface="Courier New" panose="02070309020205020404" pitchFamily="49" charset="0"/>
+                <a:cs typeface="Courier New" panose="02070309020205020404" pitchFamily="49" charset="0"/>
+              </a:rPr>
+              <a:t>@Override</a:t>
+            </a:r>
+          </a:p>
+          <a:p>
+            <a:pPr lvl="0" eaLnBrk="0" fontAlgn="base" hangingPunct="0">
+              <a:spcBef>
+                <a:spcPct val="0"/>
+              </a:spcBef>
+              <a:spcAft>
+                <a:spcPct val="0"/>
+              </a:spcAft>
+            </a:pPr>
+            <a:r>
+              <a:rPr lang="en-US" altLang="pt-BR" dirty="0">
+                <a:solidFill>
+                  <a:srgbClr val="A5A4A4"/>
+                </a:solidFill>
+                <a:latin typeface="Courier New" panose="02070309020205020404" pitchFamily="49" charset="0"/>
+                <a:cs typeface="Courier New" panose="02070309020205020404" pitchFamily="49" charset="0"/>
+              </a:rPr>
+              <a:t>public void </a:t>
+            </a:r>
+            <a:r>
+              <a:rPr lang="en-US" altLang="pt-BR" dirty="0" err="1">
+                <a:solidFill>
+                  <a:srgbClr val="A5A4A4"/>
+                </a:solidFill>
+                <a:latin typeface="Courier New" panose="02070309020205020404" pitchFamily="49" charset="0"/>
+                <a:cs typeface="Courier New" panose="02070309020205020404" pitchFamily="49" charset="0"/>
+              </a:rPr>
+              <a:t>onCreate</a:t>
+            </a:r>
+            <a:r>
+              <a:rPr lang="en-US" altLang="pt-BR" dirty="0">
+                <a:solidFill>
+                  <a:srgbClr val="A5A4A4"/>
+                </a:solidFill>
+                <a:latin typeface="Courier New" panose="02070309020205020404" pitchFamily="49" charset="0"/>
+                <a:cs typeface="Courier New" panose="02070309020205020404" pitchFamily="49" charset="0"/>
+              </a:rPr>
+              <a:t>() {</a:t>
+            </a:r>
+          </a:p>
+          <a:p>
+            <a:pPr lvl="0" eaLnBrk="0" fontAlgn="base" hangingPunct="0">
+              <a:spcBef>
+                <a:spcPct val="0"/>
+              </a:spcBef>
+              <a:spcAft>
+                <a:spcPct val="0"/>
+              </a:spcAft>
+            </a:pPr>
+            <a:r>
+              <a:rPr lang="en-US" altLang="pt-BR" dirty="0">
+                <a:solidFill>
+                  <a:srgbClr val="A5A4A4"/>
+                </a:solidFill>
+                <a:latin typeface="Courier New" panose="02070309020205020404" pitchFamily="49" charset="0"/>
+                <a:cs typeface="Courier New" panose="02070309020205020404" pitchFamily="49" charset="0"/>
+              </a:rPr>
+              <a:t>	</a:t>
+            </a:r>
+            <a:r>
+              <a:rPr lang="en-US" altLang="pt-BR" dirty="0" err="1">
+                <a:solidFill>
+                  <a:srgbClr val="A5A4A4"/>
+                </a:solidFill>
+                <a:latin typeface="Courier New" panose="02070309020205020404" pitchFamily="49" charset="0"/>
+                <a:cs typeface="Courier New" panose="02070309020205020404" pitchFamily="49" charset="0"/>
+              </a:rPr>
+              <a:t>super.onCreate</a:t>
+            </a:r>
+            <a:r>
+              <a:rPr lang="en-US" altLang="pt-BR" dirty="0">
+                <a:solidFill>
+                  <a:srgbClr val="A5A4A4"/>
+                </a:solidFill>
+                <a:latin typeface="Courier New" panose="02070309020205020404" pitchFamily="49" charset="0"/>
+                <a:cs typeface="Courier New" panose="02070309020205020404" pitchFamily="49" charset="0"/>
+              </a:rPr>
+              <a:t>();</a:t>
+            </a:r>
+          </a:p>
+          <a:p>
+            <a:pPr lvl="0" eaLnBrk="0" fontAlgn="base" hangingPunct="0">
+              <a:spcBef>
+                <a:spcPct val="0"/>
+              </a:spcBef>
+              <a:spcAft>
+                <a:spcPct val="0"/>
+              </a:spcAft>
+            </a:pPr>
+            <a:r>
+              <a:rPr lang="en-US" altLang="pt-BR" b="1" dirty="0">
+                <a:solidFill>
+                  <a:srgbClr val="343434"/>
+                </a:solidFill>
+                <a:latin typeface="Courier New" panose="02070309020205020404" pitchFamily="49" charset="0"/>
+                <a:cs typeface="Courier New" panose="02070309020205020404" pitchFamily="49" charset="0"/>
+              </a:rPr>
+              <a:t>	</a:t>
+            </a:r>
+            <a:r>
+              <a:rPr lang="en-US" altLang="pt-BR" b="1" dirty="0" err="1">
+                <a:solidFill>
+                  <a:srgbClr val="343434"/>
+                </a:solidFill>
+                <a:latin typeface="Courier New" panose="02070309020205020404" pitchFamily="49" charset="0"/>
+                <a:cs typeface="Courier New" panose="02070309020205020404" pitchFamily="49" charset="0"/>
+              </a:rPr>
+              <a:t>FirebaseApp.initializeApp</a:t>
+            </a:r>
+            <a:r>
+              <a:rPr lang="en-US" altLang="pt-BR" b="1" dirty="0">
+                <a:solidFill>
+                  <a:srgbClr val="343434"/>
+                </a:solidFill>
+                <a:latin typeface="Courier New" panose="02070309020205020404" pitchFamily="49" charset="0"/>
+                <a:cs typeface="Courier New" panose="02070309020205020404" pitchFamily="49" charset="0"/>
+              </a:rPr>
+              <a:t>(this);</a:t>
+            </a:r>
+          </a:p>
+          <a:p>
+            <a:pPr lvl="0" eaLnBrk="0" fontAlgn="base" hangingPunct="0">
+              <a:spcBef>
+                <a:spcPct val="0"/>
+              </a:spcBef>
+              <a:spcAft>
+                <a:spcPct val="0"/>
+              </a:spcAft>
+            </a:pPr>
+            <a:r>
+              <a:rPr lang="en-US" altLang="pt-BR" dirty="0">
+                <a:solidFill>
+                  <a:srgbClr val="A5A4A4"/>
+                </a:solidFill>
+                <a:latin typeface="Courier New" panose="02070309020205020404" pitchFamily="49" charset="0"/>
+                <a:cs typeface="Courier New" panose="02070309020205020404" pitchFamily="49" charset="0"/>
+              </a:rPr>
+              <a:t>}</a:t>
+            </a:r>
+            <a:endParaRPr kumimoji="0" lang="pt-BR" altLang="pt-BR" b="0" i="0" u="none" strike="noStrike" cap="none" normalizeH="0" baseline="0" dirty="0">
+              <a:ln>
+                <a:noFill/>
+              </a:ln>
+              <a:solidFill>
+                <a:srgbClr val="A5A4A4"/>
+              </a:solidFill>
+              <a:effectLst/>
+              <a:latin typeface="Courier New" panose="02070309020205020404" pitchFamily="49" charset="0"/>
+              <a:cs typeface="Courier New" panose="02070309020205020404" pitchFamily="49" charset="0"/>
+            </a:endParaRPr>
+          </a:p>
+        </p:txBody>
+      </p:sp>
+    </p:spTree>
+    <p:extLst>
+      <p:ext uri="{BB962C8B-B14F-4D97-AF65-F5344CB8AC3E}">
+        <p14:creationId xmlns:p14="http://schemas.microsoft.com/office/powerpoint/2010/main" val="953595510"/>
+      </p:ext>
+    </p:extLst>
+  </p:cSld>
+  <p:clrMapOvr>
+    <a:masterClrMapping/>
+  </p:clrMapOvr>
+</p:sld>
+</file>
+
+<file path=ppt/slides/slide9.xml><?xml version="1.0" encoding="utf-8"?>
+<p:sld xmlns:a="http://schemas.openxmlformats.org/drawingml/2006/main" xmlns:r="http://schemas.openxmlformats.org/officeDocument/2006/relationships" xmlns:p="http://schemas.openxmlformats.org/presentationml/2006/main">
+  <p:cSld>
+    <p:spTree>
+      <p:nvGrpSpPr>
+        <p:cNvPr id="1" name=""/>
+        <p:cNvGrpSpPr/>
+        <p:nvPr/>
+      </p:nvGrpSpPr>
+      <p:grpSpPr>
+        <a:xfrm>
+          <a:off x="0" y="0"/>
+          <a:ext cx="0" cy="0"/>
+          <a:chOff x="0" y="0"/>
+          <a:chExt cx="0" cy="0"/>
+        </a:xfrm>
+      </p:grpSpPr>
+      <p:sp>
+        <p:nvSpPr>
+          <p:cNvPr id="2" name="CaixaDeTexto 1">
+            <a:extLst>
+              <a:ext uri="{FF2B5EF4-FFF2-40B4-BE49-F238E27FC236}">
+                <a16:creationId xmlns:a16="http://schemas.microsoft.com/office/drawing/2014/main" id="{40901D67-8F3F-411C-B4AD-F0E78CB1D8CA}"/>
+              </a:ext>
+            </a:extLst>
+          </p:cNvPr>
+          <p:cNvSpPr txBox="1"/>
+          <p:nvPr/>
+        </p:nvSpPr>
+        <p:spPr>
+          <a:xfrm>
+            <a:off x="399245" y="540913"/>
+            <a:ext cx="5241701" cy="646331"/>
+          </a:xfrm>
+          <a:prstGeom prst="rect">
+            <a:avLst/>
+          </a:prstGeom>
+          <a:noFill/>
+        </p:spPr>
+        <p:txBody>
+          <a:bodyPr wrap="square" rtlCol="0">
+            <a:spAutoFit/>
+          </a:bodyPr>
+          <a:lstStyle/>
+          <a:p>
+            <a:r>
+              <a:rPr lang="pt-BR" sz="3600" dirty="0">
+                <a:solidFill>
+                  <a:srgbClr val="343434"/>
+                </a:solidFill>
+                <a:latin typeface="Gotham Rounded Medium" pitchFamily="50" charset="0"/>
+              </a:rPr>
+              <a:t>Autenticação</a:t>
+            </a:r>
+          </a:p>
+        </p:txBody>
+      </p:sp>
+      <p:sp>
+        <p:nvSpPr>
+          <p:cNvPr id="5" name="Rectangle 2">
+            <a:extLst>
+              <a:ext uri="{FF2B5EF4-FFF2-40B4-BE49-F238E27FC236}">
+                <a16:creationId xmlns:a16="http://schemas.microsoft.com/office/drawing/2014/main" id="{D320CC24-92D8-4DE5-BA89-1C9414FEF140}"/>
+              </a:ext>
+            </a:extLst>
+          </p:cNvPr>
+          <p:cNvSpPr>
+            <a:spLocks noChangeArrowheads="1"/>
+          </p:cNvSpPr>
+          <p:nvPr/>
+        </p:nvSpPr>
+        <p:spPr bwMode="auto">
+          <a:xfrm>
+            <a:off x="573109" y="1720636"/>
+            <a:ext cx="10135673" cy="4524315"/>
+          </a:xfrm>
+          <a:prstGeom prst="rect">
+            <a:avLst/>
+          </a:prstGeom>
+          <a:noFill/>
+          <a:ln>
+            <a:noFill/>
+          </a:ln>
+          <a:effectLst/>
+          <a:extLst>
+            <a:ext uri="{909E8E84-426E-40DD-AFC4-6F175D3DCCD1}">
+              <a14:hiddenFill xmlns:a14="http://schemas.microsoft.com/office/drawing/2010/main">
+                <a:solidFill>
+                  <a:schemeClr val="accent1"/>
+                </a:solidFill>
+              </a14:hiddenFill>
+            </a:ext>
+            <a:ext uri="{91240B29-F687-4F45-9708-019B960494DF}">
+              <a14:hiddenLine xmlns:a14="http://schemas.microsoft.com/office/drawing/2010/main" w="9525">
+                <a:solidFill>
+                  <a:schemeClr val="tx1"/>
+                </a:solidFill>
+                <a:miter lim="800000"/>
+                <a:headEnd/>
+                <a:tailEnd/>
+              </a14:hiddenLine>
+            </a:ext>
+            <a:ext uri="{AF507438-7753-43E0-B8FC-AC1667EBCBE1}">
+              <a14:hiddenEffects xmlns:a14="http://schemas.microsoft.com/office/drawing/2010/main">
+                <a:effectLst>
+                  <a:outerShdw dist="35921" dir="2700000" algn="ctr" rotWithShape="0">
+                    <a:schemeClr val="bg2"/>
+                  </a:outerShdw>
+                </a:effectLst>
+              </a14:hiddenEffects>
+            </a:ext>
+          </a:extLst>
+        </p:spPr>
+        <p:txBody>
+          <a:bodyPr vert="horz" wrap="square" lIns="0" tIns="0" rIns="0" bIns="0" numCol="1" anchor="ctr" anchorCtr="0" compatLnSpc="1">
+            <a:prstTxWarp prst="textNoShape">
+              <a:avLst/>
+            </a:prstTxWarp>
+            <a:spAutoFit/>
+          </a:bodyPr>
+          <a:lstStyle/>
+          <a:p>
+            <a:pPr marL="285750" lvl="0" indent="-285750" eaLnBrk="0" fontAlgn="base" hangingPunct="0">
+              <a:lnSpc>
+                <a:spcPct val="150000"/>
+              </a:lnSpc>
+              <a:spcBef>
+                <a:spcPct val="0"/>
+              </a:spcBef>
+              <a:spcAft>
+                <a:spcPct val="0"/>
+              </a:spcAft>
+              <a:buFont typeface="Arial" panose="020B0604020202020204" pitchFamily="34" charset="0"/>
+              <a:buChar char="•"/>
+            </a:pPr>
+            <a:r>
+              <a:rPr lang="pt-BR" sz="2800" dirty="0">
+                <a:solidFill>
+                  <a:srgbClr val="343434"/>
+                </a:solidFill>
+                <a:latin typeface="Gotham Rounded Light" pitchFamily="50" charset="0"/>
+              </a:rPr>
+              <a:t>Importante saber a identidade do usuário</a:t>
+            </a:r>
+          </a:p>
+          <a:p>
+            <a:pPr marL="285750" lvl="0" indent="-285750" eaLnBrk="0" fontAlgn="base" hangingPunct="0">
+              <a:lnSpc>
+                <a:spcPct val="150000"/>
+              </a:lnSpc>
+              <a:spcBef>
+                <a:spcPct val="0"/>
+              </a:spcBef>
+              <a:spcAft>
+                <a:spcPct val="0"/>
+              </a:spcAft>
+              <a:buFont typeface="Arial" panose="020B0604020202020204" pitchFamily="34" charset="0"/>
+              <a:buChar char="•"/>
+            </a:pPr>
+            <a:r>
+              <a:rPr lang="pt-BR" sz="2800" dirty="0">
+                <a:solidFill>
+                  <a:srgbClr val="343434"/>
+                </a:solidFill>
+                <a:latin typeface="Gotham Rounded Light" pitchFamily="50" charset="0"/>
+              </a:rPr>
+              <a:t>Manter segurança</a:t>
+            </a:r>
+          </a:p>
+          <a:p>
+            <a:pPr marL="285750" lvl="0" indent="-285750" eaLnBrk="0" fontAlgn="base" hangingPunct="0">
+              <a:lnSpc>
+                <a:spcPct val="150000"/>
+              </a:lnSpc>
+              <a:spcBef>
+                <a:spcPct val="0"/>
+              </a:spcBef>
+              <a:spcAft>
+                <a:spcPct val="0"/>
+              </a:spcAft>
+              <a:buFont typeface="Arial" panose="020B0604020202020204" pitchFamily="34" charset="0"/>
+              <a:buChar char="•"/>
+            </a:pPr>
+            <a:r>
+              <a:rPr lang="pt-BR" sz="2800" dirty="0">
+                <a:solidFill>
+                  <a:srgbClr val="343434"/>
+                </a:solidFill>
+                <a:latin typeface="Gotham Rounded Light" pitchFamily="50" charset="0"/>
+              </a:rPr>
+              <a:t>Recursos:</a:t>
+            </a:r>
+          </a:p>
+          <a:p>
+            <a:pPr marL="742950" lvl="1" indent="-285750" eaLnBrk="0" fontAlgn="base" hangingPunct="0">
+              <a:lnSpc>
+                <a:spcPct val="150000"/>
+              </a:lnSpc>
+              <a:spcBef>
+                <a:spcPct val="0"/>
+              </a:spcBef>
+              <a:spcAft>
+                <a:spcPct val="0"/>
+              </a:spcAft>
+              <a:buFont typeface="Arial" panose="020B0604020202020204" pitchFamily="34" charset="0"/>
+              <a:buChar char="•"/>
+            </a:pPr>
+            <a:r>
+              <a:rPr lang="pt-BR" sz="2800" dirty="0">
+                <a:solidFill>
+                  <a:srgbClr val="343434"/>
+                </a:solidFill>
+                <a:latin typeface="Gotham Rounded Light" pitchFamily="50" charset="0"/>
+              </a:rPr>
+              <a:t>Login por e-mail e senha</a:t>
+            </a:r>
+          </a:p>
+          <a:p>
+            <a:pPr marL="742950" lvl="1" indent="-285750" eaLnBrk="0" fontAlgn="base" hangingPunct="0">
+              <a:lnSpc>
+                <a:spcPct val="150000"/>
+              </a:lnSpc>
+              <a:spcBef>
+                <a:spcPct val="0"/>
+              </a:spcBef>
+              <a:spcAft>
+                <a:spcPct val="0"/>
+              </a:spcAft>
+              <a:buFont typeface="Arial" panose="020B0604020202020204" pitchFamily="34" charset="0"/>
+              <a:buChar char="•"/>
+            </a:pPr>
+            <a:r>
+              <a:rPr lang="pt-BR" sz="2800" dirty="0">
+                <a:solidFill>
+                  <a:srgbClr val="343434"/>
+                </a:solidFill>
+                <a:latin typeface="Gotham Rounded Light" pitchFamily="50" charset="0"/>
+              </a:rPr>
+              <a:t>Login por redes sociais (Google, Facebook, etc.)</a:t>
+            </a:r>
+          </a:p>
+          <a:p>
+            <a:pPr marL="742950" lvl="1" indent="-285750" eaLnBrk="0" fontAlgn="base" hangingPunct="0">
+              <a:lnSpc>
+                <a:spcPct val="150000"/>
+              </a:lnSpc>
+              <a:spcBef>
+                <a:spcPct val="0"/>
+              </a:spcBef>
+              <a:spcAft>
+                <a:spcPct val="0"/>
+              </a:spcAft>
+              <a:buFont typeface="Arial" panose="020B0604020202020204" pitchFamily="34" charset="0"/>
+              <a:buChar char="•"/>
+            </a:pPr>
+            <a:r>
+              <a:rPr lang="pt-BR" sz="2800" dirty="0">
+                <a:solidFill>
+                  <a:srgbClr val="343434"/>
+                </a:solidFill>
+                <a:latin typeface="Gotham Rounded Light" pitchFamily="50" charset="0"/>
+              </a:rPr>
+              <a:t>Login personalizado</a:t>
+            </a:r>
+          </a:p>
+          <a:p>
+            <a:pPr marL="742950" lvl="1" indent="-285750" eaLnBrk="0" fontAlgn="base" hangingPunct="0">
+              <a:lnSpc>
+                <a:spcPct val="150000"/>
+              </a:lnSpc>
+              <a:spcBef>
+                <a:spcPct val="0"/>
+              </a:spcBef>
+              <a:spcAft>
+                <a:spcPct val="0"/>
+              </a:spcAft>
+              <a:buFont typeface="Arial" panose="020B0604020202020204" pitchFamily="34" charset="0"/>
+              <a:buChar char="•"/>
+            </a:pPr>
+            <a:r>
+              <a:rPr lang="pt-BR" sz="2800" dirty="0">
+                <a:solidFill>
+                  <a:srgbClr val="343434"/>
+                </a:solidFill>
+                <a:latin typeface="Gotham Rounded Light" pitchFamily="50" charset="0"/>
+              </a:rPr>
+              <a:t>Login anônimo</a:t>
+            </a:r>
+          </a:p>
+        </p:txBody>
+      </p:sp>
+    </p:spTree>
+    <p:extLst>
+      <p:ext uri="{BB962C8B-B14F-4D97-AF65-F5344CB8AC3E}">
+        <p14:creationId xmlns:p14="http://schemas.microsoft.com/office/powerpoint/2010/main" val="3418560352"/>
       </p:ext>
     </p:extLst>
   </p:cSld>
